--- a/Documentation/4 - Suivi projet/Point_Equipe_2015-06_22.pptx
+++ b/Documentation/4 - Suivi projet/Point_Equipe_2015-06_22.pptx
@@ -5,15 +5,19 @@
     <p:sldMasterId id="2147483660" r:id="rId1"/>
   </p:sldMasterIdLst>
   <p:notesMasterIdLst>
-    <p:notesMasterId r:id="rId8"/>
+    <p:notesMasterId r:id="rId12"/>
   </p:notesMasterIdLst>
   <p:sldIdLst>
     <p:sldId id="301" r:id="rId2"/>
     <p:sldId id="333" r:id="rId3"/>
     <p:sldId id="357" r:id="rId4"/>
-    <p:sldId id="361" r:id="rId5"/>
-    <p:sldId id="358" r:id="rId6"/>
-    <p:sldId id="360" r:id="rId7"/>
+    <p:sldId id="362" r:id="rId5"/>
+    <p:sldId id="363" r:id="rId6"/>
+    <p:sldId id="364" r:id="rId7"/>
+    <p:sldId id="365" r:id="rId8"/>
+    <p:sldId id="366" r:id="rId9"/>
+    <p:sldId id="360" r:id="rId10"/>
+    <p:sldId id="361" r:id="rId11"/>
   </p:sldIdLst>
   <p:sldSz cx="9144000" cy="6858000" type="screen4x3"/>
   <p:notesSz cx="6858000" cy="9144000"/>
@@ -213,7 +217,7 @@
           <a:p>
             <a:fld id="{E52630F6-BB7E-4BB0-B3A1-C739EB574077}" type="datetimeFigureOut">
               <a:rPr lang="fr-FR" smtClean="0"/>
-              <a:t>20/06/2015</a:t>
+              <a:t>22/06/2015</a:t>
             </a:fld>
             <a:endParaRPr lang="fr-FR"/>
           </a:p>
@@ -565,6 +569,90 @@
 </p:notes>
 </file>
 
+<file path=ppt/notesSlides/notesSlide10.xml><?xml version="1.0" encoding="utf-8"?>
+<p:notes xmlns:a="http://schemas.openxmlformats.org/drawingml/2006/main" xmlns:r="http://schemas.openxmlformats.org/officeDocument/2006/relationships" xmlns:p="http://schemas.openxmlformats.org/presentationml/2006/main">
+  <p:cSld>
+    <p:spTree>
+      <p:nvGrpSpPr>
+        <p:cNvPr id="1" name=""/>
+        <p:cNvGrpSpPr/>
+        <p:nvPr/>
+      </p:nvGrpSpPr>
+      <p:grpSpPr>
+        <a:xfrm>
+          <a:off x="0" y="0"/>
+          <a:ext cx="0" cy="0"/>
+          <a:chOff x="0" y="0"/>
+          <a:chExt cx="0" cy="0"/>
+        </a:xfrm>
+      </p:grpSpPr>
+      <p:sp>
+        <p:nvSpPr>
+          <p:cNvPr id="2" name="Espace réservé de l'image des diapositives 1"/>
+          <p:cNvSpPr>
+            <a:spLocks noGrp="1" noRot="1" noChangeAspect="1"/>
+          </p:cNvSpPr>
+          <p:nvPr>
+            <p:ph type="sldImg"/>
+          </p:nvPr>
+        </p:nvSpPr>
+        <p:spPr/>
+      </p:sp>
+      <p:sp>
+        <p:nvSpPr>
+          <p:cNvPr id="3" name="Espace réservé des commentaires 2"/>
+          <p:cNvSpPr>
+            <a:spLocks noGrp="1"/>
+          </p:cNvSpPr>
+          <p:nvPr>
+            <p:ph type="body" idx="1"/>
+          </p:nvPr>
+        </p:nvSpPr>
+        <p:spPr/>
+        <p:txBody>
+          <a:bodyPr/>
+          <a:lstStyle/>
+          <a:p>
+            <a:endParaRPr lang="fr-FR"/>
+          </a:p>
+        </p:txBody>
+      </p:sp>
+      <p:sp>
+        <p:nvSpPr>
+          <p:cNvPr id="4" name="Espace réservé du numéro de diapositive 3"/>
+          <p:cNvSpPr>
+            <a:spLocks noGrp="1"/>
+          </p:cNvSpPr>
+          <p:nvPr>
+            <p:ph type="sldNum" sz="quarter" idx="10"/>
+          </p:nvPr>
+        </p:nvSpPr>
+        <p:spPr/>
+        <p:txBody>
+          <a:bodyPr/>
+          <a:lstStyle/>
+          <a:p>
+            <a:fld id="{0C080E5F-76A7-426C-8874-1B043B738D2C}" type="slidenum">
+              <a:rPr lang="fr-FR" smtClean="0"/>
+              <a:t>10</a:t>
+            </a:fld>
+            <a:endParaRPr lang="fr-FR"/>
+          </a:p>
+        </p:txBody>
+      </p:sp>
+    </p:spTree>
+    <p:extLst>
+      <p:ext uri="{BB962C8B-B14F-4D97-AF65-F5344CB8AC3E}">
+        <p14:creationId xmlns:p14="http://schemas.microsoft.com/office/powerpoint/2010/main" val="447969412"/>
+      </p:ext>
+    </p:extLst>
+  </p:cSld>
+  <p:clrMapOvr>
+    <a:masterClrMapping/>
+  </p:clrMapOvr>
+</p:notes>
+</file>
+
 <file path=ppt/notesSlides/notesSlide2.xml><?xml version="1.0" encoding="utf-8"?>
 <p:notes xmlns:a="http://schemas.openxmlformats.org/drawingml/2006/main" xmlns:r="http://schemas.openxmlformats.org/officeDocument/2006/relationships" xmlns:p="http://schemas.openxmlformats.org/presentationml/2006/main">
   <p:cSld>
@@ -967,6 +1055,258 @@
             <a:fld id="{0C080E5F-76A7-426C-8874-1B043B738D2C}" type="slidenum">
               <a:rPr lang="fr-FR" smtClean="0"/>
               <a:t>6</a:t>
+            </a:fld>
+            <a:endParaRPr lang="fr-FR"/>
+          </a:p>
+        </p:txBody>
+      </p:sp>
+    </p:spTree>
+    <p:extLst>
+      <p:ext uri="{BB962C8B-B14F-4D97-AF65-F5344CB8AC3E}">
+        <p14:creationId xmlns:p14="http://schemas.microsoft.com/office/powerpoint/2010/main" val="447969412"/>
+      </p:ext>
+    </p:extLst>
+  </p:cSld>
+  <p:clrMapOvr>
+    <a:masterClrMapping/>
+  </p:clrMapOvr>
+</p:notes>
+</file>
+
+<file path=ppt/notesSlides/notesSlide7.xml><?xml version="1.0" encoding="utf-8"?>
+<p:notes xmlns:a="http://schemas.openxmlformats.org/drawingml/2006/main" xmlns:r="http://schemas.openxmlformats.org/officeDocument/2006/relationships" xmlns:p="http://schemas.openxmlformats.org/presentationml/2006/main">
+  <p:cSld>
+    <p:spTree>
+      <p:nvGrpSpPr>
+        <p:cNvPr id="1" name=""/>
+        <p:cNvGrpSpPr/>
+        <p:nvPr/>
+      </p:nvGrpSpPr>
+      <p:grpSpPr>
+        <a:xfrm>
+          <a:off x="0" y="0"/>
+          <a:ext cx="0" cy="0"/>
+          <a:chOff x="0" y="0"/>
+          <a:chExt cx="0" cy="0"/>
+        </a:xfrm>
+      </p:grpSpPr>
+      <p:sp>
+        <p:nvSpPr>
+          <p:cNvPr id="2" name="Espace réservé de l'image des diapositives 1"/>
+          <p:cNvSpPr>
+            <a:spLocks noGrp="1" noRot="1" noChangeAspect="1"/>
+          </p:cNvSpPr>
+          <p:nvPr>
+            <p:ph type="sldImg"/>
+          </p:nvPr>
+        </p:nvSpPr>
+        <p:spPr/>
+      </p:sp>
+      <p:sp>
+        <p:nvSpPr>
+          <p:cNvPr id="3" name="Espace réservé des commentaires 2"/>
+          <p:cNvSpPr>
+            <a:spLocks noGrp="1"/>
+          </p:cNvSpPr>
+          <p:nvPr>
+            <p:ph type="body" idx="1"/>
+          </p:nvPr>
+        </p:nvSpPr>
+        <p:spPr/>
+        <p:txBody>
+          <a:bodyPr/>
+          <a:lstStyle/>
+          <a:p>
+            <a:endParaRPr lang="fr-FR"/>
+          </a:p>
+        </p:txBody>
+      </p:sp>
+      <p:sp>
+        <p:nvSpPr>
+          <p:cNvPr id="4" name="Espace réservé du numéro de diapositive 3"/>
+          <p:cNvSpPr>
+            <a:spLocks noGrp="1"/>
+          </p:cNvSpPr>
+          <p:nvPr>
+            <p:ph type="sldNum" sz="quarter" idx="10"/>
+          </p:nvPr>
+        </p:nvSpPr>
+        <p:spPr/>
+        <p:txBody>
+          <a:bodyPr/>
+          <a:lstStyle/>
+          <a:p>
+            <a:fld id="{0C080E5F-76A7-426C-8874-1B043B738D2C}" type="slidenum">
+              <a:rPr lang="fr-FR" smtClean="0"/>
+              <a:t>7</a:t>
+            </a:fld>
+            <a:endParaRPr lang="fr-FR"/>
+          </a:p>
+        </p:txBody>
+      </p:sp>
+    </p:spTree>
+    <p:extLst>
+      <p:ext uri="{BB962C8B-B14F-4D97-AF65-F5344CB8AC3E}">
+        <p14:creationId xmlns:p14="http://schemas.microsoft.com/office/powerpoint/2010/main" val="447969412"/>
+      </p:ext>
+    </p:extLst>
+  </p:cSld>
+  <p:clrMapOvr>
+    <a:masterClrMapping/>
+  </p:clrMapOvr>
+</p:notes>
+</file>
+
+<file path=ppt/notesSlides/notesSlide8.xml><?xml version="1.0" encoding="utf-8"?>
+<p:notes xmlns:a="http://schemas.openxmlformats.org/drawingml/2006/main" xmlns:r="http://schemas.openxmlformats.org/officeDocument/2006/relationships" xmlns:p="http://schemas.openxmlformats.org/presentationml/2006/main">
+  <p:cSld>
+    <p:spTree>
+      <p:nvGrpSpPr>
+        <p:cNvPr id="1" name=""/>
+        <p:cNvGrpSpPr/>
+        <p:nvPr/>
+      </p:nvGrpSpPr>
+      <p:grpSpPr>
+        <a:xfrm>
+          <a:off x="0" y="0"/>
+          <a:ext cx="0" cy="0"/>
+          <a:chOff x="0" y="0"/>
+          <a:chExt cx="0" cy="0"/>
+        </a:xfrm>
+      </p:grpSpPr>
+      <p:sp>
+        <p:nvSpPr>
+          <p:cNvPr id="2" name="Espace réservé de l'image des diapositives 1"/>
+          <p:cNvSpPr>
+            <a:spLocks noGrp="1" noRot="1" noChangeAspect="1"/>
+          </p:cNvSpPr>
+          <p:nvPr>
+            <p:ph type="sldImg"/>
+          </p:nvPr>
+        </p:nvSpPr>
+        <p:spPr/>
+      </p:sp>
+      <p:sp>
+        <p:nvSpPr>
+          <p:cNvPr id="3" name="Espace réservé des commentaires 2"/>
+          <p:cNvSpPr>
+            <a:spLocks noGrp="1"/>
+          </p:cNvSpPr>
+          <p:nvPr>
+            <p:ph type="body" idx="1"/>
+          </p:nvPr>
+        </p:nvSpPr>
+        <p:spPr/>
+        <p:txBody>
+          <a:bodyPr/>
+          <a:lstStyle/>
+          <a:p>
+            <a:endParaRPr lang="fr-FR"/>
+          </a:p>
+        </p:txBody>
+      </p:sp>
+      <p:sp>
+        <p:nvSpPr>
+          <p:cNvPr id="4" name="Espace réservé du numéro de diapositive 3"/>
+          <p:cNvSpPr>
+            <a:spLocks noGrp="1"/>
+          </p:cNvSpPr>
+          <p:nvPr>
+            <p:ph type="sldNum" sz="quarter" idx="10"/>
+          </p:nvPr>
+        </p:nvSpPr>
+        <p:spPr/>
+        <p:txBody>
+          <a:bodyPr/>
+          <a:lstStyle/>
+          <a:p>
+            <a:fld id="{0C080E5F-76A7-426C-8874-1B043B738D2C}" type="slidenum">
+              <a:rPr lang="fr-FR" smtClean="0"/>
+              <a:t>8</a:t>
+            </a:fld>
+            <a:endParaRPr lang="fr-FR"/>
+          </a:p>
+        </p:txBody>
+      </p:sp>
+    </p:spTree>
+    <p:extLst>
+      <p:ext uri="{BB962C8B-B14F-4D97-AF65-F5344CB8AC3E}">
+        <p14:creationId xmlns:p14="http://schemas.microsoft.com/office/powerpoint/2010/main" val="447969412"/>
+      </p:ext>
+    </p:extLst>
+  </p:cSld>
+  <p:clrMapOvr>
+    <a:masterClrMapping/>
+  </p:clrMapOvr>
+</p:notes>
+</file>
+
+<file path=ppt/notesSlides/notesSlide9.xml><?xml version="1.0" encoding="utf-8"?>
+<p:notes xmlns:a="http://schemas.openxmlformats.org/drawingml/2006/main" xmlns:r="http://schemas.openxmlformats.org/officeDocument/2006/relationships" xmlns:p="http://schemas.openxmlformats.org/presentationml/2006/main">
+  <p:cSld>
+    <p:spTree>
+      <p:nvGrpSpPr>
+        <p:cNvPr id="1" name=""/>
+        <p:cNvGrpSpPr/>
+        <p:nvPr/>
+      </p:nvGrpSpPr>
+      <p:grpSpPr>
+        <a:xfrm>
+          <a:off x="0" y="0"/>
+          <a:ext cx="0" cy="0"/>
+          <a:chOff x="0" y="0"/>
+          <a:chExt cx="0" cy="0"/>
+        </a:xfrm>
+      </p:grpSpPr>
+      <p:sp>
+        <p:nvSpPr>
+          <p:cNvPr id="2" name="Espace réservé de l'image des diapositives 1"/>
+          <p:cNvSpPr>
+            <a:spLocks noGrp="1" noRot="1" noChangeAspect="1"/>
+          </p:cNvSpPr>
+          <p:nvPr>
+            <p:ph type="sldImg"/>
+          </p:nvPr>
+        </p:nvSpPr>
+        <p:spPr/>
+      </p:sp>
+      <p:sp>
+        <p:nvSpPr>
+          <p:cNvPr id="3" name="Espace réservé des commentaires 2"/>
+          <p:cNvSpPr>
+            <a:spLocks noGrp="1"/>
+          </p:cNvSpPr>
+          <p:nvPr>
+            <p:ph type="body" idx="1"/>
+          </p:nvPr>
+        </p:nvSpPr>
+        <p:spPr/>
+        <p:txBody>
+          <a:bodyPr/>
+          <a:lstStyle/>
+          <a:p>
+            <a:endParaRPr lang="fr-FR"/>
+          </a:p>
+        </p:txBody>
+      </p:sp>
+      <p:sp>
+        <p:nvSpPr>
+          <p:cNvPr id="4" name="Espace réservé du numéro de diapositive 3"/>
+          <p:cNvSpPr>
+            <a:spLocks noGrp="1"/>
+          </p:cNvSpPr>
+          <p:nvPr>
+            <p:ph type="sldNum" sz="quarter" idx="10"/>
+          </p:nvPr>
+        </p:nvSpPr>
+        <p:spPr/>
+        <p:txBody>
+          <a:bodyPr/>
+          <a:lstStyle/>
+          <a:p>
+            <a:fld id="{0C080E5F-76A7-426C-8874-1B043B738D2C}" type="slidenum">
+              <a:rPr lang="fr-FR" smtClean="0"/>
+              <a:t>9</a:t>
             </a:fld>
             <a:endParaRPr lang="fr-FR"/>
           </a:p>
@@ -1180,7 +1520,7 @@
                 </a:solidFill>
               </a:rPr>
               <a:pPr/>
-              <a:t>20/06/2015</a:t>
+              <a:t>22/06/2015</a:t>
             </a:fld>
             <a:endParaRPr lang="fr-FR" b="1" dirty="0">
               <a:solidFill>
@@ -1453,7 +1793,7 @@
           <a:p>
             <a:fld id="{CE5A5207-E07B-4FCF-99F6-F8833A3BB3D7}" type="datetime1">
               <a:rPr lang="fr-FR" smtClean="0"/>
-              <a:t>20/06/2015</a:t>
+              <a:t>22/06/2015</a:t>
             </a:fld>
             <a:endParaRPr lang="fr-FR"/>
           </a:p>
@@ -1633,7 +1973,7 @@
           <a:p>
             <a:fld id="{D68965C6-0898-43EA-9A99-A4039BB22876}" type="datetime1">
               <a:rPr lang="fr-FR" smtClean="0"/>
-              <a:t>20/06/2015</a:t>
+              <a:t>22/06/2015</a:t>
             </a:fld>
             <a:endParaRPr lang="fr-FR"/>
           </a:p>
@@ -1803,7 +2143,7 @@
           <a:p>
             <a:fld id="{94B2F636-2596-4D20-BE75-DC7667EB0908}" type="datetime1">
               <a:rPr lang="fr-FR" smtClean="0"/>
-              <a:t>20/06/2015</a:t>
+              <a:t>22/06/2015</a:t>
             </a:fld>
             <a:endParaRPr lang="fr-FR"/>
           </a:p>
@@ -2049,7 +2389,7 @@
           <a:p>
             <a:fld id="{3941AF55-5B35-49D2-89B7-6A012C2F0023}" type="datetime1">
               <a:rPr lang="fr-FR" smtClean="0"/>
-              <a:t>20/06/2015</a:t>
+              <a:t>22/06/2015</a:t>
             </a:fld>
             <a:endParaRPr lang="fr-FR"/>
           </a:p>
@@ -2337,7 +2677,7 @@
           <a:p>
             <a:fld id="{B36C4D42-2F73-4BB2-8416-8B3A3DDD3EE7}" type="datetime1">
               <a:rPr lang="fr-FR" smtClean="0"/>
-              <a:t>20/06/2015</a:t>
+              <a:t>22/06/2015</a:t>
             </a:fld>
             <a:endParaRPr lang="fr-FR"/>
           </a:p>
@@ -2759,7 +3099,7 @@
           <a:p>
             <a:fld id="{E456F79D-CD5D-4224-B1FA-5F7F3BAA4104}" type="datetime1">
               <a:rPr lang="fr-FR" smtClean="0"/>
-              <a:t>20/06/2015</a:t>
+              <a:t>22/06/2015</a:t>
             </a:fld>
             <a:endParaRPr lang="fr-FR"/>
           </a:p>
@@ -2877,7 +3217,7 @@
           <a:p>
             <a:fld id="{0E910143-4D2C-4FF6-B0A6-06989F9BDBAC}" type="datetime1">
               <a:rPr lang="fr-FR" smtClean="0"/>
-              <a:t>20/06/2015</a:t>
+              <a:t>22/06/2015</a:t>
             </a:fld>
             <a:endParaRPr lang="fr-FR"/>
           </a:p>
@@ -2972,7 +3312,7 @@
           <a:p>
             <a:fld id="{1E0A4A73-C55A-4735-A06F-415E5CC28EBA}" type="datetime1">
               <a:rPr lang="fr-FR" smtClean="0"/>
-              <a:t>20/06/2015</a:t>
+              <a:t>22/06/2015</a:t>
             </a:fld>
             <a:endParaRPr lang="fr-FR"/>
           </a:p>
@@ -3249,7 +3589,7 @@
           <a:p>
             <a:fld id="{B73FC597-E398-43B4-BDF9-08A9085F6959}" type="datetime1">
               <a:rPr lang="fr-FR" smtClean="0"/>
-              <a:t>20/06/2015</a:t>
+              <a:t>22/06/2015</a:t>
             </a:fld>
             <a:endParaRPr lang="fr-FR"/>
           </a:p>
@@ -3502,7 +3842,7 @@
           <a:p>
             <a:fld id="{D6C9D74D-BD35-47D9-98F8-EE91FA02EBB2}" type="datetime1">
               <a:rPr lang="fr-FR" smtClean="0"/>
-              <a:t>20/06/2015</a:t>
+              <a:t>22/06/2015</a:t>
             </a:fld>
             <a:endParaRPr lang="fr-FR"/>
           </a:p>
@@ -3715,7 +4055,7 @@
           <a:p>
             <a:fld id="{C8E6BC2D-0CAC-4C60-B0A8-88D3FE659C6F}" type="datetime1">
               <a:rPr lang="fr-FR" smtClean="0"/>
-              <a:t>20/06/2015</a:t>
+              <a:t>22/06/2015</a:t>
             </a:fld>
             <a:endParaRPr lang="fr-FR"/>
           </a:p>
@@ -4364,6 +4704,191 @@
 </p:sld>
 </file>
 
+<file path=ppt/slides/slide10.xml><?xml version="1.0" encoding="utf-8"?>
+<p:sld xmlns:a="http://schemas.openxmlformats.org/drawingml/2006/main" xmlns:r="http://schemas.openxmlformats.org/officeDocument/2006/relationships" xmlns:p="http://schemas.openxmlformats.org/presentationml/2006/main">
+  <p:cSld>
+    <p:spTree>
+      <p:nvGrpSpPr>
+        <p:cNvPr id="1" name=""/>
+        <p:cNvGrpSpPr/>
+        <p:nvPr/>
+      </p:nvGrpSpPr>
+      <p:grpSpPr>
+        <a:xfrm>
+          <a:off x="0" y="0"/>
+          <a:ext cx="0" cy="0"/>
+          <a:chOff x="0" y="0"/>
+          <a:chExt cx="0" cy="0"/>
+        </a:xfrm>
+      </p:grpSpPr>
+      <p:sp>
+        <p:nvSpPr>
+          <p:cNvPr id="4" name="ZoneTexte 3"/>
+          <p:cNvSpPr txBox="1"/>
+          <p:nvPr/>
+        </p:nvSpPr>
+        <p:spPr>
+          <a:xfrm>
+            <a:off x="683568" y="2348880"/>
+            <a:ext cx="7992888" cy="1938992"/>
+          </a:xfrm>
+          <a:prstGeom prst="rect">
+            <a:avLst/>
+          </a:prstGeom>
+        </p:spPr>
+        <p:style>
+          <a:lnRef idx="0">
+            <a:schemeClr val="accent1"/>
+          </a:lnRef>
+          <a:fillRef idx="3">
+            <a:schemeClr val="accent1"/>
+          </a:fillRef>
+          <a:effectRef idx="3">
+            <a:schemeClr val="accent1"/>
+          </a:effectRef>
+          <a:fontRef idx="minor">
+            <a:schemeClr val="lt1"/>
+          </a:fontRef>
+        </p:style>
+        <p:txBody>
+          <a:bodyPr wrap="square" rtlCol="0">
+            <a:spAutoFit/>
+          </a:bodyPr>
+          <a:lstStyle/>
+          <a:p>
+            <a:pPr algn="ctr"/>
+            <a:r>
+              <a:rPr lang="fr-FR" sz="4000" dirty="0" smtClean="0"/>
+              <a:t>Prochain Skype :</a:t>
+            </a:r>
+          </a:p>
+          <a:p>
+            <a:pPr algn="ctr"/>
+            <a:r>
+              <a:rPr lang="fr-FR" sz="4000" dirty="0" smtClean="0"/>
+              <a:t>Jeudi 25/06 21H00 </a:t>
+            </a:r>
+          </a:p>
+          <a:p>
+            <a:pPr algn="ctr"/>
+            <a:r>
+              <a:rPr lang="fr-FR" sz="4000" b="1" dirty="0" smtClean="0">
+                <a:solidFill>
+                  <a:schemeClr val="tx1"/>
+                </a:solidFill>
+              </a:rPr>
+              <a:t>[?]</a:t>
+            </a:r>
+            <a:endParaRPr lang="fr-FR" sz="4000" b="1" dirty="0">
+              <a:solidFill>
+                <a:schemeClr val="tx1"/>
+              </a:solidFill>
+            </a:endParaRPr>
+          </a:p>
+        </p:txBody>
+      </p:sp>
+      <p:sp>
+        <p:nvSpPr>
+          <p:cNvPr id="2" name="AutoShape 4"/>
+          <p:cNvSpPr>
+            <a:spLocks noChangeAspect="1" noChangeArrowheads="1"/>
+          </p:cNvSpPr>
+          <p:nvPr/>
+        </p:nvSpPr>
+        <p:spPr bwMode="auto">
+          <a:xfrm>
+            <a:off x="63500" y="-136525"/>
+            <a:ext cx="2143125" cy="2143125"/>
+          </a:xfrm>
+          <a:prstGeom prst="rect">
+            <a:avLst/>
+          </a:prstGeom>
+          <a:noFill/>
+          <a:extLst>
+            <a:ext uri="{909E8E84-426E-40DD-AFC4-6F175D3DCCD1}">
+              <a14:hiddenFill xmlns:a14="http://schemas.microsoft.com/office/drawing/2010/main">
+                <a:solidFill>
+                  <a:srgbClr val="FFFFFF"/>
+                </a:solidFill>
+              </a14:hiddenFill>
+            </a:ext>
+          </a:extLst>
+        </p:spPr>
+        <p:txBody>
+          <a:bodyPr vert="horz" wrap="square" lIns="91440" tIns="45720" rIns="91440" bIns="45720" numCol="1" anchor="t" anchorCtr="0" compatLnSpc="1">
+            <a:prstTxWarp prst="textNoShape">
+              <a:avLst/>
+            </a:prstTxWarp>
+          </a:bodyPr>
+          <a:lstStyle/>
+          <a:p>
+            <a:endParaRPr lang="fr-FR"/>
+          </a:p>
+        </p:txBody>
+      </p:sp>
+      <p:sp>
+        <p:nvSpPr>
+          <p:cNvPr id="5" name="ZoneTexte 4"/>
+          <p:cNvSpPr txBox="1"/>
+          <p:nvPr/>
+        </p:nvSpPr>
+        <p:spPr>
+          <a:xfrm>
+            <a:off x="4211960" y="4509120"/>
+            <a:ext cx="4248472" cy="369332"/>
+          </a:xfrm>
+          <a:prstGeom prst="rect">
+            <a:avLst/>
+          </a:prstGeom>
+        </p:spPr>
+        <p:style>
+          <a:lnRef idx="1">
+            <a:schemeClr val="accent6"/>
+          </a:lnRef>
+          <a:fillRef idx="2">
+            <a:schemeClr val="accent6"/>
+          </a:fillRef>
+          <a:effectRef idx="1">
+            <a:schemeClr val="accent6"/>
+          </a:effectRef>
+          <a:fontRef idx="minor">
+            <a:schemeClr val="dk1"/>
+          </a:fontRef>
+        </p:style>
+        <p:txBody>
+          <a:bodyPr wrap="square" rtlCol="0">
+            <a:spAutoFit/>
+          </a:bodyPr>
+          <a:lstStyle/>
+          <a:p>
+            <a:r>
+              <a:rPr lang="fr-FR" b="1" dirty="0" smtClean="0"/>
+              <a:t>A faire confirmer par mail</a:t>
+            </a:r>
+            <a:endParaRPr lang="fr-FR" sz="1600" b="1" dirty="0"/>
+          </a:p>
+        </p:txBody>
+      </p:sp>
+    </p:spTree>
+    <p:extLst>
+      <p:ext uri="{BB962C8B-B14F-4D97-AF65-F5344CB8AC3E}">
+        <p14:creationId xmlns:p14="http://schemas.microsoft.com/office/powerpoint/2010/main" val="4022729328"/>
+      </p:ext>
+    </p:extLst>
+  </p:cSld>
+  <p:clrMapOvr>
+    <a:masterClrMapping/>
+  </p:clrMapOvr>
+  <p:timing>
+    <p:tnLst>
+      <p:par>
+        <p:cTn id="1" dur="indefinite" restart="never" nodeType="tmRoot"/>
+      </p:par>
+    </p:tnLst>
+  </p:timing>
+</p:sld>
+</file>
+
 <file path=ppt/slides/slide2.xml><?xml version="1.0" encoding="utf-8"?>
 <p:sld xmlns:a="http://schemas.openxmlformats.org/drawingml/2006/main" xmlns:r="http://schemas.openxmlformats.org/officeDocument/2006/relationships" xmlns:p="http://schemas.openxmlformats.org/presentationml/2006/main">
   <p:cSld>
@@ -4478,7 +5003,7 @@
         <p:spPr>
           <a:xfrm>
             <a:off x="107504" y="107340"/>
-            <a:ext cx="1202765" cy="369332"/>
+            <a:ext cx="1352230" cy="369332"/>
           </a:xfrm>
           <a:prstGeom prst="rect">
             <a:avLst/>
@@ -4506,7 +5031,7 @@
           <a:p>
             <a:r>
               <a:rPr lang="fr-FR" dirty="0" smtClean="0"/>
-              <a:t>Préambule</a:t>
+              <a:t>Introduction</a:t>
             </a:r>
             <a:endParaRPr lang="fr-FR" dirty="0"/>
           </a:p>
@@ -4520,8 +5045,8 @@
         </p:nvSpPr>
         <p:spPr>
           <a:xfrm>
-            <a:off x="2258665" y="1504816"/>
-            <a:ext cx="6264696" cy="1708160"/>
+            <a:off x="539552" y="1224042"/>
+            <a:ext cx="6264696" cy="2492990"/>
           </a:xfrm>
           <a:prstGeom prst="rect">
             <a:avLst/>
@@ -4542,151 +5067,386 @@
               </a:spcAft>
             </a:pPr>
             <a:r>
-              <a:rPr lang="fr-FR" dirty="0" smtClean="0"/>
-              <a:t>Pour les lots 2 et 3, on distingue deux équipes :</a:t>
-            </a:r>
-          </a:p>
-          <a:p>
-            <a:pPr marL="285750" indent="-285750">
+              <a:rPr lang="fr-FR" b="1" dirty="0" smtClean="0"/>
+              <a:t>Première réunion du projet ODE (« Kick-off ») :</a:t>
+            </a:r>
+          </a:p>
+          <a:p>
+            <a:pPr marL="342900" indent="-342900">
               <a:spcBef>
                 <a:spcPts val="300"/>
               </a:spcBef>
               <a:spcAft>
                 <a:spcPts val="300"/>
               </a:spcAft>
-              <a:buFont typeface="Arial" panose="020B0604020202020204" pitchFamily="34" charset="0"/>
-              <a:buChar char="•"/>
+              <a:buFont typeface="+mj-lt"/>
+              <a:buAutoNum type="arabicPeriod"/>
             </a:pPr>
             <a:r>
               <a:rPr lang="fr-FR" dirty="0" smtClean="0"/>
-              <a:t>Développeurs </a:t>
-            </a:r>
-            <a:r>
-              <a:rPr lang="fr-FR" b="1" dirty="0" smtClean="0"/>
-              <a:t>Business Intelligence</a:t>
-            </a:r>
-          </a:p>
-          <a:p>
-            <a:pPr marL="285750" indent="-285750">
+              <a:t>Vue d’ensemble </a:t>
+            </a:r>
+          </a:p>
+          <a:p>
+            <a:pPr marL="342900" indent="-342900">
               <a:spcBef>
                 <a:spcPts val="300"/>
               </a:spcBef>
               <a:spcAft>
                 <a:spcPts val="300"/>
               </a:spcAft>
-              <a:buFont typeface="Arial" panose="020B0604020202020204" pitchFamily="34" charset="0"/>
-              <a:buChar char="•"/>
+              <a:buFont typeface="+mj-lt"/>
+              <a:buAutoNum type="arabicPeriod"/>
             </a:pPr>
             <a:r>
               <a:rPr lang="fr-FR" dirty="0" smtClean="0"/>
-              <a:t>Développeurs </a:t>
-            </a:r>
-            <a:r>
-              <a:rPr lang="fr-FR" b="1" dirty="0" smtClean="0"/>
-              <a:t>Java</a:t>
-            </a:r>
-          </a:p>
-          <a:p>
-            <a:pPr>
+              <a:t>Macro-planning</a:t>
+            </a:r>
+          </a:p>
+          <a:p>
+            <a:pPr marL="342900" indent="-342900">
               <a:spcBef>
                 <a:spcPts val="300"/>
               </a:spcBef>
               <a:spcAft>
                 <a:spcPts val="300"/>
               </a:spcAft>
+              <a:buFont typeface="+mj-lt"/>
+              <a:buAutoNum type="arabicPeriod"/>
             </a:pPr>
             <a:r>
               <a:rPr lang="fr-FR" dirty="0" smtClean="0"/>
-              <a:t>Les logiciels requis ne sont pas les mêmes, mais rien n’empêche de tout installer !</a:t>
-            </a:r>
-          </a:p>
-        </p:txBody>
-      </p:sp>
-      <p:sp>
-        <p:nvSpPr>
-          <p:cNvPr id="11" name="Rectangle 10"/>
-          <p:cNvSpPr/>
+              <a:t>Planning du lot 1</a:t>
+            </a:r>
+          </a:p>
+          <a:p>
+            <a:pPr marL="342900" indent="-342900">
+              <a:spcBef>
+                <a:spcPts val="300"/>
+              </a:spcBef>
+              <a:spcAft>
+                <a:spcPts val="300"/>
+              </a:spcAft>
+              <a:buFont typeface="+mj-lt"/>
+              <a:buAutoNum type="arabicPeriod"/>
+            </a:pPr>
+            <a:r>
+              <a:rPr lang="fr-FR" dirty="0" smtClean="0"/>
+              <a:t>Installation des postes</a:t>
+            </a:r>
+          </a:p>
+          <a:p>
+            <a:pPr marL="342900" indent="-342900">
+              <a:spcBef>
+                <a:spcPts val="300"/>
+              </a:spcBef>
+              <a:spcAft>
+                <a:spcPts val="300"/>
+              </a:spcAft>
+              <a:buFont typeface="+mj-lt"/>
+              <a:buAutoNum type="arabicPeriod"/>
+            </a:pPr>
+            <a:r>
+              <a:rPr lang="fr-FR" dirty="0" smtClean="0"/>
+              <a:t>Prochains points</a:t>
+            </a:r>
+          </a:p>
+          <a:p>
+            <a:pPr marL="342900" indent="-342900">
+              <a:spcBef>
+                <a:spcPts val="300"/>
+              </a:spcBef>
+              <a:spcAft>
+                <a:spcPts val="300"/>
+              </a:spcAft>
+              <a:buFont typeface="+mj-lt"/>
+              <a:buAutoNum type="arabicPeriod"/>
+            </a:pPr>
+            <a:r>
+              <a:rPr lang="fr-FR" dirty="0" smtClean="0"/>
+              <a:t>Le mot de la fin…</a:t>
+            </a:r>
+          </a:p>
+        </p:txBody>
+      </p:sp>
+      <p:graphicFrame>
+        <p:nvGraphicFramePr>
+          <p:cNvPr id="2" name="Tableau 1"/>
+          <p:cNvGraphicFramePr>
+            <a:graphicFrameLocks noGrp="1"/>
+          </p:cNvGraphicFramePr>
+          <p:nvPr>
+            <p:extLst>
+              <p:ext uri="{D42A27DB-BD31-4B8C-83A1-F6EECF244321}">
+                <p14:modId xmlns:p14="http://schemas.microsoft.com/office/powerpoint/2010/main" val="1742281824"/>
+              </p:ext>
+            </p:extLst>
+          </p:nvPr>
+        </p:nvGraphicFramePr>
+        <p:xfrm>
+          <a:off x="5940152" y="1340768"/>
+          <a:ext cx="2880320" cy="2225040"/>
+        </p:xfrm>
+        <a:graphic>
+          <a:graphicData uri="http://schemas.openxmlformats.org/drawingml/2006/table">
+            <a:tbl>
+              <a:tblPr firstRow="1" bandRow="1">
+                <a:tableStyleId>{5C22544A-7EE6-4342-B048-85BDC9FD1C3A}</a:tableStyleId>
+              </a:tblPr>
+              <a:tblGrid>
+                <a:gridCol w="1440160"/>
+                <a:gridCol w="1440160"/>
+              </a:tblGrid>
+              <a:tr h="370840">
+                <a:tc>
+                  <a:txBody>
+                    <a:bodyPr/>
+                    <a:lstStyle/>
+                    <a:p>
+                      <a:r>
+                        <a:rPr lang="fr-FR" dirty="0" smtClean="0"/>
+                        <a:t>Membre</a:t>
+                      </a:r>
+                      <a:endParaRPr lang="fr-FR" dirty="0"/>
+                    </a:p>
+                  </a:txBody>
+                  <a:tcPr/>
+                </a:tc>
+                <a:tc>
+                  <a:txBody>
+                    <a:bodyPr/>
+                    <a:lstStyle/>
+                    <a:p>
+                      <a:r>
+                        <a:rPr lang="fr-FR" dirty="0" smtClean="0"/>
+                        <a:t>Présence ?</a:t>
+                      </a:r>
+                      <a:endParaRPr lang="fr-FR" dirty="0"/>
+                    </a:p>
+                  </a:txBody>
+                  <a:tcPr/>
+                </a:tc>
+              </a:tr>
+              <a:tr h="370840">
+                <a:tc>
+                  <a:txBody>
+                    <a:bodyPr/>
+                    <a:lstStyle/>
+                    <a:p>
+                      <a:r>
+                        <a:rPr lang="fr-FR" dirty="0" smtClean="0"/>
+                        <a:t>Thomas</a:t>
+                      </a:r>
+                      <a:endParaRPr lang="fr-FR" dirty="0"/>
+                    </a:p>
+                  </a:txBody>
+                  <a:tcPr/>
+                </a:tc>
+                <a:tc>
+                  <a:txBody>
+                    <a:bodyPr/>
+                    <a:lstStyle/>
+                    <a:p>
+                      <a:pPr algn="ctr"/>
+                      <a:r>
+                        <a:rPr lang="fr-FR" dirty="0" smtClean="0"/>
+                        <a:t>X</a:t>
+                      </a:r>
+                      <a:endParaRPr lang="fr-FR" dirty="0"/>
+                    </a:p>
+                  </a:txBody>
+                  <a:tcPr/>
+                </a:tc>
+              </a:tr>
+              <a:tr h="370840">
+                <a:tc>
+                  <a:txBody>
+                    <a:bodyPr/>
+                    <a:lstStyle/>
+                    <a:p>
+                      <a:r>
+                        <a:rPr lang="fr-FR" dirty="0" smtClean="0"/>
+                        <a:t>Brice</a:t>
+                      </a:r>
+                      <a:endParaRPr lang="fr-FR" dirty="0"/>
+                    </a:p>
+                  </a:txBody>
+                  <a:tcPr/>
+                </a:tc>
+                <a:tc>
+                  <a:txBody>
+                    <a:bodyPr/>
+                    <a:lstStyle/>
+                    <a:p>
+                      <a:pPr algn="ctr"/>
+                      <a:r>
+                        <a:rPr lang="fr-FR" dirty="0" smtClean="0"/>
+                        <a:t>X</a:t>
+                      </a:r>
+                      <a:endParaRPr lang="fr-FR" dirty="0"/>
+                    </a:p>
+                  </a:txBody>
+                  <a:tcPr/>
+                </a:tc>
+              </a:tr>
+              <a:tr h="370840">
+                <a:tc>
+                  <a:txBody>
+                    <a:bodyPr/>
+                    <a:lstStyle/>
+                    <a:p>
+                      <a:r>
+                        <a:rPr lang="fr-FR" dirty="0" smtClean="0"/>
+                        <a:t>Olivier</a:t>
+                      </a:r>
+                      <a:endParaRPr lang="fr-FR" dirty="0"/>
+                    </a:p>
+                  </a:txBody>
+                  <a:tcPr/>
+                </a:tc>
+                <a:tc>
+                  <a:txBody>
+                    <a:bodyPr/>
+                    <a:lstStyle/>
+                    <a:p>
+                      <a:pPr algn="ctr"/>
+                      <a:r>
+                        <a:rPr lang="fr-FR" dirty="0" smtClean="0"/>
+                        <a:t>X</a:t>
+                      </a:r>
+                      <a:endParaRPr lang="fr-FR" dirty="0"/>
+                    </a:p>
+                  </a:txBody>
+                  <a:tcPr/>
+                </a:tc>
+              </a:tr>
+              <a:tr h="370840">
+                <a:tc>
+                  <a:txBody>
+                    <a:bodyPr/>
+                    <a:lstStyle/>
+                    <a:p>
+                      <a:r>
+                        <a:rPr lang="fr-FR" dirty="0" smtClean="0"/>
+                        <a:t>Bernard</a:t>
+                      </a:r>
+                      <a:endParaRPr lang="fr-FR" dirty="0"/>
+                    </a:p>
+                  </a:txBody>
+                  <a:tcPr/>
+                </a:tc>
+                <a:tc>
+                  <a:txBody>
+                    <a:bodyPr/>
+                    <a:lstStyle/>
+                    <a:p>
+                      <a:pPr algn="ctr"/>
+                      <a:r>
+                        <a:rPr lang="fr-FR" dirty="0" smtClean="0"/>
+                        <a:t>X</a:t>
+                      </a:r>
+                      <a:endParaRPr lang="fr-FR" dirty="0"/>
+                    </a:p>
+                  </a:txBody>
+                  <a:tcPr/>
+                </a:tc>
+              </a:tr>
+              <a:tr h="370840">
+                <a:tc>
+                  <a:txBody>
+                    <a:bodyPr/>
+                    <a:lstStyle/>
+                    <a:p>
+                      <a:r>
+                        <a:rPr lang="fr-FR" dirty="0" smtClean="0"/>
+                        <a:t>Cédric</a:t>
+                      </a:r>
+                      <a:endParaRPr lang="fr-FR" dirty="0"/>
+                    </a:p>
+                  </a:txBody>
+                  <a:tcPr/>
+                </a:tc>
+                <a:tc>
+                  <a:txBody>
+                    <a:bodyPr/>
+                    <a:lstStyle/>
+                    <a:p>
+                      <a:pPr algn="ctr"/>
+                      <a:r>
+                        <a:rPr lang="fr-FR" dirty="0" smtClean="0"/>
+                        <a:t>X</a:t>
+                      </a:r>
+                      <a:endParaRPr lang="fr-FR" dirty="0"/>
+                    </a:p>
+                  </a:txBody>
+                  <a:tcPr/>
+                </a:tc>
+              </a:tr>
+            </a:tbl>
+          </a:graphicData>
+        </a:graphic>
+      </p:graphicFrame>
+      <p:sp>
+        <p:nvSpPr>
+          <p:cNvPr id="5" name="ZoneTexte 4"/>
+          <p:cNvSpPr txBox="1"/>
           <p:nvPr/>
         </p:nvSpPr>
         <p:spPr>
           <a:xfrm>
-            <a:off x="419139" y="1593220"/>
-            <a:ext cx="1008112" cy="432048"/>
+            <a:off x="323528" y="5621759"/>
+            <a:ext cx="8208912" cy="738664"/>
           </a:xfrm>
           <a:prstGeom prst="rect">
             <a:avLst/>
           </a:prstGeom>
         </p:spPr>
         <p:style>
-          <a:lnRef idx="2">
-            <a:schemeClr val="accent1">
-              <a:shade val="50000"/>
-            </a:schemeClr>
+          <a:lnRef idx="1">
+            <a:schemeClr val="accent5"/>
           </a:lnRef>
-          <a:fillRef idx="1">
-            <a:schemeClr val="accent1"/>
+          <a:fillRef idx="2">
+            <a:schemeClr val="accent5"/>
           </a:fillRef>
-          <a:effectRef idx="0">
-            <a:schemeClr val="accent1"/>
+          <a:effectRef idx="1">
+            <a:schemeClr val="accent5"/>
           </a:effectRef>
           <a:fontRef idx="minor">
-            <a:schemeClr val="lt1"/>
+            <a:schemeClr val="dk1"/>
           </a:fontRef>
         </p:style>
         <p:txBody>
-          <a:bodyPr rtlCol="0" anchor="ctr"/>
-          <a:lstStyle/>
-          <a:p>
-            <a:pPr algn="ctr"/>
-            <a:r>
-              <a:rPr lang="fr-FR" dirty="0" smtClean="0"/>
-              <a:t>Equipe 1</a:t>
-            </a:r>
-            <a:endParaRPr lang="fr-FR" dirty="0"/>
-          </a:p>
-        </p:txBody>
-      </p:sp>
-      <p:sp>
-        <p:nvSpPr>
-          <p:cNvPr id="12" name="Rectangle 11"/>
-          <p:cNvSpPr/>
-          <p:nvPr/>
-        </p:nvSpPr>
-        <p:spPr>
-          <a:xfrm>
-            <a:off x="396289" y="2204740"/>
-            <a:ext cx="1030962" cy="432048"/>
-          </a:xfrm>
-          <a:prstGeom prst="rect">
-            <a:avLst/>
-          </a:prstGeom>
-        </p:spPr>
-        <p:style>
-          <a:lnRef idx="2">
-            <a:schemeClr val="accent2">
-              <a:shade val="50000"/>
-            </a:schemeClr>
-          </a:lnRef>
-          <a:fillRef idx="1">
-            <a:schemeClr val="accent2"/>
-          </a:fillRef>
-          <a:effectRef idx="0">
-            <a:schemeClr val="accent2"/>
-          </a:effectRef>
-          <a:fontRef idx="minor">
-            <a:schemeClr val="lt1"/>
-          </a:fontRef>
-        </p:style>
-        <p:txBody>
-          <a:bodyPr rtlCol="0" anchor="ctr"/>
-          <a:lstStyle/>
-          <a:p>
-            <a:pPr algn="ctr"/>
-            <a:r>
-              <a:rPr lang="fr-FR" dirty="0" smtClean="0"/>
-              <a:t>Equipe 2</a:t>
-            </a:r>
-            <a:endParaRPr lang="fr-FR" dirty="0"/>
+          <a:bodyPr wrap="square" rtlCol="0">
+            <a:spAutoFit/>
+          </a:bodyPr>
+          <a:lstStyle/>
+          <a:p>
+            <a:r>
+              <a:rPr lang="fr-FR" sz="1400" dirty="0" smtClean="0"/>
+              <a:t>Ce support PPT est mis sur Git Hub après chaque réunion dans </a:t>
+            </a:r>
+            <a:r>
+              <a:rPr lang="fr-FR" sz="1400" b="1" dirty="0" smtClean="0"/>
+              <a:t>/DOCUMENTATION/4 – SUIVI PROJET</a:t>
+            </a:r>
+          </a:p>
+          <a:p>
+            <a:endParaRPr lang="fr-FR" sz="1400" b="1" dirty="0" smtClean="0"/>
+          </a:p>
+          <a:p>
+            <a:r>
+              <a:rPr lang="fr-FR" sz="1400" b="1" dirty="0">
+                <a:hlinkClick r:id="rId3"/>
+              </a:rPr>
+              <a:t>https://github.com/M2SIID-ODE/Projet_ODE/tree/master/Documentation/4%20-%</a:t>
+            </a:r>
+            <a:r>
+              <a:rPr lang="fr-FR" sz="1400" b="1" dirty="0" smtClean="0">
+                <a:hlinkClick r:id="rId3"/>
+              </a:rPr>
+              <a:t>20Suivi%20projet</a:t>
+            </a:r>
+            <a:endParaRPr lang="fr-FR" sz="1400" b="1" dirty="0" smtClean="0"/>
           </a:p>
         </p:txBody>
       </p:sp>
@@ -4729,14 +5489,14 @@
       </p:grpSpPr>
       <p:sp>
         <p:nvSpPr>
-          <p:cNvPr id="4" name="ZoneTexte 3"/>
+          <p:cNvPr id="3" name="ZoneTexte 2"/>
           <p:cNvSpPr txBox="1"/>
           <p:nvPr/>
         </p:nvSpPr>
         <p:spPr>
           <a:xfrm>
-            <a:off x="1296174" y="2348880"/>
-            <a:ext cx="6984776" cy="1938992"/>
+            <a:off x="107504" y="107340"/>
+            <a:ext cx="1733616" cy="369332"/>
           </a:xfrm>
           <a:prstGeom prst="rect">
             <a:avLst/>
@@ -4757,77 +5517,1113 @@
           </a:fontRef>
         </p:style>
         <p:txBody>
-          <a:bodyPr wrap="square" rtlCol="0">
+          <a:bodyPr wrap="none" rtlCol="0">
             <a:spAutoFit/>
           </a:bodyPr>
           <a:lstStyle/>
           <a:p>
+            <a:pPr>
+              <a:spcBef>
+                <a:spcPts val="300"/>
+              </a:spcBef>
+              <a:spcAft>
+                <a:spcPts val="300"/>
+              </a:spcAft>
+            </a:pPr>
+            <a:r>
+              <a:rPr lang="fr-FR" dirty="0"/>
+              <a:t>Vue d’ensemble </a:t>
+            </a:r>
+          </a:p>
+        </p:txBody>
+      </p:sp>
+      <p:sp>
+        <p:nvSpPr>
+          <p:cNvPr id="6" name="Rectangle à coins arrondis 5"/>
+          <p:cNvSpPr/>
+          <p:nvPr/>
+        </p:nvSpPr>
+        <p:spPr>
+          <a:xfrm>
+            <a:off x="395536" y="2852936"/>
+            <a:ext cx="1080120" cy="720080"/>
+          </a:xfrm>
+          <a:prstGeom prst="roundRect">
+            <a:avLst/>
+          </a:prstGeom>
+        </p:spPr>
+        <p:style>
+          <a:lnRef idx="2">
+            <a:schemeClr val="accent1">
+              <a:shade val="50000"/>
+            </a:schemeClr>
+          </a:lnRef>
+          <a:fillRef idx="1">
+            <a:schemeClr val="accent1"/>
+          </a:fillRef>
+          <a:effectRef idx="0">
+            <a:schemeClr val="accent1"/>
+          </a:effectRef>
+          <a:fontRef idx="minor">
+            <a:schemeClr val="lt1"/>
+          </a:fontRef>
+        </p:style>
+        <p:txBody>
+          <a:bodyPr rtlCol="0" anchor="ctr"/>
+          <a:lstStyle/>
+          <a:p>
             <a:pPr algn="ctr"/>
             <a:r>
-              <a:rPr lang="fr-FR" sz="4000" dirty="0" smtClean="0"/>
-              <a:t>Prochain Skype :</a:t>
+              <a:rPr lang="fr-FR" dirty="0"/>
+              <a:t>F</a:t>
+            </a:r>
+            <a:r>
+              <a:rPr lang="fr-FR" dirty="0" smtClean="0"/>
+              <a:t>ichier</a:t>
             </a:r>
           </a:p>
           <a:p>
             <a:pPr algn="ctr"/>
             <a:r>
-              <a:rPr lang="fr-FR" sz="4000" b="1" dirty="0" smtClean="0"/>
-              <a:t>Vendredi 26/06/2015</a:t>
-            </a:r>
-          </a:p>
+              <a:rPr lang="fr-FR" dirty="0" smtClean="0"/>
+              <a:t>ACCESS</a:t>
+            </a:r>
+            <a:endParaRPr lang="fr-FR" dirty="0"/>
+          </a:p>
+        </p:txBody>
+      </p:sp>
+      <p:sp>
+        <p:nvSpPr>
+          <p:cNvPr id="7" name="Rectangle à coins arrondis 6"/>
+          <p:cNvSpPr/>
+          <p:nvPr/>
+        </p:nvSpPr>
+        <p:spPr>
+          <a:xfrm>
+            <a:off x="395536" y="3861048"/>
+            <a:ext cx="1080120" cy="720080"/>
+          </a:xfrm>
+          <a:prstGeom prst="roundRect">
+            <a:avLst/>
+          </a:prstGeom>
+        </p:spPr>
+        <p:style>
+          <a:lnRef idx="2">
+            <a:schemeClr val="accent1">
+              <a:shade val="50000"/>
+            </a:schemeClr>
+          </a:lnRef>
+          <a:fillRef idx="1">
+            <a:schemeClr val="accent1"/>
+          </a:fillRef>
+          <a:effectRef idx="0">
+            <a:schemeClr val="accent1"/>
+          </a:effectRef>
+          <a:fontRef idx="minor">
+            <a:schemeClr val="lt1"/>
+          </a:fontRef>
+        </p:style>
+        <p:txBody>
+          <a:bodyPr rtlCol="0" anchor="ctr"/>
+          <a:lstStyle/>
           <a:p>
             <a:pPr algn="ctr"/>
             <a:r>
-              <a:rPr lang="fr-FR" sz="4000" b="1" dirty="0" smtClean="0"/>
-              <a:t>21H00</a:t>
-            </a:r>
-            <a:endParaRPr lang="fr-FR" sz="4000" b="1" dirty="0"/>
-          </a:p>
-        </p:txBody>
-      </p:sp>
-      <p:sp>
-        <p:nvSpPr>
-          <p:cNvPr id="2" name="AutoShape 4"/>
-          <p:cNvSpPr>
-            <a:spLocks noChangeAspect="1" noChangeArrowheads="1"/>
-          </p:cNvSpPr>
+              <a:rPr lang="fr-FR" dirty="0"/>
+              <a:t>F</a:t>
+            </a:r>
+            <a:r>
+              <a:rPr lang="fr-FR" dirty="0" smtClean="0"/>
+              <a:t>ichier</a:t>
+            </a:r>
+          </a:p>
+          <a:p>
+            <a:pPr algn="ctr"/>
+            <a:r>
+              <a:rPr lang="fr-FR" dirty="0" smtClean="0"/>
+              <a:t>EXCEL</a:t>
+            </a:r>
+            <a:endParaRPr lang="fr-FR" dirty="0"/>
+          </a:p>
+        </p:txBody>
+      </p:sp>
+      <p:sp>
+        <p:nvSpPr>
+          <p:cNvPr id="8" name="Rectangle à coins arrondis 7"/>
+          <p:cNvSpPr/>
           <p:nvPr/>
         </p:nvSpPr>
-        <p:spPr bwMode="auto">
+        <p:spPr>
           <a:xfrm>
-            <a:off x="63500" y="-136525"/>
-            <a:ext cx="2143125" cy="2143125"/>
+            <a:off x="395536" y="1700808"/>
+            <a:ext cx="1080120" cy="864096"/>
+          </a:xfrm>
+          <a:prstGeom prst="roundRect">
+            <a:avLst/>
+          </a:prstGeom>
+        </p:spPr>
+        <p:style>
+          <a:lnRef idx="2">
+            <a:schemeClr val="accent1">
+              <a:shade val="50000"/>
+            </a:schemeClr>
+          </a:lnRef>
+          <a:fillRef idx="1">
+            <a:schemeClr val="accent1"/>
+          </a:fillRef>
+          <a:effectRef idx="0">
+            <a:schemeClr val="accent1"/>
+          </a:effectRef>
+          <a:fontRef idx="minor">
+            <a:schemeClr val="lt1"/>
+          </a:fontRef>
+        </p:style>
+        <p:txBody>
+          <a:bodyPr rtlCol="0" anchor="ctr"/>
+          <a:lstStyle/>
+          <a:p>
+            <a:pPr algn="ctr"/>
+            <a:r>
+              <a:rPr lang="fr-FR" dirty="0" smtClean="0"/>
+              <a:t>Base</a:t>
+            </a:r>
+          </a:p>
+          <a:p>
+            <a:pPr algn="ctr"/>
+            <a:r>
+              <a:rPr lang="fr-FR" dirty="0" smtClean="0"/>
+              <a:t>SQL SERVER</a:t>
+            </a:r>
+            <a:endParaRPr lang="fr-FR" dirty="0"/>
+          </a:p>
+        </p:txBody>
+      </p:sp>
+      <p:sp>
+        <p:nvSpPr>
+          <p:cNvPr id="9" name="Rectangle à coins arrondis 8"/>
+          <p:cNvSpPr/>
+          <p:nvPr/>
+        </p:nvSpPr>
+        <p:spPr>
+          <a:xfrm>
+            <a:off x="389866" y="4941168"/>
+            <a:ext cx="1080120" cy="720080"/>
+          </a:xfrm>
+          <a:prstGeom prst="roundRect">
+            <a:avLst/>
+          </a:prstGeom>
+        </p:spPr>
+        <p:style>
+          <a:lnRef idx="2">
+            <a:schemeClr val="accent1">
+              <a:shade val="50000"/>
+            </a:schemeClr>
+          </a:lnRef>
+          <a:fillRef idx="1">
+            <a:schemeClr val="accent1"/>
+          </a:fillRef>
+          <a:effectRef idx="0">
+            <a:schemeClr val="accent1"/>
+          </a:effectRef>
+          <a:fontRef idx="minor">
+            <a:schemeClr val="lt1"/>
+          </a:fontRef>
+        </p:style>
+        <p:txBody>
+          <a:bodyPr rtlCol="0" anchor="ctr"/>
+          <a:lstStyle/>
+          <a:p>
+            <a:pPr algn="ctr"/>
+            <a:r>
+              <a:rPr lang="fr-FR" dirty="0" smtClean="0"/>
+              <a:t>Fichier</a:t>
+            </a:r>
+          </a:p>
+          <a:p>
+            <a:pPr algn="ctr"/>
+            <a:r>
+              <a:rPr lang="fr-FR" dirty="0" smtClean="0"/>
+              <a:t>CSV</a:t>
+            </a:r>
+            <a:endParaRPr lang="fr-FR" dirty="0"/>
+          </a:p>
+        </p:txBody>
+      </p:sp>
+      <p:sp>
+        <p:nvSpPr>
+          <p:cNvPr id="10" name="Rectangle à coins arrondis 9"/>
+          <p:cNvSpPr/>
+          <p:nvPr/>
+        </p:nvSpPr>
+        <p:spPr>
+          <a:xfrm>
+            <a:off x="2267744" y="3356992"/>
+            <a:ext cx="1080120" cy="864096"/>
+          </a:xfrm>
+          <a:prstGeom prst="roundRect">
+            <a:avLst/>
+          </a:prstGeom>
+        </p:spPr>
+        <p:style>
+          <a:lnRef idx="2">
+            <a:schemeClr val="accent1">
+              <a:shade val="50000"/>
+            </a:schemeClr>
+          </a:lnRef>
+          <a:fillRef idx="1">
+            <a:schemeClr val="accent1"/>
+          </a:fillRef>
+          <a:effectRef idx="0">
+            <a:schemeClr val="accent1"/>
+          </a:effectRef>
+          <a:fontRef idx="minor">
+            <a:schemeClr val="lt1"/>
+          </a:fontRef>
+        </p:style>
+        <p:txBody>
+          <a:bodyPr rtlCol="0" anchor="ctr"/>
+          <a:lstStyle/>
+          <a:p>
+            <a:pPr algn="ctr"/>
+            <a:r>
+              <a:rPr lang="fr-FR" dirty="0" smtClean="0"/>
+              <a:t>ETL</a:t>
+            </a:r>
+          </a:p>
+          <a:p>
+            <a:pPr algn="ctr"/>
+            <a:r>
+              <a:rPr lang="fr-FR" dirty="0" smtClean="0"/>
+              <a:t>SSIS</a:t>
+            </a:r>
+            <a:endParaRPr lang="fr-FR" dirty="0"/>
+          </a:p>
+        </p:txBody>
+      </p:sp>
+      <p:sp>
+        <p:nvSpPr>
+          <p:cNvPr id="11" name="Rectangle à coins arrondis 10"/>
+          <p:cNvSpPr/>
+          <p:nvPr/>
+        </p:nvSpPr>
+        <p:spPr>
+          <a:xfrm>
+            <a:off x="3779912" y="3356992"/>
+            <a:ext cx="1440160" cy="864096"/>
+          </a:xfrm>
+          <a:prstGeom prst="roundRect">
+            <a:avLst/>
+          </a:prstGeom>
+        </p:spPr>
+        <p:style>
+          <a:lnRef idx="2">
+            <a:schemeClr val="accent1">
+              <a:shade val="50000"/>
+            </a:schemeClr>
+          </a:lnRef>
+          <a:fillRef idx="1">
+            <a:schemeClr val="accent1"/>
+          </a:fillRef>
+          <a:effectRef idx="0">
+            <a:schemeClr val="accent1"/>
+          </a:effectRef>
+          <a:fontRef idx="minor">
+            <a:schemeClr val="lt1"/>
+          </a:fontRef>
+        </p:style>
+        <p:txBody>
+          <a:bodyPr rtlCol="0" anchor="ctr"/>
+          <a:lstStyle/>
+          <a:p>
+            <a:pPr algn="ctr"/>
+            <a:r>
+              <a:rPr lang="fr-FR" dirty="0" smtClean="0"/>
+              <a:t>DWH</a:t>
+            </a:r>
+          </a:p>
+          <a:p>
+            <a:pPr algn="ctr"/>
+            <a:r>
+              <a:rPr lang="fr-FR" dirty="0" smtClean="0"/>
+              <a:t>SQL SERVER</a:t>
+            </a:r>
+            <a:endParaRPr lang="fr-FR" dirty="0"/>
+          </a:p>
+        </p:txBody>
+      </p:sp>
+      <p:sp>
+        <p:nvSpPr>
+          <p:cNvPr id="12" name="Rectangle à coins arrondis 11"/>
+          <p:cNvSpPr/>
+          <p:nvPr/>
+        </p:nvSpPr>
+        <p:spPr>
+          <a:xfrm>
+            <a:off x="5652120" y="3356992"/>
+            <a:ext cx="1440160" cy="864096"/>
+          </a:xfrm>
+          <a:prstGeom prst="roundRect">
+            <a:avLst/>
+          </a:prstGeom>
+        </p:spPr>
+        <p:style>
+          <a:lnRef idx="2">
+            <a:schemeClr val="accent1">
+              <a:shade val="50000"/>
+            </a:schemeClr>
+          </a:lnRef>
+          <a:fillRef idx="1">
+            <a:schemeClr val="accent1"/>
+          </a:fillRef>
+          <a:effectRef idx="0">
+            <a:schemeClr val="accent1"/>
+          </a:effectRef>
+          <a:fontRef idx="minor">
+            <a:schemeClr val="lt1"/>
+          </a:fontRef>
+        </p:style>
+        <p:txBody>
+          <a:bodyPr rtlCol="0" anchor="ctr"/>
+          <a:lstStyle/>
+          <a:p>
+            <a:pPr algn="ctr"/>
+            <a:r>
+              <a:rPr lang="fr-FR" dirty="0" smtClean="0"/>
+              <a:t>Base OLAP</a:t>
+            </a:r>
+          </a:p>
+          <a:p>
+            <a:pPr algn="ctr"/>
+            <a:r>
+              <a:rPr lang="fr-FR" dirty="0" smtClean="0"/>
+              <a:t>SSAS</a:t>
+            </a:r>
+            <a:endParaRPr lang="fr-FR" dirty="0"/>
+          </a:p>
+        </p:txBody>
+      </p:sp>
+      <p:sp>
+        <p:nvSpPr>
+          <p:cNvPr id="13" name="Rectangle à coins arrondis 12"/>
+          <p:cNvSpPr/>
+          <p:nvPr/>
+        </p:nvSpPr>
+        <p:spPr>
+          <a:xfrm>
+            <a:off x="7596336" y="3356992"/>
+            <a:ext cx="1440160" cy="864096"/>
+          </a:xfrm>
+          <a:prstGeom prst="roundRect">
+            <a:avLst/>
+          </a:prstGeom>
+        </p:spPr>
+        <p:style>
+          <a:lnRef idx="2">
+            <a:schemeClr val="accent1">
+              <a:shade val="50000"/>
+            </a:schemeClr>
+          </a:lnRef>
+          <a:fillRef idx="1">
+            <a:schemeClr val="accent1"/>
+          </a:fillRef>
+          <a:effectRef idx="0">
+            <a:schemeClr val="accent1"/>
+          </a:effectRef>
+          <a:fontRef idx="minor">
+            <a:schemeClr val="lt1"/>
+          </a:fontRef>
+        </p:style>
+        <p:txBody>
+          <a:bodyPr rtlCol="0" anchor="ctr"/>
+          <a:lstStyle/>
+          <a:p>
+            <a:pPr algn="ctr"/>
+            <a:r>
+              <a:rPr lang="fr-FR" dirty="0" smtClean="0"/>
+              <a:t>Reporting</a:t>
+            </a:r>
+          </a:p>
+          <a:p>
+            <a:pPr algn="ctr"/>
+            <a:r>
+              <a:rPr lang="fr-FR" dirty="0" smtClean="0"/>
+              <a:t>SSRS</a:t>
+            </a:r>
+            <a:endParaRPr lang="fr-FR" dirty="0"/>
+          </a:p>
+        </p:txBody>
+      </p:sp>
+      <p:sp>
+        <p:nvSpPr>
+          <p:cNvPr id="14" name="Rectangle à coins arrondis 13"/>
+          <p:cNvSpPr/>
+          <p:nvPr/>
+        </p:nvSpPr>
+        <p:spPr>
+          <a:xfrm>
+            <a:off x="5220073" y="4794840"/>
+            <a:ext cx="1872208" cy="864096"/>
+          </a:xfrm>
+          <a:prstGeom prst="roundRect">
+            <a:avLst/>
+          </a:prstGeom>
+        </p:spPr>
+        <p:style>
+          <a:lnRef idx="2">
+            <a:schemeClr val="accent1">
+              <a:shade val="50000"/>
+            </a:schemeClr>
+          </a:lnRef>
+          <a:fillRef idx="1">
+            <a:schemeClr val="accent1"/>
+          </a:fillRef>
+          <a:effectRef idx="0">
+            <a:schemeClr val="accent1"/>
+          </a:effectRef>
+          <a:fontRef idx="minor">
+            <a:schemeClr val="lt1"/>
+          </a:fontRef>
+        </p:style>
+        <p:txBody>
+          <a:bodyPr rtlCol="0" anchor="ctr"/>
+          <a:lstStyle/>
+          <a:p>
+            <a:pPr algn="ctr"/>
+            <a:r>
+              <a:rPr lang="fr-FR" dirty="0" smtClean="0"/>
+              <a:t>Moteur de calcul d’agrégats + Web-services</a:t>
+            </a:r>
+            <a:endParaRPr lang="fr-FR" dirty="0"/>
+          </a:p>
+        </p:txBody>
+      </p:sp>
+      <p:cxnSp>
+        <p:nvCxnSpPr>
+          <p:cNvPr id="15" name="Connecteur droit avec flèche 14"/>
+          <p:cNvCxnSpPr>
+            <a:stCxn id="10" idx="3"/>
+            <a:endCxn id="11" idx="1"/>
+          </p:cNvCxnSpPr>
+          <p:nvPr/>
+        </p:nvCxnSpPr>
+        <p:spPr>
+          <a:xfrm>
+            <a:off x="3347864" y="3789040"/>
+            <a:ext cx="432048" cy="0"/>
+          </a:xfrm>
+          <a:prstGeom prst="straightConnector1">
+            <a:avLst/>
+          </a:prstGeom>
+          <a:ln>
+            <a:tailEnd type="arrow"/>
+          </a:ln>
+        </p:spPr>
+        <p:style>
+          <a:lnRef idx="3">
+            <a:schemeClr val="accent2"/>
+          </a:lnRef>
+          <a:fillRef idx="0">
+            <a:schemeClr val="accent2"/>
+          </a:fillRef>
+          <a:effectRef idx="2">
+            <a:schemeClr val="accent2"/>
+          </a:effectRef>
+          <a:fontRef idx="minor">
+            <a:schemeClr val="tx1"/>
+          </a:fontRef>
+        </p:style>
+      </p:cxnSp>
+      <p:cxnSp>
+        <p:nvCxnSpPr>
+          <p:cNvPr id="16" name="Connecteur droit avec flèche 15"/>
+          <p:cNvCxnSpPr>
+            <a:stCxn id="11" idx="3"/>
+            <a:endCxn id="12" idx="1"/>
+          </p:cNvCxnSpPr>
+          <p:nvPr/>
+        </p:nvCxnSpPr>
+        <p:spPr>
+          <a:xfrm>
+            <a:off x="5220072" y="3789040"/>
+            <a:ext cx="432048" cy="0"/>
+          </a:xfrm>
+          <a:prstGeom prst="straightConnector1">
+            <a:avLst/>
+          </a:prstGeom>
+          <a:ln>
+            <a:tailEnd type="arrow"/>
+          </a:ln>
+        </p:spPr>
+        <p:style>
+          <a:lnRef idx="3">
+            <a:schemeClr val="accent2"/>
+          </a:lnRef>
+          <a:fillRef idx="0">
+            <a:schemeClr val="accent2"/>
+          </a:fillRef>
+          <a:effectRef idx="2">
+            <a:schemeClr val="accent2"/>
+          </a:effectRef>
+          <a:fontRef idx="minor">
+            <a:schemeClr val="tx1"/>
+          </a:fontRef>
+        </p:style>
+      </p:cxnSp>
+      <p:cxnSp>
+        <p:nvCxnSpPr>
+          <p:cNvPr id="17" name="Connecteur en angle 16"/>
+          <p:cNvCxnSpPr>
+            <a:stCxn id="8" idx="3"/>
+            <a:endCxn id="10" idx="1"/>
+          </p:cNvCxnSpPr>
+          <p:nvPr/>
+        </p:nvCxnSpPr>
+        <p:spPr>
+          <a:xfrm>
+            <a:off x="1475656" y="2132856"/>
+            <a:ext cx="792088" cy="1656184"/>
+          </a:xfrm>
+          <a:prstGeom prst="bentConnector3">
+            <a:avLst/>
+          </a:prstGeom>
+          <a:ln>
+            <a:tailEnd type="arrow"/>
+          </a:ln>
+        </p:spPr>
+        <p:style>
+          <a:lnRef idx="3">
+            <a:schemeClr val="accent2"/>
+          </a:lnRef>
+          <a:fillRef idx="0">
+            <a:schemeClr val="accent2"/>
+          </a:fillRef>
+          <a:effectRef idx="2">
+            <a:schemeClr val="accent2"/>
+          </a:effectRef>
+          <a:fontRef idx="minor">
+            <a:schemeClr val="tx1"/>
+          </a:fontRef>
+        </p:style>
+      </p:cxnSp>
+      <p:cxnSp>
+        <p:nvCxnSpPr>
+          <p:cNvPr id="18" name="Connecteur en angle 17"/>
+          <p:cNvCxnSpPr>
+            <a:stCxn id="6" idx="3"/>
+            <a:endCxn id="10" idx="1"/>
+          </p:cNvCxnSpPr>
+          <p:nvPr/>
+        </p:nvCxnSpPr>
+        <p:spPr>
+          <a:xfrm>
+            <a:off x="1475656" y="3212976"/>
+            <a:ext cx="792088" cy="576064"/>
+          </a:xfrm>
+          <a:prstGeom prst="bentConnector3">
+            <a:avLst/>
+          </a:prstGeom>
+          <a:ln>
+            <a:tailEnd type="arrow"/>
+          </a:ln>
+        </p:spPr>
+        <p:style>
+          <a:lnRef idx="3">
+            <a:schemeClr val="accent2"/>
+          </a:lnRef>
+          <a:fillRef idx="0">
+            <a:schemeClr val="accent2"/>
+          </a:fillRef>
+          <a:effectRef idx="2">
+            <a:schemeClr val="accent2"/>
+          </a:effectRef>
+          <a:fontRef idx="minor">
+            <a:schemeClr val="tx1"/>
+          </a:fontRef>
+        </p:style>
+      </p:cxnSp>
+      <p:cxnSp>
+        <p:nvCxnSpPr>
+          <p:cNvPr id="19" name="Connecteur en angle 18"/>
+          <p:cNvCxnSpPr>
+            <a:stCxn id="7" idx="3"/>
+            <a:endCxn id="10" idx="1"/>
+          </p:cNvCxnSpPr>
+          <p:nvPr/>
+        </p:nvCxnSpPr>
+        <p:spPr>
+          <a:xfrm flipV="1">
+            <a:off x="1475656" y="3789040"/>
+            <a:ext cx="792088" cy="432048"/>
+          </a:xfrm>
+          <a:prstGeom prst="bentConnector3">
+            <a:avLst/>
+          </a:prstGeom>
+          <a:ln>
+            <a:tailEnd type="arrow"/>
+          </a:ln>
+        </p:spPr>
+        <p:style>
+          <a:lnRef idx="3">
+            <a:schemeClr val="accent2"/>
+          </a:lnRef>
+          <a:fillRef idx="0">
+            <a:schemeClr val="accent2"/>
+          </a:fillRef>
+          <a:effectRef idx="2">
+            <a:schemeClr val="accent2"/>
+          </a:effectRef>
+          <a:fontRef idx="minor">
+            <a:schemeClr val="tx1"/>
+          </a:fontRef>
+        </p:style>
+      </p:cxnSp>
+      <p:cxnSp>
+        <p:nvCxnSpPr>
+          <p:cNvPr id="20" name="Connecteur en angle 19"/>
+          <p:cNvCxnSpPr>
+            <a:stCxn id="9" idx="3"/>
+            <a:endCxn id="10" idx="1"/>
+          </p:cNvCxnSpPr>
+          <p:nvPr/>
+        </p:nvCxnSpPr>
+        <p:spPr>
+          <a:xfrm flipV="1">
+            <a:off x="1469986" y="3789040"/>
+            <a:ext cx="797758" cy="1512168"/>
+          </a:xfrm>
+          <a:prstGeom prst="bentConnector3">
+            <a:avLst/>
+          </a:prstGeom>
+          <a:ln>
+            <a:tailEnd type="arrow"/>
+          </a:ln>
+        </p:spPr>
+        <p:style>
+          <a:lnRef idx="3">
+            <a:schemeClr val="accent2"/>
+          </a:lnRef>
+          <a:fillRef idx="0">
+            <a:schemeClr val="accent2"/>
+          </a:fillRef>
+          <a:effectRef idx="2">
+            <a:schemeClr val="accent2"/>
+          </a:effectRef>
+          <a:fontRef idx="minor">
+            <a:schemeClr val="tx1"/>
+          </a:fontRef>
+        </p:style>
+      </p:cxnSp>
+      <p:sp>
+        <p:nvSpPr>
+          <p:cNvPr id="21" name="Rectangle 20"/>
+          <p:cNvSpPr/>
+          <p:nvPr/>
+        </p:nvSpPr>
+        <p:spPr>
+          <a:xfrm>
+            <a:off x="179512" y="1412776"/>
+            <a:ext cx="3312368" cy="4464496"/>
           </a:xfrm>
           <a:prstGeom prst="rect">
             <a:avLst/>
           </a:prstGeom>
           <a:noFill/>
-          <a:extLst>
-            <a:ext uri="{909E8E84-426E-40DD-AFC4-6F175D3DCCD1}">
-              <a14:hiddenFill xmlns:a14="http://schemas.microsoft.com/office/drawing/2010/main">
-                <a:solidFill>
-                  <a:srgbClr val="FFFFFF"/>
-                </a:solidFill>
-              </a14:hiddenFill>
-            </a:ext>
-          </a:extLst>
+          <a:ln w="25400">
+            <a:solidFill>
+              <a:srgbClr val="C00000"/>
+            </a:solidFill>
+            <a:prstDash val="sysDot"/>
+          </a:ln>
         </p:spPr>
-        <p:txBody>
-          <a:bodyPr vert="horz" wrap="square" lIns="91440" tIns="45720" rIns="91440" bIns="45720" numCol="1" anchor="t" anchorCtr="0" compatLnSpc="1">
-            <a:prstTxWarp prst="textNoShape">
-              <a:avLst/>
-            </a:prstTxWarp>
+        <p:style>
+          <a:lnRef idx="2">
+            <a:schemeClr val="accent1">
+              <a:shade val="50000"/>
+            </a:schemeClr>
+          </a:lnRef>
+          <a:fillRef idx="1">
+            <a:schemeClr val="accent1"/>
+          </a:fillRef>
+          <a:effectRef idx="0">
+            <a:schemeClr val="accent1"/>
+          </a:effectRef>
+          <a:fontRef idx="minor">
+            <a:schemeClr val="lt1"/>
+          </a:fontRef>
+        </p:style>
+        <p:txBody>
+          <a:bodyPr rtlCol="0" anchor="ctr"/>
+          <a:lstStyle/>
+          <a:p>
+            <a:pPr algn="ctr"/>
+            <a:endParaRPr lang="fr-FR"/>
+          </a:p>
+        </p:txBody>
+      </p:sp>
+      <p:sp>
+        <p:nvSpPr>
+          <p:cNvPr id="22" name="Rectangle 21"/>
+          <p:cNvSpPr/>
+          <p:nvPr/>
+        </p:nvSpPr>
+        <p:spPr>
+          <a:xfrm>
+            <a:off x="3563888" y="1412776"/>
+            <a:ext cx="3624798" cy="4464496"/>
+          </a:xfrm>
+          <a:prstGeom prst="rect">
+            <a:avLst/>
+          </a:prstGeom>
+          <a:noFill/>
+          <a:ln w="25400">
+            <a:solidFill>
+              <a:srgbClr val="C00000"/>
+            </a:solidFill>
+            <a:prstDash val="sysDot"/>
+          </a:ln>
+        </p:spPr>
+        <p:style>
+          <a:lnRef idx="2">
+            <a:schemeClr val="accent1">
+              <a:shade val="50000"/>
+            </a:schemeClr>
+          </a:lnRef>
+          <a:fillRef idx="1">
+            <a:schemeClr val="accent1"/>
+          </a:fillRef>
+          <a:effectRef idx="0">
+            <a:schemeClr val="accent1"/>
+          </a:effectRef>
+          <a:fontRef idx="minor">
+            <a:schemeClr val="lt1"/>
+          </a:fontRef>
+        </p:style>
+        <p:txBody>
+          <a:bodyPr rtlCol="0" anchor="ctr"/>
+          <a:lstStyle/>
+          <a:p>
+            <a:pPr algn="ctr"/>
+            <a:endParaRPr lang="fr-FR"/>
+          </a:p>
+        </p:txBody>
+      </p:sp>
+      <p:sp>
+        <p:nvSpPr>
+          <p:cNvPr id="23" name="Rectangle 22"/>
+          <p:cNvSpPr/>
+          <p:nvPr/>
+        </p:nvSpPr>
+        <p:spPr>
+          <a:xfrm>
+            <a:off x="7283906" y="1412776"/>
+            <a:ext cx="1812399" cy="4464496"/>
+          </a:xfrm>
+          <a:prstGeom prst="rect">
+            <a:avLst/>
+          </a:prstGeom>
+          <a:noFill/>
+          <a:ln w="25400">
+            <a:solidFill>
+              <a:srgbClr val="C00000"/>
+            </a:solidFill>
+            <a:prstDash val="sysDot"/>
+          </a:ln>
+        </p:spPr>
+        <p:style>
+          <a:lnRef idx="2">
+            <a:schemeClr val="accent1">
+              <a:shade val="50000"/>
+            </a:schemeClr>
+          </a:lnRef>
+          <a:fillRef idx="1">
+            <a:schemeClr val="accent1"/>
+          </a:fillRef>
+          <a:effectRef idx="0">
+            <a:schemeClr val="accent1"/>
+          </a:effectRef>
+          <a:fontRef idx="minor">
+            <a:schemeClr val="lt1"/>
+          </a:fontRef>
+        </p:style>
+        <p:txBody>
+          <a:bodyPr rtlCol="0" anchor="ctr"/>
+          <a:lstStyle/>
+          <a:p>
+            <a:pPr algn="ctr"/>
+            <a:endParaRPr lang="fr-FR"/>
+          </a:p>
+        </p:txBody>
+      </p:sp>
+      <p:sp>
+        <p:nvSpPr>
+          <p:cNvPr id="24" name="ZoneTexte 23"/>
+          <p:cNvSpPr txBox="1"/>
+          <p:nvPr/>
+        </p:nvSpPr>
+        <p:spPr>
+          <a:xfrm>
+            <a:off x="2441664" y="1531043"/>
+            <a:ext cx="732279" cy="369332"/>
+          </a:xfrm>
+          <a:prstGeom prst="rect">
+            <a:avLst/>
+          </a:prstGeom>
+        </p:spPr>
+        <p:style>
+          <a:lnRef idx="0">
+            <a:schemeClr val="accent3"/>
+          </a:lnRef>
+          <a:fillRef idx="3">
+            <a:schemeClr val="accent3"/>
+          </a:fillRef>
+          <a:effectRef idx="3">
+            <a:schemeClr val="accent3"/>
+          </a:effectRef>
+          <a:fontRef idx="minor">
+            <a:schemeClr val="lt1"/>
+          </a:fontRef>
+        </p:style>
+        <p:txBody>
+          <a:bodyPr wrap="square" rtlCol="0">
+            <a:spAutoFit/>
           </a:bodyPr>
           <a:lstStyle/>
           <a:p>
-            <a:endParaRPr lang="fr-FR"/>
+            <a:pPr algn="ctr"/>
+            <a:r>
+              <a:rPr lang="fr-FR" b="1" dirty="0" smtClean="0"/>
+              <a:t>ETL</a:t>
+            </a:r>
+            <a:endParaRPr lang="fr-FR" b="1" dirty="0"/>
+          </a:p>
+        </p:txBody>
+      </p:sp>
+      <p:sp>
+        <p:nvSpPr>
+          <p:cNvPr id="25" name="ZoneTexte 24"/>
+          <p:cNvSpPr txBox="1"/>
+          <p:nvPr/>
+        </p:nvSpPr>
+        <p:spPr>
+          <a:xfrm>
+            <a:off x="7452320" y="1516142"/>
+            <a:ext cx="1440159" cy="369332"/>
+          </a:xfrm>
+          <a:prstGeom prst="rect">
+            <a:avLst/>
+          </a:prstGeom>
+        </p:spPr>
+        <p:style>
+          <a:lnRef idx="0">
+            <a:schemeClr val="accent6"/>
+          </a:lnRef>
+          <a:fillRef idx="3">
+            <a:schemeClr val="accent6"/>
+          </a:fillRef>
+          <a:effectRef idx="3">
+            <a:schemeClr val="accent6"/>
+          </a:effectRef>
+          <a:fontRef idx="minor">
+            <a:schemeClr val="lt1"/>
+          </a:fontRef>
+        </p:style>
+        <p:txBody>
+          <a:bodyPr wrap="square" rtlCol="0">
+            <a:spAutoFit/>
+          </a:bodyPr>
+          <a:lstStyle/>
+          <a:p>
+            <a:pPr algn="ctr"/>
+            <a:r>
+              <a:rPr lang="fr-FR" b="1" dirty="0" smtClean="0"/>
+              <a:t>REPORTING</a:t>
+            </a:r>
+            <a:endParaRPr lang="fr-FR" b="1" dirty="0"/>
+          </a:p>
+        </p:txBody>
+      </p:sp>
+      <p:sp>
+        <p:nvSpPr>
+          <p:cNvPr id="26" name="ZoneTexte 25"/>
+          <p:cNvSpPr txBox="1"/>
+          <p:nvPr/>
+        </p:nvSpPr>
+        <p:spPr>
+          <a:xfrm>
+            <a:off x="4644008" y="1516142"/>
+            <a:ext cx="1654681" cy="369332"/>
+          </a:xfrm>
+          <a:prstGeom prst="rect">
+            <a:avLst/>
+          </a:prstGeom>
+        </p:spPr>
+        <p:style>
+          <a:lnRef idx="0">
+            <a:schemeClr val="accent2"/>
+          </a:lnRef>
+          <a:fillRef idx="3">
+            <a:schemeClr val="accent2"/>
+          </a:fillRef>
+          <a:effectRef idx="3">
+            <a:schemeClr val="accent2"/>
+          </a:effectRef>
+          <a:fontRef idx="minor">
+            <a:schemeClr val="lt1"/>
+          </a:fontRef>
+        </p:style>
+        <p:txBody>
+          <a:bodyPr wrap="square" rtlCol="0">
+            <a:spAutoFit/>
+          </a:bodyPr>
+          <a:lstStyle/>
+          <a:p>
+            <a:pPr algn="ctr"/>
+            <a:r>
+              <a:rPr lang="fr-FR" b="1" dirty="0" smtClean="0"/>
+              <a:t>DWH / CUBES</a:t>
+            </a:r>
+            <a:endParaRPr lang="fr-FR" b="1" dirty="0"/>
+          </a:p>
+        </p:txBody>
+      </p:sp>
+      <p:cxnSp>
+        <p:nvCxnSpPr>
+          <p:cNvPr id="27" name="Connecteur droit avec flèche 26"/>
+          <p:cNvCxnSpPr>
+            <a:stCxn id="12" idx="3"/>
+            <a:endCxn id="13" idx="1"/>
+          </p:cNvCxnSpPr>
+          <p:nvPr/>
+        </p:nvCxnSpPr>
+        <p:spPr>
+          <a:xfrm>
+            <a:off x="7092280" y="3789040"/>
+            <a:ext cx="504056" cy="0"/>
+          </a:xfrm>
+          <a:prstGeom prst="straightConnector1">
+            <a:avLst/>
+          </a:prstGeom>
+          <a:ln>
+            <a:tailEnd type="arrow"/>
+          </a:ln>
+        </p:spPr>
+        <p:style>
+          <a:lnRef idx="3">
+            <a:schemeClr val="accent2"/>
+          </a:lnRef>
+          <a:fillRef idx="0">
+            <a:schemeClr val="accent2"/>
+          </a:fillRef>
+          <a:effectRef idx="2">
+            <a:schemeClr val="accent2"/>
+          </a:effectRef>
+          <a:fontRef idx="minor">
+            <a:schemeClr val="tx1"/>
+          </a:fontRef>
+        </p:style>
+      </p:cxnSp>
+      <p:cxnSp>
+        <p:nvCxnSpPr>
+          <p:cNvPr id="28" name="Connecteur en angle 27"/>
+          <p:cNvCxnSpPr>
+            <a:stCxn id="14" idx="0"/>
+            <a:endCxn id="12" idx="2"/>
+          </p:cNvCxnSpPr>
+          <p:nvPr/>
+        </p:nvCxnSpPr>
+        <p:spPr>
+          <a:xfrm rot="5400000" flipH="1" flipV="1">
+            <a:off x="5977312" y="4399953"/>
+            <a:ext cx="573752" cy="216023"/>
+          </a:xfrm>
+          <a:prstGeom prst="bentConnector3">
+            <a:avLst/>
+          </a:prstGeom>
+        </p:spPr>
+        <p:style>
+          <a:lnRef idx="3">
+            <a:schemeClr val="accent1"/>
+          </a:lnRef>
+          <a:fillRef idx="0">
+            <a:schemeClr val="accent1"/>
+          </a:fillRef>
+          <a:effectRef idx="2">
+            <a:schemeClr val="accent1"/>
+          </a:effectRef>
+          <a:fontRef idx="minor">
+            <a:schemeClr val="tx1"/>
+          </a:fontRef>
+        </p:style>
+      </p:cxnSp>
+      <p:pic>
+        <p:nvPicPr>
+          <p:cNvPr id="29" name="Picture 61"/>
+          <p:cNvPicPr/>
+          <p:nvPr/>
+        </p:nvPicPr>
+        <p:blipFill>
+          <a:blip r:embed="rId3" cstate="print">
+            <a:extLst>
+              <a:ext uri="{28A0092B-C50C-407E-A947-70E740481C1C}">
+                <a14:useLocalDpi xmlns:a14="http://schemas.microsoft.com/office/drawing/2010/main" val="0"/>
+              </a:ext>
+            </a:extLst>
+          </a:blip>
+          <a:stretch>
+            <a:fillRect/>
+          </a:stretch>
+        </p:blipFill>
+        <p:spPr>
+          <a:xfrm>
+            <a:off x="6876257" y="232514"/>
+            <a:ext cx="1978376" cy="892230"/>
+          </a:xfrm>
+          <a:prstGeom prst="rect">
+            <a:avLst/>
+          </a:prstGeom>
+        </p:spPr>
+      </p:pic>
+      <p:sp>
+        <p:nvSpPr>
+          <p:cNvPr id="4" name="Rectangle 3"/>
+          <p:cNvSpPr/>
+          <p:nvPr/>
+        </p:nvSpPr>
+        <p:spPr>
+          <a:xfrm>
+            <a:off x="107504" y="675823"/>
+            <a:ext cx="4553619" cy="369332"/>
+          </a:xfrm>
+          <a:prstGeom prst="rect">
+            <a:avLst/>
+          </a:prstGeom>
+        </p:spPr>
+        <p:txBody>
+          <a:bodyPr wrap="none">
+            <a:spAutoFit/>
+          </a:bodyPr>
+          <a:lstStyle/>
+          <a:p>
+            <a:r>
+              <a:rPr lang="fr-FR" dirty="0" smtClean="0"/>
+              <a:t>Cf. « </a:t>
+            </a:r>
+            <a:r>
+              <a:rPr lang="fr-FR" b="1" dirty="0" smtClean="0"/>
+              <a:t>Architecture_ODE_2015-06-09_v1.pptx</a:t>
+            </a:r>
+            <a:r>
+              <a:rPr lang="fr-FR" dirty="0" smtClean="0"/>
+              <a:t> »</a:t>
+            </a:r>
+            <a:endParaRPr lang="fr-FR" dirty="0"/>
           </a:p>
         </p:txBody>
       </p:sp>
     </p:spTree>
     <p:extLst>
       <p:ext uri="{BB962C8B-B14F-4D97-AF65-F5344CB8AC3E}">
-        <p14:creationId xmlns:p14="http://schemas.microsoft.com/office/powerpoint/2010/main" val="4022729328"/>
+        <p14:creationId xmlns:p14="http://schemas.microsoft.com/office/powerpoint/2010/main" val="710553463"/>
       </p:ext>
     </p:extLst>
   </p:cSld>
@@ -4863,14 +6659,14 @@
       </p:grpSpPr>
       <p:sp>
         <p:nvSpPr>
-          <p:cNvPr id="4" name="ZoneTexte 3"/>
+          <p:cNvPr id="3" name="ZoneTexte 2"/>
           <p:cNvSpPr txBox="1"/>
           <p:nvPr/>
         </p:nvSpPr>
         <p:spPr>
           <a:xfrm>
-            <a:off x="1296174" y="2348880"/>
-            <a:ext cx="6984776" cy="707886"/>
+            <a:off x="107504" y="107340"/>
+            <a:ext cx="1671740" cy="369332"/>
           </a:xfrm>
           <a:prstGeom prst="rect">
             <a:avLst/>
@@ -4891,24 +6687,1231 @@
           </a:fontRef>
         </p:style>
         <p:txBody>
+          <a:bodyPr wrap="none" rtlCol="0">
+            <a:spAutoFit/>
+          </a:bodyPr>
+          <a:lstStyle/>
+          <a:p>
+            <a:r>
+              <a:rPr lang="fr-FR" dirty="0"/>
+              <a:t>Macro-planning</a:t>
+            </a:r>
+          </a:p>
+        </p:txBody>
+      </p:sp>
+      <p:sp>
+        <p:nvSpPr>
+          <p:cNvPr id="4" name="Rectangle 3"/>
+          <p:cNvSpPr/>
+          <p:nvPr/>
+        </p:nvSpPr>
+        <p:spPr>
+          <a:xfrm>
+            <a:off x="251520" y="1628800"/>
+            <a:ext cx="8496944" cy="2088232"/>
+          </a:xfrm>
+          <a:prstGeom prst="rect">
+            <a:avLst/>
+          </a:prstGeom>
+          <a:noFill/>
+          <a:ln w="25400">
+            <a:solidFill>
+              <a:srgbClr val="C00000"/>
+            </a:solidFill>
+            <a:prstDash val="sysDot"/>
+          </a:ln>
+        </p:spPr>
+        <p:style>
+          <a:lnRef idx="2">
+            <a:schemeClr val="accent1">
+              <a:shade val="50000"/>
+            </a:schemeClr>
+          </a:lnRef>
+          <a:fillRef idx="1">
+            <a:schemeClr val="accent1"/>
+          </a:fillRef>
+          <a:effectRef idx="0">
+            <a:schemeClr val="accent1"/>
+          </a:effectRef>
+          <a:fontRef idx="minor">
+            <a:schemeClr val="lt1"/>
+          </a:fontRef>
+        </p:style>
+        <p:txBody>
+          <a:bodyPr rtlCol="0" anchor="ctr"/>
+          <a:lstStyle/>
+          <a:p>
+            <a:pPr algn="ctr"/>
+            <a:endParaRPr lang="fr-FR"/>
+          </a:p>
+        </p:txBody>
+      </p:sp>
+      <p:sp>
+        <p:nvSpPr>
+          <p:cNvPr id="5" name="Rectangle 4"/>
+          <p:cNvSpPr/>
+          <p:nvPr/>
+        </p:nvSpPr>
+        <p:spPr>
+          <a:xfrm>
+            <a:off x="251521" y="3861048"/>
+            <a:ext cx="8496944" cy="1800200"/>
+          </a:xfrm>
+          <a:prstGeom prst="rect">
+            <a:avLst/>
+          </a:prstGeom>
+          <a:noFill/>
+          <a:ln w="25400">
+            <a:solidFill>
+              <a:srgbClr val="C00000"/>
+            </a:solidFill>
+            <a:prstDash val="sysDot"/>
+          </a:ln>
+        </p:spPr>
+        <p:style>
+          <a:lnRef idx="2">
+            <a:schemeClr val="accent1">
+              <a:shade val="50000"/>
+            </a:schemeClr>
+          </a:lnRef>
+          <a:fillRef idx="1">
+            <a:schemeClr val="accent1"/>
+          </a:fillRef>
+          <a:effectRef idx="0">
+            <a:schemeClr val="accent1"/>
+          </a:effectRef>
+          <a:fontRef idx="minor">
+            <a:schemeClr val="lt1"/>
+          </a:fontRef>
+        </p:style>
+        <p:txBody>
+          <a:bodyPr rtlCol="0" anchor="ctr"/>
+          <a:lstStyle/>
+          <a:p>
+            <a:pPr algn="ctr"/>
+            <a:endParaRPr lang="fr-FR"/>
+          </a:p>
+        </p:txBody>
+      </p:sp>
+      <p:sp>
+        <p:nvSpPr>
+          <p:cNvPr id="6" name="Rectangle à coins arrondis 5"/>
+          <p:cNvSpPr/>
+          <p:nvPr/>
+        </p:nvSpPr>
+        <p:spPr>
+          <a:xfrm>
+            <a:off x="6156176" y="2060848"/>
+            <a:ext cx="2160240" cy="864096"/>
+          </a:xfrm>
+          <a:prstGeom prst="roundRect">
+            <a:avLst/>
+          </a:prstGeom>
+        </p:spPr>
+        <p:style>
+          <a:lnRef idx="2">
+            <a:schemeClr val="accent1">
+              <a:shade val="50000"/>
+            </a:schemeClr>
+          </a:lnRef>
+          <a:fillRef idx="1">
+            <a:schemeClr val="accent1"/>
+          </a:fillRef>
+          <a:effectRef idx="0">
+            <a:schemeClr val="accent1"/>
+          </a:effectRef>
+          <a:fontRef idx="minor">
+            <a:schemeClr val="lt1"/>
+          </a:fontRef>
+        </p:style>
+        <p:txBody>
+          <a:bodyPr rtlCol="0" anchor="ctr"/>
+          <a:lstStyle/>
+          <a:p>
+            <a:pPr algn="ctr"/>
+            <a:r>
+              <a:rPr lang="fr-FR" dirty="0" smtClean="0"/>
+              <a:t>ETL</a:t>
+            </a:r>
+          </a:p>
+          <a:p>
+            <a:pPr algn="ctr"/>
+            <a:r>
+              <a:rPr lang="fr-FR" dirty="0" smtClean="0"/>
+              <a:t>SSIS</a:t>
+            </a:r>
+            <a:endParaRPr lang="fr-FR" dirty="0"/>
+          </a:p>
+        </p:txBody>
+      </p:sp>
+      <p:sp>
+        <p:nvSpPr>
+          <p:cNvPr id="7" name="Rectangle à coins arrondis 6"/>
+          <p:cNvSpPr/>
+          <p:nvPr/>
+        </p:nvSpPr>
+        <p:spPr>
+          <a:xfrm>
+            <a:off x="395536" y="2924944"/>
+            <a:ext cx="1634500" cy="1656184"/>
+          </a:xfrm>
+          <a:prstGeom prst="roundRect">
+            <a:avLst/>
+          </a:prstGeom>
+        </p:spPr>
+        <p:style>
+          <a:lnRef idx="2">
+            <a:schemeClr val="accent1">
+              <a:shade val="50000"/>
+            </a:schemeClr>
+          </a:lnRef>
+          <a:fillRef idx="1">
+            <a:schemeClr val="accent1"/>
+          </a:fillRef>
+          <a:effectRef idx="0">
+            <a:schemeClr val="accent1"/>
+          </a:effectRef>
+          <a:fontRef idx="minor">
+            <a:schemeClr val="lt1"/>
+          </a:fontRef>
+        </p:style>
+        <p:txBody>
+          <a:bodyPr rtlCol="0" anchor="ctr"/>
+          <a:lstStyle/>
+          <a:p>
+            <a:pPr algn="ctr"/>
+            <a:r>
+              <a:rPr lang="fr-FR" dirty="0" smtClean="0"/>
+              <a:t>DWH</a:t>
+            </a:r>
+          </a:p>
+          <a:p>
+            <a:pPr algn="ctr"/>
+            <a:r>
+              <a:rPr lang="fr-FR" dirty="0" smtClean="0"/>
+              <a:t>SQL SERVER</a:t>
+            </a:r>
+            <a:endParaRPr lang="fr-FR" dirty="0"/>
+          </a:p>
+        </p:txBody>
+      </p:sp>
+      <p:sp>
+        <p:nvSpPr>
+          <p:cNvPr id="8" name="Rectangle à coins arrondis 7"/>
+          <p:cNvSpPr/>
+          <p:nvPr/>
+        </p:nvSpPr>
+        <p:spPr>
+          <a:xfrm>
+            <a:off x="2121436" y="2924944"/>
+            <a:ext cx="1586468" cy="1656184"/>
+          </a:xfrm>
+          <a:prstGeom prst="roundRect">
+            <a:avLst/>
+          </a:prstGeom>
+        </p:spPr>
+        <p:style>
+          <a:lnRef idx="2">
+            <a:schemeClr val="accent1">
+              <a:shade val="50000"/>
+            </a:schemeClr>
+          </a:lnRef>
+          <a:fillRef idx="1">
+            <a:schemeClr val="accent1"/>
+          </a:fillRef>
+          <a:effectRef idx="0">
+            <a:schemeClr val="accent1"/>
+          </a:effectRef>
+          <a:fontRef idx="minor">
+            <a:schemeClr val="lt1"/>
+          </a:fontRef>
+        </p:style>
+        <p:txBody>
+          <a:bodyPr rtlCol="0" anchor="ctr"/>
+          <a:lstStyle/>
+          <a:p>
+            <a:pPr algn="ctr"/>
+            <a:r>
+              <a:rPr lang="fr-FR" dirty="0" smtClean="0"/>
+              <a:t>Base OLAP</a:t>
+            </a:r>
+          </a:p>
+          <a:p>
+            <a:pPr algn="ctr"/>
+            <a:r>
+              <a:rPr lang="fr-FR" dirty="0" smtClean="0"/>
+              <a:t>SSAS</a:t>
+            </a:r>
+            <a:endParaRPr lang="fr-FR" dirty="0"/>
+          </a:p>
+        </p:txBody>
+      </p:sp>
+      <p:sp>
+        <p:nvSpPr>
+          <p:cNvPr id="9" name="Rectangle à coins arrondis 8"/>
+          <p:cNvSpPr/>
+          <p:nvPr/>
+        </p:nvSpPr>
+        <p:spPr>
+          <a:xfrm>
+            <a:off x="3923928" y="2060309"/>
+            <a:ext cx="2196244" cy="864096"/>
+          </a:xfrm>
+          <a:prstGeom prst="roundRect">
+            <a:avLst/>
+          </a:prstGeom>
+        </p:spPr>
+        <p:style>
+          <a:lnRef idx="2">
+            <a:schemeClr val="accent1">
+              <a:shade val="50000"/>
+            </a:schemeClr>
+          </a:lnRef>
+          <a:fillRef idx="1">
+            <a:schemeClr val="accent1"/>
+          </a:fillRef>
+          <a:effectRef idx="0">
+            <a:schemeClr val="accent1"/>
+          </a:effectRef>
+          <a:fontRef idx="minor">
+            <a:schemeClr val="lt1"/>
+          </a:fontRef>
+        </p:style>
+        <p:txBody>
+          <a:bodyPr rtlCol="0" anchor="ctr"/>
+          <a:lstStyle/>
+          <a:p>
+            <a:pPr algn="ctr"/>
+            <a:r>
+              <a:rPr lang="fr-FR" dirty="0" smtClean="0"/>
+              <a:t>Reporting</a:t>
+            </a:r>
+          </a:p>
+          <a:p>
+            <a:pPr algn="ctr"/>
+            <a:r>
+              <a:rPr lang="fr-FR" dirty="0" smtClean="0"/>
+              <a:t>SSRS</a:t>
+            </a:r>
+            <a:endParaRPr lang="fr-FR" dirty="0"/>
+          </a:p>
+        </p:txBody>
+      </p:sp>
+      <p:sp>
+        <p:nvSpPr>
+          <p:cNvPr id="10" name="Rectangle à coins arrondis 9"/>
+          <p:cNvSpPr/>
+          <p:nvPr/>
+        </p:nvSpPr>
+        <p:spPr>
+          <a:xfrm>
+            <a:off x="3923928" y="4509120"/>
+            <a:ext cx="2196244" cy="864096"/>
+          </a:xfrm>
+          <a:prstGeom prst="roundRect">
+            <a:avLst/>
+          </a:prstGeom>
+        </p:spPr>
+        <p:style>
+          <a:lnRef idx="2">
+            <a:schemeClr val="accent1">
+              <a:shade val="50000"/>
+            </a:schemeClr>
+          </a:lnRef>
+          <a:fillRef idx="1">
+            <a:schemeClr val="accent1"/>
+          </a:fillRef>
+          <a:effectRef idx="0">
+            <a:schemeClr val="accent1"/>
+          </a:effectRef>
+          <a:fontRef idx="minor">
+            <a:schemeClr val="lt1"/>
+          </a:fontRef>
+        </p:style>
+        <p:txBody>
+          <a:bodyPr rtlCol="0" anchor="ctr"/>
+          <a:lstStyle/>
+          <a:p>
+            <a:pPr algn="ctr"/>
+            <a:r>
+              <a:rPr lang="fr-FR" dirty="0" smtClean="0"/>
+              <a:t>Moteur de calcul d’agrégats</a:t>
+            </a:r>
+            <a:endParaRPr lang="fr-FR" dirty="0"/>
+          </a:p>
+        </p:txBody>
+      </p:sp>
+      <p:sp>
+        <p:nvSpPr>
+          <p:cNvPr id="11" name="Rectangle 10"/>
+          <p:cNvSpPr/>
+          <p:nvPr/>
+        </p:nvSpPr>
+        <p:spPr>
+          <a:xfrm>
+            <a:off x="267575" y="5142383"/>
+            <a:ext cx="3316952" cy="461665"/>
+          </a:xfrm>
+          <a:prstGeom prst="rect">
+            <a:avLst/>
+          </a:prstGeom>
+        </p:spPr>
+        <p:txBody>
+          <a:bodyPr wrap="square">
+            <a:spAutoFit/>
+          </a:bodyPr>
+          <a:lstStyle/>
+          <a:p>
+            <a:r>
+              <a:rPr lang="fr-FR" sz="2400" b="1" dirty="0" smtClean="0">
+                <a:solidFill>
+                  <a:srgbClr val="FF0000"/>
+                </a:solidFill>
+              </a:rPr>
+              <a:t>Equipe 2</a:t>
+            </a:r>
+            <a:endParaRPr lang="fr-FR" sz="2400" dirty="0">
+              <a:solidFill>
+                <a:srgbClr val="FF0000"/>
+              </a:solidFill>
+            </a:endParaRPr>
+          </a:p>
+        </p:txBody>
+      </p:sp>
+      <p:sp>
+        <p:nvSpPr>
+          <p:cNvPr id="12" name="Rectangle 11"/>
+          <p:cNvSpPr/>
+          <p:nvPr/>
+        </p:nvSpPr>
+        <p:spPr>
+          <a:xfrm>
+            <a:off x="2762387" y="1836113"/>
+            <a:ext cx="1233549" cy="584775"/>
+          </a:xfrm>
+          <a:prstGeom prst="rect">
+            <a:avLst/>
+          </a:prstGeom>
+        </p:spPr>
+        <p:txBody>
+          <a:bodyPr wrap="square">
+            <a:spAutoFit/>
+          </a:bodyPr>
+          <a:lstStyle/>
+          <a:p>
+            <a:pPr algn="ctr"/>
+            <a:r>
+              <a:rPr lang="fr-FR" sz="1600" dirty="0" smtClean="0">
+                <a:solidFill>
+                  <a:schemeClr val="tx2"/>
+                </a:solidFill>
+              </a:rPr>
+              <a:t>Membres de l’équipe 1</a:t>
+            </a:r>
+            <a:endParaRPr lang="fr-FR" sz="1600" dirty="0">
+              <a:solidFill>
+                <a:schemeClr val="tx2"/>
+              </a:solidFill>
+            </a:endParaRPr>
+          </a:p>
+        </p:txBody>
+      </p:sp>
+      <p:cxnSp>
+        <p:nvCxnSpPr>
+          <p:cNvPr id="13" name="Connecteur droit avec flèche 12"/>
+          <p:cNvCxnSpPr/>
+          <p:nvPr/>
+        </p:nvCxnSpPr>
+        <p:spPr>
+          <a:xfrm>
+            <a:off x="390952" y="1196752"/>
+            <a:ext cx="8429520" cy="0"/>
+          </a:xfrm>
+          <a:prstGeom prst="straightConnector1">
+            <a:avLst/>
+          </a:prstGeom>
+          <a:ln>
+            <a:tailEnd type="arrow"/>
+          </a:ln>
+        </p:spPr>
+        <p:style>
+          <a:lnRef idx="3">
+            <a:schemeClr val="dk1"/>
+          </a:lnRef>
+          <a:fillRef idx="0">
+            <a:schemeClr val="dk1"/>
+          </a:fillRef>
+          <a:effectRef idx="2">
+            <a:schemeClr val="dk1"/>
+          </a:effectRef>
+          <a:fontRef idx="minor">
+            <a:schemeClr val="tx1"/>
+          </a:fontRef>
+        </p:style>
+      </p:cxnSp>
+      <p:sp>
+        <p:nvSpPr>
+          <p:cNvPr id="14" name="Rectangle 13"/>
+          <p:cNvSpPr/>
+          <p:nvPr/>
+        </p:nvSpPr>
+        <p:spPr>
+          <a:xfrm>
+            <a:off x="-36512" y="563345"/>
+            <a:ext cx="1024927" cy="461665"/>
+          </a:xfrm>
+          <a:prstGeom prst="rect">
+            <a:avLst/>
+          </a:prstGeom>
+        </p:spPr>
+        <p:txBody>
+          <a:bodyPr wrap="square">
+            <a:spAutoFit/>
+          </a:bodyPr>
+          <a:lstStyle/>
+          <a:p>
+            <a:r>
+              <a:rPr lang="fr-FR" sz="2400" b="1" dirty="0" smtClean="0"/>
+              <a:t>22/06</a:t>
+            </a:r>
+            <a:endParaRPr lang="fr-FR" sz="2400" dirty="0"/>
+          </a:p>
+        </p:txBody>
+      </p:sp>
+      <p:sp>
+        <p:nvSpPr>
+          <p:cNvPr id="15" name="Rectangle 14"/>
+          <p:cNvSpPr/>
+          <p:nvPr/>
+        </p:nvSpPr>
+        <p:spPr>
+          <a:xfrm>
+            <a:off x="3419872" y="571467"/>
+            <a:ext cx="1024927" cy="461665"/>
+          </a:xfrm>
+          <a:prstGeom prst="rect">
+            <a:avLst/>
+          </a:prstGeom>
+        </p:spPr>
+        <p:txBody>
+          <a:bodyPr wrap="square">
+            <a:spAutoFit/>
+          </a:bodyPr>
+          <a:lstStyle/>
+          <a:p>
+            <a:r>
+              <a:rPr lang="fr-FR" sz="2400" b="1" dirty="0" smtClean="0"/>
+              <a:t>22/07</a:t>
+            </a:r>
+            <a:endParaRPr lang="fr-FR" sz="2400" dirty="0"/>
+          </a:p>
+        </p:txBody>
+      </p:sp>
+      <p:sp>
+        <p:nvSpPr>
+          <p:cNvPr id="16" name="Rectangle 15"/>
+          <p:cNvSpPr/>
+          <p:nvPr/>
+        </p:nvSpPr>
+        <p:spPr>
+          <a:xfrm>
+            <a:off x="5652120" y="571467"/>
+            <a:ext cx="1024927" cy="461665"/>
+          </a:xfrm>
+          <a:prstGeom prst="rect">
+            <a:avLst/>
+          </a:prstGeom>
+        </p:spPr>
+        <p:txBody>
+          <a:bodyPr wrap="square">
+            <a:spAutoFit/>
+          </a:bodyPr>
+          <a:lstStyle/>
+          <a:p>
+            <a:r>
+              <a:rPr lang="fr-FR" sz="2400" b="1" dirty="0" smtClean="0"/>
+              <a:t>22/08</a:t>
+            </a:r>
+            <a:endParaRPr lang="fr-FR" sz="2400" dirty="0"/>
+          </a:p>
+        </p:txBody>
+      </p:sp>
+      <p:sp>
+        <p:nvSpPr>
+          <p:cNvPr id="17" name="Rectangle 16"/>
+          <p:cNvSpPr/>
+          <p:nvPr/>
+        </p:nvSpPr>
+        <p:spPr>
+          <a:xfrm>
+            <a:off x="7723538" y="571467"/>
+            <a:ext cx="1024927" cy="461665"/>
+          </a:xfrm>
+          <a:prstGeom prst="rect">
+            <a:avLst/>
+          </a:prstGeom>
+        </p:spPr>
+        <p:txBody>
+          <a:bodyPr wrap="square">
+            <a:spAutoFit/>
+          </a:bodyPr>
+          <a:lstStyle/>
+          <a:p>
+            <a:r>
+              <a:rPr lang="fr-FR" sz="2400" b="1" dirty="0" smtClean="0"/>
+              <a:t>22/09</a:t>
+            </a:r>
+            <a:endParaRPr lang="fr-FR" sz="2400" dirty="0"/>
+          </a:p>
+        </p:txBody>
+      </p:sp>
+      <p:cxnSp>
+        <p:nvCxnSpPr>
+          <p:cNvPr id="18" name="Connecteur droit 17"/>
+          <p:cNvCxnSpPr/>
+          <p:nvPr/>
+        </p:nvCxnSpPr>
+        <p:spPr>
+          <a:xfrm flipH="1">
+            <a:off x="395534" y="980728"/>
+            <a:ext cx="2" cy="379644"/>
+          </a:xfrm>
+          <a:prstGeom prst="line">
+            <a:avLst/>
+          </a:prstGeom>
+        </p:spPr>
+        <p:style>
+          <a:lnRef idx="3">
+            <a:schemeClr val="dk1"/>
+          </a:lnRef>
+          <a:fillRef idx="0">
+            <a:schemeClr val="dk1"/>
+          </a:fillRef>
+          <a:effectRef idx="2">
+            <a:schemeClr val="dk1"/>
+          </a:effectRef>
+          <a:fontRef idx="minor">
+            <a:schemeClr val="tx1"/>
+          </a:fontRef>
+        </p:style>
+      </p:cxnSp>
+      <p:cxnSp>
+        <p:nvCxnSpPr>
+          <p:cNvPr id="19" name="Connecteur droit 18"/>
+          <p:cNvCxnSpPr/>
+          <p:nvPr/>
+        </p:nvCxnSpPr>
+        <p:spPr>
+          <a:xfrm flipH="1">
+            <a:off x="3851918" y="1033132"/>
+            <a:ext cx="2" cy="379644"/>
+          </a:xfrm>
+          <a:prstGeom prst="line">
+            <a:avLst/>
+          </a:prstGeom>
+        </p:spPr>
+        <p:style>
+          <a:lnRef idx="3">
+            <a:schemeClr val="dk1"/>
+          </a:lnRef>
+          <a:fillRef idx="0">
+            <a:schemeClr val="dk1"/>
+          </a:fillRef>
+          <a:effectRef idx="2">
+            <a:schemeClr val="dk1"/>
+          </a:effectRef>
+          <a:fontRef idx="minor">
+            <a:schemeClr val="tx1"/>
+          </a:fontRef>
+        </p:style>
+      </p:cxnSp>
+      <p:cxnSp>
+        <p:nvCxnSpPr>
+          <p:cNvPr id="20" name="Connecteur droit 19"/>
+          <p:cNvCxnSpPr/>
+          <p:nvPr/>
+        </p:nvCxnSpPr>
+        <p:spPr>
+          <a:xfrm flipH="1">
+            <a:off x="6084166" y="1033132"/>
+            <a:ext cx="2" cy="379644"/>
+          </a:xfrm>
+          <a:prstGeom prst="line">
+            <a:avLst/>
+          </a:prstGeom>
+        </p:spPr>
+        <p:style>
+          <a:lnRef idx="3">
+            <a:schemeClr val="dk1"/>
+          </a:lnRef>
+          <a:fillRef idx="0">
+            <a:schemeClr val="dk1"/>
+          </a:fillRef>
+          <a:effectRef idx="2">
+            <a:schemeClr val="dk1"/>
+          </a:effectRef>
+          <a:fontRef idx="minor">
+            <a:schemeClr val="tx1"/>
+          </a:fontRef>
+        </p:style>
+      </p:cxnSp>
+      <p:cxnSp>
+        <p:nvCxnSpPr>
+          <p:cNvPr id="21" name="Connecteur droit 20"/>
+          <p:cNvCxnSpPr/>
+          <p:nvPr/>
+        </p:nvCxnSpPr>
+        <p:spPr>
+          <a:xfrm flipH="1">
+            <a:off x="8244408" y="1033132"/>
+            <a:ext cx="2" cy="379644"/>
+          </a:xfrm>
+          <a:prstGeom prst="line">
+            <a:avLst/>
+          </a:prstGeom>
+        </p:spPr>
+        <p:style>
+          <a:lnRef idx="3">
+            <a:schemeClr val="dk1"/>
+          </a:lnRef>
+          <a:fillRef idx="0">
+            <a:schemeClr val="dk1"/>
+          </a:fillRef>
+          <a:effectRef idx="2">
+            <a:schemeClr val="dk1"/>
+          </a:effectRef>
+          <a:fontRef idx="minor">
+            <a:schemeClr val="tx1"/>
+          </a:fontRef>
+        </p:style>
+      </p:cxnSp>
+      <p:cxnSp>
+        <p:nvCxnSpPr>
+          <p:cNvPr id="22" name="Connecteur en angle 21"/>
+          <p:cNvCxnSpPr>
+            <a:stCxn id="8" idx="0"/>
+            <a:endCxn id="9" idx="1"/>
+          </p:cNvCxnSpPr>
+          <p:nvPr/>
+        </p:nvCxnSpPr>
+        <p:spPr>
+          <a:xfrm rot="5400000" flipH="1" flipV="1">
+            <a:off x="3203006" y="2204022"/>
+            <a:ext cx="432587" cy="1009258"/>
+          </a:xfrm>
+          <a:prstGeom prst="bentConnector2">
+            <a:avLst/>
+          </a:prstGeom>
+          <a:ln>
+            <a:tailEnd type="arrow"/>
+          </a:ln>
+        </p:spPr>
+        <p:style>
+          <a:lnRef idx="2">
+            <a:schemeClr val="accent1"/>
+          </a:lnRef>
+          <a:fillRef idx="0">
+            <a:schemeClr val="accent1"/>
+          </a:fillRef>
+          <a:effectRef idx="1">
+            <a:schemeClr val="accent1"/>
+          </a:effectRef>
+          <a:fontRef idx="minor">
+            <a:schemeClr val="tx1"/>
+          </a:fontRef>
+        </p:style>
+      </p:cxnSp>
+      <p:sp>
+        <p:nvSpPr>
+          <p:cNvPr id="23" name="Rectangle 22"/>
+          <p:cNvSpPr/>
+          <p:nvPr/>
+        </p:nvSpPr>
+        <p:spPr>
+          <a:xfrm>
+            <a:off x="251521" y="1666835"/>
+            <a:ext cx="3316952" cy="461665"/>
+          </a:xfrm>
+          <a:prstGeom prst="rect">
+            <a:avLst/>
+          </a:prstGeom>
+        </p:spPr>
+        <p:txBody>
+          <a:bodyPr wrap="square">
+            <a:spAutoFit/>
+          </a:bodyPr>
+          <a:lstStyle/>
+          <a:p>
+            <a:r>
+              <a:rPr lang="fr-FR" sz="2400" b="1" dirty="0" smtClean="0">
+                <a:solidFill>
+                  <a:schemeClr val="tx2"/>
+                </a:solidFill>
+              </a:rPr>
+              <a:t>Equipe 1</a:t>
+            </a:r>
+            <a:endParaRPr lang="fr-FR" sz="2400" dirty="0">
+              <a:solidFill>
+                <a:schemeClr val="tx2"/>
+              </a:solidFill>
+            </a:endParaRPr>
+          </a:p>
+        </p:txBody>
+      </p:sp>
+      <p:sp>
+        <p:nvSpPr>
+          <p:cNvPr id="24" name="Rectangle 23"/>
+          <p:cNvSpPr/>
+          <p:nvPr/>
+        </p:nvSpPr>
+        <p:spPr>
+          <a:xfrm>
+            <a:off x="2690379" y="4982978"/>
+            <a:ext cx="1233549" cy="584775"/>
+          </a:xfrm>
+          <a:prstGeom prst="rect">
+            <a:avLst/>
+          </a:prstGeom>
+        </p:spPr>
+        <p:txBody>
+          <a:bodyPr wrap="square">
+            <a:spAutoFit/>
+          </a:bodyPr>
+          <a:lstStyle/>
+          <a:p>
+            <a:pPr algn="ctr"/>
+            <a:r>
+              <a:rPr lang="fr-FR" sz="1600" dirty="0" smtClean="0">
+                <a:solidFill>
+                  <a:srgbClr val="FF0000"/>
+                </a:solidFill>
+              </a:rPr>
+              <a:t>Membres de l’équipe 2</a:t>
+            </a:r>
+            <a:endParaRPr lang="fr-FR" sz="1600" dirty="0">
+              <a:solidFill>
+                <a:srgbClr val="FF0000"/>
+              </a:solidFill>
+            </a:endParaRPr>
+          </a:p>
+        </p:txBody>
+      </p:sp>
+      <p:cxnSp>
+        <p:nvCxnSpPr>
+          <p:cNvPr id="25" name="Connecteur en angle 24"/>
+          <p:cNvCxnSpPr>
+            <a:stCxn id="8" idx="2"/>
+            <a:endCxn id="10" idx="1"/>
+          </p:cNvCxnSpPr>
+          <p:nvPr/>
+        </p:nvCxnSpPr>
+        <p:spPr>
+          <a:xfrm rot="16200000" flipH="1">
+            <a:off x="3239279" y="4256519"/>
+            <a:ext cx="360040" cy="1009258"/>
+          </a:xfrm>
+          <a:prstGeom prst="bentConnector2">
+            <a:avLst/>
+          </a:prstGeom>
+          <a:ln>
+            <a:tailEnd type="arrow"/>
+          </a:ln>
+        </p:spPr>
+        <p:style>
+          <a:lnRef idx="2">
+            <a:schemeClr val="accent2"/>
+          </a:lnRef>
+          <a:fillRef idx="0">
+            <a:schemeClr val="accent2"/>
+          </a:fillRef>
+          <a:effectRef idx="1">
+            <a:schemeClr val="accent2"/>
+          </a:effectRef>
+          <a:fontRef idx="minor">
+            <a:schemeClr val="tx1"/>
+          </a:fontRef>
+        </p:style>
+      </p:cxnSp>
+      <p:sp>
+        <p:nvSpPr>
+          <p:cNvPr id="26" name="Rectangle 25"/>
+          <p:cNvSpPr/>
+          <p:nvPr/>
+        </p:nvSpPr>
+        <p:spPr>
+          <a:xfrm>
+            <a:off x="504643" y="2539374"/>
+            <a:ext cx="1434025" cy="338554"/>
+          </a:xfrm>
+          <a:prstGeom prst="rect">
+            <a:avLst/>
+          </a:prstGeom>
+        </p:spPr>
+        <p:txBody>
+          <a:bodyPr wrap="square">
+            <a:spAutoFit/>
+          </a:bodyPr>
+          <a:lstStyle/>
+          <a:p>
+            <a:pPr algn="ctr"/>
+            <a:r>
+              <a:rPr lang="fr-FR" sz="1600" dirty="0" smtClean="0">
+                <a:solidFill>
+                  <a:schemeClr val="tx2"/>
+                </a:solidFill>
+              </a:rPr>
+              <a:t>Commun 1 &amp; 2</a:t>
+            </a:r>
+            <a:endParaRPr lang="fr-FR" sz="1600" dirty="0">
+              <a:solidFill>
+                <a:schemeClr val="tx2"/>
+              </a:solidFill>
+            </a:endParaRPr>
+          </a:p>
+        </p:txBody>
+      </p:sp>
+      <p:sp>
+        <p:nvSpPr>
+          <p:cNvPr id="27" name="Rectangle 26"/>
+          <p:cNvSpPr/>
+          <p:nvPr/>
+        </p:nvSpPr>
+        <p:spPr>
+          <a:xfrm>
+            <a:off x="475951" y="4622942"/>
+            <a:ext cx="1434025" cy="338554"/>
+          </a:xfrm>
+          <a:prstGeom prst="rect">
+            <a:avLst/>
+          </a:prstGeom>
+        </p:spPr>
+        <p:txBody>
+          <a:bodyPr wrap="square">
+            <a:spAutoFit/>
+          </a:bodyPr>
+          <a:lstStyle/>
+          <a:p>
+            <a:pPr algn="ctr"/>
+            <a:r>
+              <a:rPr lang="fr-FR" sz="1600" dirty="0" smtClean="0">
+                <a:solidFill>
+                  <a:srgbClr val="FF0000"/>
+                </a:solidFill>
+              </a:rPr>
+              <a:t>Commun 1 &amp; 2</a:t>
+            </a:r>
+            <a:endParaRPr lang="fr-FR" sz="1600" dirty="0">
+              <a:solidFill>
+                <a:srgbClr val="FF0000"/>
+              </a:solidFill>
+            </a:endParaRPr>
+          </a:p>
+        </p:txBody>
+      </p:sp>
+      <p:sp>
+        <p:nvSpPr>
+          <p:cNvPr id="28" name="ZoneTexte 27"/>
+          <p:cNvSpPr txBox="1"/>
+          <p:nvPr/>
+        </p:nvSpPr>
+        <p:spPr>
+          <a:xfrm>
+            <a:off x="251519" y="5805264"/>
+            <a:ext cx="8496945" cy="369332"/>
+          </a:xfrm>
+          <a:prstGeom prst="rect">
+            <a:avLst/>
+          </a:prstGeom>
+        </p:spPr>
+        <p:style>
+          <a:lnRef idx="1">
+            <a:schemeClr val="accent5"/>
+          </a:lnRef>
+          <a:fillRef idx="2">
+            <a:schemeClr val="accent5"/>
+          </a:fillRef>
+          <a:effectRef idx="1">
+            <a:schemeClr val="accent5"/>
+          </a:effectRef>
+          <a:fontRef idx="minor">
+            <a:schemeClr val="dk1"/>
+          </a:fontRef>
+        </p:style>
+        <p:txBody>
           <a:bodyPr wrap="square" rtlCol="0">
             <a:spAutoFit/>
           </a:bodyPr>
           <a:lstStyle/>
           <a:p>
+            <a:r>
+              <a:rPr lang="fr-FR" dirty="0" smtClean="0"/>
+              <a:t>1 mois par lot  //  Chaque lot inclut sa documentation, ses développements et ses tests</a:t>
+            </a:r>
+            <a:endParaRPr lang="fr-FR" sz="1600" dirty="0"/>
+          </a:p>
+        </p:txBody>
+      </p:sp>
+      <p:sp>
+        <p:nvSpPr>
+          <p:cNvPr id="29" name="Rectangle à coins arrondis 28"/>
+          <p:cNvSpPr/>
+          <p:nvPr/>
+        </p:nvSpPr>
+        <p:spPr>
+          <a:xfrm>
+            <a:off x="6164583" y="4509119"/>
+            <a:ext cx="2196244" cy="864096"/>
+          </a:xfrm>
+          <a:prstGeom prst="roundRect">
+            <a:avLst/>
+          </a:prstGeom>
+        </p:spPr>
+        <p:style>
+          <a:lnRef idx="2">
+            <a:schemeClr val="accent1">
+              <a:shade val="50000"/>
+            </a:schemeClr>
+          </a:lnRef>
+          <a:fillRef idx="1">
+            <a:schemeClr val="accent1"/>
+          </a:fillRef>
+          <a:effectRef idx="0">
+            <a:schemeClr val="accent1"/>
+          </a:effectRef>
+          <a:fontRef idx="minor">
+            <a:schemeClr val="lt1"/>
+          </a:fontRef>
+        </p:style>
+        <p:txBody>
+          <a:bodyPr rtlCol="0" anchor="ctr"/>
+          <a:lstStyle/>
+          <a:p>
             <a:pPr algn="ctr"/>
             <a:r>
-              <a:rPr lang="fr-FR" sz="4000" dirty="0" smtClean="0"/>
-              <a:t>LE MOT DE LA FIN…</a:t>
-            </a:r>
-            <a:endParaRPr lang="fr-FR" sz="4000" dirty="0"/>
+              <a:rPr lang="fr-FR" dirty="0" smtClean="0"/>
+              <a:t>Optimisation du moteur + Web-services</a:t>
+            </a:r>
+            <a:endParaRPr lang="fr-FR" dirty="0"/>
+          </a:p>
+        </p:txBody>
+      </p:sp>
+      <p:sp>
+        <p:nvSpPr>
+          <p:cNvPr id="30" name="ZoneTexte 29"/>
+          <p:cNvSpPr txBox="1"/>
+          <p:nvPr/>
+        </p:nvSpPr>
+        <p:spPr>
+          <a:xfrm>
+            <a:off x="1635514" y="1043444"/>
+            <a:ext cx="789044" cy="369332"/>
+          </a:xfrm>
+          <a:prstGeom prst="rect">
+            <a:avLst/>
+          </a:prstGeom>
+        </p:spPr>
+        <p:style>
+          <a:lnRef idx="1">
+            <a:schemeClr val="accent5"/>
+          </a:lnRef>
+          <a:fillRef idx="2">
+            <a:schemeClr val="accent5"/>
+          </a:fillRef>
+          <a:effectRef idx="1">
+            <a:schemeClr val="accent5"/>
+          </a:effectRef>
+          <a:fontRef idx="minor">
+            <a:schemeClr val="dk1"/>
+          </a:fontRef>
+        </p:style>
+        <p:txBody>
+          <a:bodyPr wrap="square" rtlCol="0">
+            <a:spAutoFit/>
+          </a:bodyPr>
+          <a:lstStyle/>
+          <a:p>
+            <a:pPr algn="ctr"/>
+            <a:r>
+              <a:rPr lang="fr-FR" dirty="0" smtClean="0"/>
+              <a:t>LOT 1</a:t>
+            </a:r>
+            <a:endParaRPr lang="fr-FR" sz="1600" dirty="0"/>
+          </a:p>
+        </p:txBody>
+      </p:sp>
+      <p:sp>
+        <p:nvSpPr>
+          <p:cNvPr id="31" name="ZoneTexte 30"/>
+          <p:cNvSpPr txBox="1"/>
+          <p:nvPr/>
+        </p:nvSpPr>
+        <p:spPr>
+          <a:xfrm>
+            <a:off x="4512821" y="1043444"/>
+            <a:ext cx="789044" cy="369332"/>
+          </a:xfrm>
+          <a:prstGeom prst="rect">
+            <a:avLst/>
+          </a:prstGeom>
+        </p:spPr>
+        <p:style>
+          <a:lnRef idx="1">
+            <a:schemeClr val="accent5"/>
+          </a:lnRef>
+          <a:fillRef idx="2">
+            <a:schemeClr val="accent5"/>
+          </a:fillRef>
+          <a:effectRef idx="1">
+            <a:schemeClr val="accent5"/>
+          </a:effectRef>
+          <a:fontRef idx="minor">
+            <a:schemeClr val="dk1"/>
+          </a:fontRef>
+        </p:style>
+        <p:txBody>
+          <a:bodyPr wrap="square" rtlCol="0">
+            <a:spAutoFit/>
+          </a:bodyPr>
+          <a:lstStyle/>
+          <a:p>
+            <a:pPr algn="ctr"/>
+            <a:r>
+              <a:rPr lang="fr-FR" dirty="0" smtClean="0"/>
+              <a:t>LOT 2</a:t>
+            </a:r>
+            <a:endParaRPr lang="fr-FR" sz="1600" dirty="0"/>
+          </a:p>
+        </p:txBody>
+      </p:sp>
+      <p:sp>
+        <p:nvSpPr>
+          <p:cNvPr id="32" name="ZoneTexte 31"/>
+          <p:cNvSpPr txBox="1"/>
+          <p:nvPr/>
+        </p:nvSpPr>
+        <p:spPr>
+          <a:xfrm>
+            <a:off x="6841774" y="1043444"/>
+            <a:ext cx="789044" cy="369332"/>
+          </a:xfrm>
+          <a:prstGeom prst="rect">
+            <a:avLst/>
+          </a:prstGeom>
+        </p:spPr>
+        <p:style>
+          <a:lnRef idx="1">
+            <a:schemeClr val="accent5"/>
+          </a:lnRef>
+          <a:fillRef idx="2">
+            <a:schemeClr val="accent5"/>
+          </a:fillRef>
+          <a:effectRef idx="1">
+            <a:schemeClr val="accent5"/>
+          </a:effectRef>
+          <a:fontRef idx="minor">
+            <a:schemeClr val="dk1"/>
+          </a:fontRef>
+        </p:style>
+        <p:txBody>
+          <a:bodyPr wrap="square" rtlCol="0">
+            <a:spAutoFit/>
+          </a:bodyPr>
+          <a:lstStyle/>
+          <a:p>
+            <a:pPr algn="ctr"/>
+            <a:r>
+              <a:rPr lang="fr-FR" dirty="0" smtClean="0"/>
+              <a:t>LOT 3</a:t>
+            </a:r>
+            <a:endParaRPr lang="fr-FR" sz="1600" dirty="0"/>
+          </a:p>
+        </p:txBody>
+      </p:sp>
+      <p:sp>
+        <p:nvSpPr>
+          <p:cNvPr id="33" name="Rectangle 32"/>
+          <p:cNvSpPr/>
+          <p:nvPr/>
+        </p:nvSpPr>
+        <p:spPr>
+          <a:xfrm>
+            <a:off x="2457805" y="107340"/>
+            <a:ext cx="4553619" cy="369332"/>
+          </a:xfrm>
+          <a:prstGeom prst="rect">
+            <a:avLst/>
+          </a:prstGeom>
+        </p:spPr>
+        <p:txBody>
+          <a:bodyPr wrap="none">
+            <a:spAutoFit/>
+          </a:bodyPr>
+          <a:lstStyle/>
+          <a:p>
+            <a:r>
+              <a:rPr lang="fr-FR" dirty="0" smtClean="0"/>
+              <a:t>Cf. « </a:t>
+            </a:r>
+            <a:r>
+              <a:rPr lang="fr-FR" b="1" dirty="0" smtClean="0"/>
+              <a:t>Architecture_ODE_2015-06-09_v1.pptx</a:t>
+            </a:r>
+            <a:r>
+              <a:rPr lang="fr-FR" dirty="0" smtClean="0"/>
+              <a:t> »</a:t>
+            </a:r>
+            <a:endParaRPr lang="fr-FR" dirty="0"/>
+          </a:p>
+        </p:txBody>
+      </p:sp>
+      <p:sp>
+        <p:nvSpPr>
+          <p:cNvPr id="34" name="ZoneTexte 33"/>
+          <p:cNvSpPr txBox="1"/>
+          <p:nvPr/>
+        </p:nvSpPr>
+        <p:spPr>
+          <a:xfrm>
+            <a:off x="6415880" y="4047454"/>
+            <a:ext cx="1693649" cy="461665"/>
+          </a:xfrm>
+          <a:prstGeom prst="rect">
+            <a:avLst/>
+          </a:prstGeom>
+        </p:spPr>
+        <p:style>
+          <a:lnRef idx="1">
+            <a:schemeClr val="accent6"/>
+          </a:lnRef>
+          <a:fillRef idx="2">
+            <a:schemeClr val="accent6"/>
+          </a:fillRef>
+          <a:effectRef idx="1">
+            <a:schemeClr val="accent6"/>
+          </a:effectRef>
+          <a:fontRef idx="minor">
+            <a:schemeClr val="dk1"/>
+          </a:fontRef>
+        </p:style>
+        <p:txBody>
+          <a:bodyPr wrap="square" rtlCol="0">
+            <a:spAutoFit/>
+          </a:bodyPr>
+          <a:lstStyle/>
+          <a:p>
+            <a:pPr algn="ctr"/>
+            <a:r>
+              <a:rPr lang="fr-FR" sz="1200" dirty="0" smtClean="0"/>
+              <a:t>Possibilité module D351 - Web services</a:t>
+            </a:r>
+            <a:endParaRPr lang="fr-FR" sz="1200" b="1" dirty="0"/>
           </a:p>
         </p:txBody>
       </p:sp>
     </p:spTree>
     <p:extLst>
       <p:ext uri="{BB962C8B-B14F-4D97-AF65-F5344CB8AC3E}">
-        <p14:creationId xmlns:p14="http://schemas.microsoft.com/office/powerpoint/2010/main" val="1451352722"/>
+        <p14:creationId xmlns:p14="http://schemas.microsoft.com/office/powerpoint/2010/main" val="4104051211"/>
       </p:ext>
     </p:extLst>
   </p:cSld>
@@ -4926,6 +7929,3351 @@
 </file>
 
 <file path=ppt/slides/slide6.xml><?xml version="1.0" encoding="utf-8"?>
+<p:sld xmlns:a="http://schemas.openxmlformats.org/drawingml/2006/main" xmlns:r="http://schemas.openxmlformats.org/officeDocument/2006/relationships" xmlns:p="http://schemas.openxmlformats.org/presentationml/2006/main">
+  <p:cSld>
+    <p:spTree>
+      <p:nvGrpSpPr>
+        <p:cNvPr id="1" name=""/>
+        <p:cNvGrpSpPr/>
+        <p:nvPr/>
+      </p:nvGrpSpPr>
+      <p:grpSpPr>
+        <a:xfrm>
+          <a:off x="0" y="0"/>
+          <a:ext cx="0" cy="0"/>
+          <a:chOff x="0" y="0"/>
+          <a:chExt cx="0" cy="0"/>
+        </a:xfrm>
+      </p:grpSpPr>
+      <p:sp>
+        <p:nvSpPr>
+          <p:cNvPr id="3" name="ZoneTexte 2"/>
+          <p:cNvSpPr txBox="1"/>
+          <p:nvPr/>
+        </p:nvSpPr>
+        <p:spPr>
+          <a:xfrm>
+            <a:off x="107504" y="107340"/>
+            <a:ext cx="1765227" cy="369332"/>
+          </a:xfrm>
+          <a:prstGeom prst="rect">
+            <a:avLst/>
+          </a:prstGeom>
+        </p:spPr>
+        <p:style>
+          <a:lnRef idx="0">
+            <a:schemeClr val="accent1"/>
+          </a:lnRef>
+          <a:fillRef idx="3">
+            <a:schemeClr val="accent1"/>
+          </a:fillRef>
+          <a:effectRef idx="3">
+            <a:schemeClr val="accent1"/>
+          </a:effectRef>
+          <a:fontRef idx="minor">
+            <a:schemeClr val="lt1"/>
+          </a:fontRef>
+        </p:style>
+        <p:txBody>
+          <a:bodyPr wrap="none" rtlCol="0">
+            <a:spAutoFit/>
+          </a:bodyPr>
+          <a:lstStyle/>
+          <a:p>
+            <a:r>
+              <a:rPr lang="fr-FR" dirty="0"/>
+              <a:t>Planning du lot 1</a:t>
+            </a:r>
+          </a:p>
+        </p:txBody>
+      </p:sp>
+      <p:sp>
+        <p:nvSpPr>
+          <p:cNvPr id="2" name="Rectangle 1"/>
+          <p:cNvSpPr/>
+          <p:nvPr/>
+        </p:nvSpPr>
+        <p:spPr>
+          <a:xfrm>
+            <a:off x="179512" y="980728"/>
+            <a:ext cx="5958408" cy="3970318"/>
+          </a:xfrm>
+          <a:prstGeom prst="rect">
+            <a:avLst/>
+          </a:prstGeom>
+        </p:spPr>
+        <p:txBody>
+          <a:bodyPr wrap="square">
+            <a:spAutoFit/>
+          </a:bodyPr>
+          <a:lstStyle/>
+          <a:p>
+            <a:r>
+              <a:rPr lang="fr-FR" b="1" dirty="0" smtClean="0"/>
+              <a:t>Phase 1 : Initialisation technique</a:t>
+            </a:r>
+          </a:p>
+          <a:p>
+            <a:pPr lvl="1"/>
+            <a:r>
+              <a:rPr lang="fr-FR" dirty="0" smtClean="0"/>
+              <a:t>1.1   Installation de tous les postes de </a:t>
+            </a:r>
+            <a:r>
+              <a:rPr lang="fr-FR" dirty="0" err="1" smtClean="0"/>
+              <a:t>dev</a:t>
+            </a:r>
+            <a:endParaRPr lang="fr-FR" dirty="0" smtClean="0"/>
+          </a:p>
+          <a:p>
+            <a:pPr lvl="1"/>
+            <a:r>
+              <a:rPr lang="fr-FR" dirty="0" smtClean="0"/>
+              <a:t>1.2   Mise à jour de</a:t>
+            </a:r>
+            <a:r>
+              <a:rPr lang="fr-FR" dirty="0"/>
+              <a:t> </a:t>
+            </a:r>
+            <a:r>
+              <a:rPr lang="fr-FR" dirty="0" smtClean="0"/>
+              <a:t>la documentation</a:t>
+            </a:r>
+            <a:endParaRPr lang="fr-FR" dirty="0"/>
+          </a:p>
+          <a:p>
+            <a:endParaRPr lang="fr-FR" dirty="0" smtClean="0"/>
+          </a:p>
+          <a:p>
+            <a:r>
+              <a:rPr lang="fr-FR" b="1" dirty="0"/>
+              <a:t>Phase </a:t>
+            </a:r>
+            <a:r>
+              <a:rPr lang="fr-FR" b="1" dirty="0" smtClean="0"/>
+              <a:t>2 </a:t>
+            </a:r>
+            <a:r>
+              <a:rPr lang="fr-FR" b="1" dirty="0"/>
+              <a:t>: </a:t>
+            </a:r>
+            <a:r>
+              <a:rPr lang="fr-FR" b="1" dirty="0" smtClean="0"/>
+              <a:t>Construction du DWH sous SQL SERVER</a:t>
+            </a:r>
+            <a:endParaRPr lang="fr-FR" dirty="0" smtClean="0"/>
+          </a:p>
+          <a:p>
+            <a:pPr lvl="1"/>
+            <a:r>
+              <a:rPr lang="fr-FR" dirty="0" smtClean="0"/>
+              <a:t>2.1   Modélisation en étoile</a:t>
+            </a:r>
+          </a:p>
+          <a:p>
+            <a:pPr lvl="1"/>
+            <a:r>
+              <a:rPr lang="fr-FR" dirty="0" smtClean="0"/>
+              <a:t>2.2   Scripts SQL de construction</a:t>
+            </a:r>
+          </a:p>
+          <a:p>
+            <a:pPr lvl="1"/>
+            <a:r>
+              <a:rPr lang="fr-FR" dirty="0" smtClean="0"/>
+              <a:t>2.3   Scripts SQL / T-SQL de remplissage</a:t>
+            </a:r>
+          </a:p>
+          <a:p>
+            <a:pPr lvl="1"/>
+            <a:r>
+              <a:rPr lang="fr-FR" dirty="0" smtClean="0"/>
+              <a:t>2.4   Rédaction de la documentation</a:t>
+            </a:r>
+          </a:p>
+          <a:p>
+            <a:endParaRPr lang="fr-FR" dirty="0" smtClean="0"/>
+          </a:p>
+          <a:p>
+            <a:r>
+              <a:rPr lang="fr-FR" b="1" dirty="0"/>
+              <a:t>Phase </a:t>
+            </a:r>
+            <a:r>
+              <a:rPr lang="fr-FR" b="1" dirty="0" smtClean="0"/>
+              <a:t>3 </a:t>
+            </a:r>
+            <a:r>
+              <a:rPr lang="fr-FR" b="1" dirty="0"/>
+              <a:t>: </a:t>
+            </a:r>
+            <a:r>
+              <a:rPr lang="fr-FR" b="1" dirty="0" smtClean="0"/>
+              <a:t>Construction de la base OLAP</a:t>
+            </a:r>
+            <a:endParaRPr lang="fr-FR" dirty="0" smtClean="0"/>
+          </a:p>
+          <a:p>
+            <a:pPr lvl="1"/>
+            <a:r>
+              <a:rPr lang="fr-FR" dirty="0" smtClean="0"/>
+              <a:t>3.1   Génération du cube</a:t>
+            </a:r>
+          </a:p>
+          <a:p>
+            <a:pPr lvl="1"/>
+            <a:r>
+              <a:rPr lang="fr-FR" dirty="0" smtClean="0"/>
+              <a:t>3.2.  Utilisation de l’optimiseur OLAP de SSAS</a:t>
+            </a:r>
+          </a:p>
+          <a:p>
+            <a:pPr lvl="1"/>
+            <a:r>
+              <a:rPr lang="fr-FR" dirty="0" smtClean="0"/>
+              <a:t>3.3   Rédaction </a:t>
+            </a:r>
+            <a:r>
+              <a:rPr lang="fr-FR" dirty="0"/>
+              <a:t>de la </a:t>
+            </a:r>
+            <a:r>
+              <a:rPr lang="fr-FR" dirty="0" smtClean="0"/>
+              <a:t>Documentation</a:t>
+            </a:r>
+          </a:p>
+        </p:txBody>
+      </p:sp>
+      <p:graphicFrame>
+        <p:nvGraphicFramePr>
+          <p:cNvPr id="5" name="Tableau 4"/>
+          <p:cNvGraphicFramePr>
+            <a:graphicFrameLocks noGrp="1"/>
+          </p:cNvGraphicFramePr>
+          <p:nvPr>
+            <p:extLst>
+              <p:ext uri="{D42A27DB-BD31-4B8C-83A1-F6EECF244321}">
+                <p14:modId xmlns:p14="http://schemas.microsoft.com/office/powerpoint/2010/main" val="2225004352"/>
+              </p:ext>
+            </p:extLst>
+          </p:nvPr>
+        </p:nvGraphicFramePr>
+        <p:xfrm>
+          <a:off x="5868144" y="260648"/>
+          <a:ext cx="2925452" cy="1677499"/>
+        </p:xfrm>
+        <a:graphic>
+          <a:graphicData uri="http://schemas.openxmlformats.org/drawingml/2006/table">
+            <a:tbl>
+              <a:tblPr firstRow="1" bandRow="1">
+                <a:tableStyleId>{5C22544A-7EE6-4342-B048-85BDC9FD1C3A}</a:tableStyleId>
+              </a:tblPr>
+              <a:tblGrid>
+                <a:gridCol w="837220"/>
+                <a:gridCol w="432048"/>
+                <a:gridCol w="360040"/>
+                <a:gridCol w="432048"/>
+                <a:gridCol w="432048"/>
+                <a:gridCol w="432048"/>
+              </a:tblGrid>
+              <a:tr h="976755">
+                <a:tc>
+                  <a:txBody>
+                    <a:bodyPr/>
+                    <a:lstStyle/>
+                    <a:p>
+                      <a:r>
+                        <a:rPr lang="fr-FR" sz="1600" dirty="0" smtClean="0"/>
+                        <a:t>Echéance</a:t>
+                      </a:r>
+                      <a:endParaRPr lang="fr-FR" sz="1600" dirty="0"/>
+                    </a:p>
+                  </a:txBody>
+                  <a:tcPr vert="vert270" anchor="ctr"/>
+                </a:tc>
+                <a:tc>
+                  <a:txBody>
+                    <a:bodyPr/>
+                    <a:lstStyle/>
+                    <a:p>
+                      <a:pPr algn="ctr"/>
+                      <a:r>
+                        <a:rPr lang="fr-FR" sz="1600" dirty="0" smtClean="0"/>
+                        <a:t>Thomas</a:t>
+                      </a:r>
+                      <a:endParaRPr lang="fr-FR" sz="1600" dirty="0"/>
+                    </a:p>
+                  </a:txBody>
+                  <a:tcPr vert="vert270" anchor="ctr"/>
+                </a:tc>
+                <a:tc>
+                  <a:txBody>
+                    <a:bodyPr/>
+                    <a:lstStyle/>
+                    <a:p>
+                      <a:pPr algn="ctr"/>
+                      <a:r>
+                        <a:rPr lang="fr-FR" sz="1600" dirty="0" smtClean="0"/>
+                        <a:t>Brice</a:t>
+                      </a:r>
+                      <a:endParaRPr lang="fr-FR" sz="1600" dirty="0"/>
+                    </a:p>
+                  </a:txBody>
+                  <a:tcPr vert="vert270" anchor="ctr"/>
+                </a:tc>
+                <a:tc>
+                  <a:txBody>
+                    <a:bodyPr/>
+                    <a:lstStyle/>
+                    <a:p>
+                      <a:pPr algn="ctr"/>
+                      <a:r>
+                        <a:rPr lang="fr-FR" sz="1600" dirty="0" smtClean="0"/>
+                        <a:t>Olivier</a:t>
+                      </a:r>
+                      <a:endParaRPr lang="fr-FR" sz="1600" dirty="0"/>
+                    </a:p>
+                  </a:txBody>
+                  <a:tcPr vert="vert270" anchor="ctr"/>
+                </a:tc>
+                <a:tc>
+                  <a:txBody>
+                    <a:bodyPr/>
+                    <a:lstStyle/>
+                    <a:p>
+                      <a:pPr algn="ctr"/>
+                      <a:r>
+                        <a:rPr lang="fr-FR" sz="1600" dirty="0" smtClean="0"/>
+                        <a:t>Bernard</a:t>
+                      </a:r>
+                      <a:endParaRPr lang="fr-FR" sz="1600" dirty="0"/>
+                    </a:p>
+                  </a:txBody>
+                  <a:tcPr vert="vert270" anchor="ctr"/>
+                </a:tc>
+                <a:tc>
+                  <a:txBody>
+                    <a:bodyPr/>
+                    <a:lstStyle/>
+                    <a:p>
+                      <a:pPr algn="ctr"/>
+                      <a:r>
+                        <a:rPr lang="fr-FR" sz="1600" dirty="0" smtClean="0"/>
+                        <a:t>Cédric</a:t>
+                      </a:r>
+                      <a:endParaRPr lang="fr-FR" sz="1600" dirty="0"/>
+                    </a:p>
+                  </a:txBody>
+                  <a:tcPr vert="vert270" anchor="ctr"/>
+                </a:tc>
+              </a:tr>
+              <a:tr h="353232">
+                <a:tc>
+                  <a:txBody>
+                    <a:bodyPr/>
+                    <a:lstStyle/>
+                    <a:p>
+                      <a:pPr algn="ctr"/>
+                      <a:r>
+                        <a:rPr lang="fr-FR" sz="1400" b="1" dirty="0" smtClean="0"/>
+                        <a:t>26/06</a:t>
+                      </a:r>
+                      <a:endParaRPr lang="fr-FR" sz="1400" b="1" dirty="0"/>
+                    </a:p>
+                  </a:txBody>
+                  <a:tcPr anchor="ctr"/>
+                </a:tc>
+                <a:tc>
+                  <a:txBody>
+                    <a:bodyPr/>
+                    <a:lstStyle/>
+                    <a:p>
+                      <a:pPr algn="ctr"/>
+                      <a:r>
+                        <a:rPr lang="fr-FR" sz="1400" b="1" dirty="0" smtClean="0"/>
+                        <a:t>X</a:t>
+                      </a:r>
+                      <a:endParaRPr lang="fr-FR" sz="1400" b="1" dirty="0"/>
+                    </a:p>
+                  </a:txBody>
+                  <a:tcPr anchor="ctr"/>
+                </a:tc>
+                <a:tc>
+                  <a:txBody>
+                    <a:bodyPr/>
+                    <a:lstStyle/>
+                    <a:p>
+                      <a:pPr algn="ctr"/>
+                      <a:r>
+                        <a:rPr lang="fr-FR" sz="1400" b="1" dirty="0" smtClean="0"/>
+                        <a:t>X</a:t>
+                      </a:r>
+                      <a:endParaRPr lang="fr-FR" sz="1400" b="1" dirty="0"/>
+                    </a:p>
+                  </a:txBody>
+                  <a:tcPr anchor="ctr"/>
+                </a:tc>
+                <a:tc>
+                  <a:txBody>
+                    <a:bodyPr/>
+                    <a:lstStyle/>
+                    <a:p>
+                      <a:pPr algn="ctr"/>
+                      <a:endParaRPr lang="fr-FR" sz="1400" b="1" dirty="0"/>
+                    </a:p>
+                  </a:txBody>
+                  <a:tcPr anchor="ctr"/>
+                </a:tc>
+                <a:tc>
+                  <a:txBody>
+                    <a:bodyPr/>
+                    <a:lstStyle/>
+                    <a:p>
+                      <a:pPr algn="ctr"/>
+                      <a:r>
+                        <a:rPr lang="fr-FR" sz="1400" b="1" dirty="0" smtClean="0"/>
+                        <a:t>X</a:t>
+                      </a:r>
+                      <a:endParaRPr lang="fr-FR" sz="1400" b="1" dirty="0"/>
+                    </a:p>
+                  </a:txBody>
+                  <a:tcPr anchor="ctr"/>
+                </a:tc>
+                <a:tc>
+                  <a:txBody>
+                    <a:bodyPr/>
+                    <a:lstStyle/>
+                    <a:p>
+                      <a:pPr algn="ctr"/>
+                      <a:r>
+                        <a:rPr lang="fr-FR" sz="1400" b="1" dirty="0" smtClean="0"/>
+                        <a:t>X</a:t>
+                      </a:r>
+                      <a:endParaRPr lang="fr-FR" sz="1400" b="1" dirty="0"/>
+                    </a:p>
+                  </a:txBody>
+                  <a:tcPr anchor="ctr"/>
+                </a:tc>
+              </a:tr>
+              <a:tr h="347512">
+                <a:tc>
+                  <a:txBody>
+                    <a:bodyPr/>
+                    <a:lstStyle/>
+                    <a:p>
+                      <a:pPr algn="ctr"/>
+                      <a:r>
+                        <a:rPr lang="fr-FR" sz="1400" b="1" dirty="0" smtClean="0"/>
+                        <a:t>26/06</a:t>
+                      </a:r>
+                      <a:endParaRPr lang="fr-FR" sz="1400" b="1" dirty="0"/>
+                    </a:p>
+                  </a:txBody>
+                  <a:tcPr anchor="ctr"/>
+                </a:tc>
+                <a:tc>
+                  <a:txBody>
+                    <a:bodyPr/>
+                    <a:lstStyle/>
+                    <a:p>
+                      <a:pPr algn="ctr"/>
+                      <a:endParaRPr lang="fr-FR" sz="1400" b="1" dirty="0"/>
+                    </a:p>
+                  </a:txBody>
+                  <a:tcPr anchor="ctr"/>
+                </a:tc>
+                <a:tc>
+                  <a:txBody>
+                    <a:bodyPr/>
+                    <a:lstStyle/>
+                    <a:p>
+                      <a:pPr algn="ctr"/>
+                      <a:endParaRPr lang="fr-FR" sz="1400" b="1" dirty="0"/>
+                    </a:p>
+                  </a:txBody>
+                  <a:tcPr anchor="ctr"/>
+                </a:tc>
+                <a:tc>
+                  <a:txBody>
+                    <a:bodyPr/>
+                    <a:lstStyle/>
+                    <a:p>
+                      <a:pPr algn="ctr"/>
+                      <a:r>
+                        <a:rPr lang="fr-FR" sz="1400" b="1" dirty="0" smtClean="0"/>
+                        <a:t>X</a:t>
+                      </a:r>
+                      <a:endParaRPr lang="fr-FR" sz="1400" b="1" dirty="0"/>
+                    </a:p>
+                  </a:txBody>
+                  <a:tcPr anchor="ctr"/>
+                </a:tc>
+                <a:tc>
+                  <a:txBody>
+                    <a:bodyPr/>
+                    <a:lstStyle/>
+                    <a:p>
+                      <a:pPr algn="ctr"/>
+                      <a:endParaRPr lang="fr-FR" sz="1400" b="1" dirty="0"/>
+                    </a:p>
+                  </a:txBody>
+                  <a:tcPr anchor="ctr"/>
+                </a:tc>
+                <a:tc>
+                  <a:txBody>
+                    <a:bodyPr/>
+                    <a:lstStyle/>
+                    <a:p>
+                      <a:pPr algn="ctr"/>
+                      <a:endParaRPr lang="fr-FR" sz="1400" b="1" dirty="0"/>
+                    </a:p>
+                  </a:txBody>
+                  <a:tcPr anchor="ctr"/>
+                </a:tc>
+              </a:tr>
+            </a:tbl>
+          </a:graphicData>
+        </a:graphic>
+      </p:graphicFrame>
+      <p:graphicFrame>
+        <p:nvGraphicFramePr>
+          <p:cNvPr id="6" name="Tableau 5"/>
+          <p:cNvGraphicFramePr>
+            <a:graphicFrameLocks noGrp="1"/>
+          </p:cNvGraphicFramePr>
+          <p:nvPr>
+            <p:extLst>
+              <p:ext uri="{D42A27DB-BD31-4B8C-83A1-F6EECF244321}">
+                <p14:modId xmlns:p14="http://schemas.microsoft.com/office/powerpoint/2010/main" val="1252415496"/>
+              </p:ext>
+            </p:extLst>
+          </p:nvPr>
+        </p:nvGraphicFramePr>
+        <p:xfrm>
+          <a:off x="5868144" y="2204864"/>
+          <a:ext cx="2925452" cy="1374064"/>
+        </p:xfrm>
+        <a:graphic>
+          <a:graphicData uri="http://schemas.openxmlformats.org/drawingml/2006/table">
+            <a:tbl>
+              <a:tblPr firstRow="1" bandRow="1">
+                <a:tableStyleId>{5C22544A-7EE6-4342-B048-85BDC9FD1C3A}</a:tableStyleId>
+              </a:tblPr>
+              <a:tblGrid>
+                <a:gridCol w="837220"/>
+                <a:gridCol w="432048"/>
+                <a:gridCol w="360040"/>
+                <a:gridCol w="432048"/>
+                <a:gridCol w="432048"/>
+                <a:gridCol w="432048"/>
+              </a:tblGrid>
+              <a:tr h="144016">
+                <a:tc>
+                  <a:txBody>
+                    <a:bodyPr/>
+                    <a:lstStyle/>
+                    <a:p>
+                      <a:endParaRPr lang="fr-FR" sz="1600" dirty="0"/>
+                    </a:p>
+                  </a:txBody>
+                  <a:tcPr vert="vert270"/>
+                </a:tc>
+                <a:tc>
+                  <a:txBody>
+                    <a:bodyPr/>
+                    <a:lstStyle/>
+                    <a:p>
+                      <a:pPr algn="ctr"/>
+                      <a:endParaRPr lang="fr-FR" sz="1600" dirty="0"/>
+                    </a:p>
+                  </a:txBody>
+                  <a:tcPr vert="vert270"/>
+                </a:tc>
+                <a:tc>
+                  <a:txBody>
+                    <a:bodyPr/>
+                    <a:lstStyle/>
+                    <a:p>
+                      <a:pPr algn="ctr"/>
+                      <a:endParaRPr lang="fr-FR" sz="1600" dirty="0"/>
+                    </a:p>
+                  </a:txBody>
+                  <a:tcPr vert="vert270"/>
+                </a:tc>
+                <a:tc>
+                  <a:txBody>
+                    <a:bodyPr/>
+                    <a:lstStyle/>
+                    <a:p>
+                      <a:pPr algn="ctr"/>
+                      <a:endParaRPr lang="fr-FR" sz="1600" dirty="0"/>
+                    </a:p>
+                  </a:txBody>
+                  <a:tcPr vert="vert270"/>
+                </a:tc>
+                <a:tc>
+                  <a:txBody>
+                    <a:bodyPr/>
+                    <a:lstStyle/>
+                    <a:p>
+                      <a:pPr algn="ctr"/>
+                      <a:endParaRPr lang="fr-FR" sz="1600" dirty="0"/>
+                    </a:p>
+                  </a:txBody>
+                  <a:tcPr vert="vert270"/>
+                </a:tc>
+                <a:tc>
+                  <a:txBody>
+                    <a:bodyPr/>
+                    <a:lstStyle/>
+                    <a:p>
+                      <a:pPr algn="ctr"/>
+                      <a:endParaRPr lang="fr-FR" sz="1600" dirty="0"/>
+                    </a:p>
+                  </a:txBody>
+                  <a:tcPr vert="vert270"/>
+                </a:tc>
+              </a:tr>
+              <a:tr h="315648">
+                <a:tc>
+                  <a:txBody>
+                    <a:bodyPr/>
+                    <a:lstStyle/>
+                    <a:p>
+                      <a:pPr algn="ctr"/>
+                      <a:r>
+                        <a:rPr lang="fr-FR" sz="1400" b="1" dirty="0" smtClean="0"/>
+                        <a:t>03/07</a:t>
+                      </a:r>
+                      <a:endParaRPr lang="fr-FR" sz="1400" b="1" dirty="0"/>
+                    </a:p>
+                  </a:txBody>
+                  <a:tcPr anchor="ctr"/>
+                </a:tc>
+                <a:tc>
+                  <a:txBody>
+                    <a:bodyPr/>
+                    <a:lstStyle/>
+                    <a:p>
+                      <a:pPr algn="ctr"/>
+                      <a:endParaRPr lang="fr-FR" sz="1400" b="1" dirty="0"/>
+                    </a:p>
+                  </a:txBody>
+                  <a:tcPr anchor="ctr"/>
+                </a:tc>
+                <a:tc>
+                  <a:txBody>
+                    <a:bodyPr/>
+                    <a:lstStyle/>
+                    <a:p>
+                      <a:pPr algn="ctr"/>
+                      <a:endParaRPr lang="fr-FR" sz="1400" b="1" dirty="0"/>
+                    </a:p>
+                  </a:txBody>
+                  <a:tcPr anchor="ctr"/>
+                </a:tc>
+                <a:tc>
+                  <a:txBody>
+                    <a:bodyPr/>
+                    <a:lstStyle/>
+                    <a:p>
+                      <a:pPr algn="ctr"/>
+                      <a:endParaRPr lang="fr-FR" sz="1400" b="1" dirty="0"/>
+                    </a:p>
+                  </a:txBody>
+                  <a:tcPr anchor="ctr"/>
+                </a:tc>
+                <a:tc>
+                  <a:txBody>
+                    <a:bodyPr/>
+                    <a:lstStyle/>
+                    <a:p>
+                      <a:pPr algn="ctr"/>
+                      <a:endParaRPr lang="fr-FR" sz="1400" b="1" dirty="0"/>
+                    </a:p>
+                  </a:txBody>
+                  <a:tcPr anchor="ctr"/>
+                </a:tc>
+                <a:tc>
+                  <a:txBody>
+                    <a:bodyPr/>
+                    <a:lstStyle/>
+                    <a:p>
+                      <a:pPr algn="ctr"/>
+                      <a:endParaRPr lang="fr-FR" sz="1400" b="1" dirty="0"/>
+                    </a:p>
+                  </a:txBody>
+                  <a:tcPr anchor="ctr"/>
+                </a:tc>
+              </a:tr>
+              <a:tr h="288032">
+                <a:tc>
+                  <a:txBody>
+                    <a:bodyPr/>
+                    <a:lstStyle/>
+                    <a:p>
+                      <a:pPr algn="ctr"/>
+                      <a:r>
+                        <a:rPr lang="fr-FR" sz="1400" b="1" dirty="0" smtClean="0"/>
+                        <a:t>03/07</a:t>
+                      </a:r>
+                      <a:endParaRPr lang="fr-FR" sz="1400" b="1" dirty="0"/>
+                    </a:p>
+                  </a:txBody>
+                  <a:tcPr anchor="ctr"/>
+                </a:tc>
+                <a:tc>
+                  <a:txBody>
+                    <a:bodyPr/>
+                    <a:lstStyle/>
+                    <a:p>
+                      <a:pPr algn="ctr"/>
+                      <a:endParaRPr lang="fr-FR" sz="1400" b="1" dirty="0"/>
+                    </a:p>
+                  </a:txBody>
+                  <a:tcPr anchor="ctr"/>
+                </a:tc>
+                <a:tc>
+                  <a:txBody>
+                    <a:bodyPr/>
+                    <a:lstStyle/>
+                    <a:p>
+                      <a:pPr algn="ctr"/>
+                      <a:endParaRPr lang="fr-FR" sz="1400" b="1" dirty="0"/>
+                    </a:p>
+                  </a:txBody>
+                  <a:tcPr anchor="ctr"/>
+                </a:tc>
+                <a:tc>
+                  <a:txBody>
+                    <a:bodyPr/>
+                    <a:lstStyle/>
+                    <a:p>
+                      <a:pPr algn="ctr"/>
+                      <a:endParaRPr lang="fr-FR" sz="1400" b="1" dirty="0"/>
+                    </a:p>
+                  </a:txBody>
+                  <a:tcPr anchor="ctr"/>
+                </a:tc>
+                <a:tc>
+                  <a:txBody>
+                    <a:bodyPr/>
+                    <a:lstStyle/>
+                    <a:p>
+                      <a:pPr algn="ctr"/>
+                      <a:endParaRPr lang="fr-FR" sz="1400" b="1" dirty="0"/>
+                    </a:p>
+                  </a:txBody>
+                  <a:tcPr anchor="ctr"/>
+                </a:tc>
+                <a:tc>
+                  <a:txBody>
+                    <a:bodyPr/>
+                    <a:lstStyle/>
+                    <a:p>
+                      <a:pPr algn="ctr"/>
+                      <a:endParaRPr lang="fr-FR" sz="1400" b="1" dirty="0"/>
+                    </a:p>
+                  </a:txBody>
+                  <a:tcPr anchor="ctr"/>
+                </a:tc>
+              </a:tr>
+              <a:tr h="271264">
+                <a:tc>
+                  <a:txBody>
+                    <a:bodyPr/>
+                    <a:lstStyle/>
+                    <a:p>
+                      <a:pPr algn="ctr"/>
+                      <a:r>
+                        <a:rPr lang="fr-FR" sz="1400" b="1" dirty="0" smtClean="0"/>
+                        <a:t>10/07</a:t>
+                      </a:r>
+                      <a:endParaRPr lang="fr-FR" sz="1400" b="1" dirty="0"/>
+                    </a:p>
+                  </a:txBody>
+                  <a:tcPr anchor="ctr"/>
+                </a:tc>
+                <a:tc>
+                  <a:txBody>
+                    <a:bodyPr/>
+                    <a:lstStyle/>
+                    <a:p>
+                      <a:pPr algn="ctr"/>
+                      <a:endParaRPr lang="fr-FR" sz="1400" b="1" dirty="0"/>
+                    </a:p>
+                  </a:txBody>
+                  <a:tcPr anchor="ctr"/>
+                </a:tc>
+                <a:tc>
+                  <a:txBody>
+                    <a:bodyPr/>
+                    <a:lstStyle/>
+                    <a:p>
+                      <a:pPr algn="ctr"/>
+                      <a:endParaRPr lang="fr-FR" sz="1400" b="1" dirty="0"/>
+                    </a:p>
+                  </a:txBody>
+                  <a:tcPr anchor="ctr"/>
+                </a:tc>
+                <a:tc>
+                  <a:txBody>
+                    <a:bodyPr/>
+                    <a:lstStyle/>
+                    <a:p>
+                      <a:pPr algn="ctr"/>
+                      <a:endParaRPr lang="fr-FR" sz="1400" b="1" dirty="0"/>
+                    </a:p>
+                  </a:txBody>
+                  <a:tcPr anchor="ctr"/>
+                </a:tc>
+                <a:tc>
+                  <a:txBody>
+                    <a:bodyPr/>
+                    <a:lstStyle/>
+                    <a:p>
+                      <a:pPr algn="ctr"/>
+                      <a:endParaRPr lang="fr-FR" sz="1400" b="1" dirty="0"/>
+                    </a:p>
+                  </a:txBody>
+                  <a:tcPr anchor="ctr"/>
+                </a:tc>
+                <a:tc>
+                  <a:txBody>
+                    <a:bodyPr/>
+                    <a:lstStyle/>
+                    <a:p>
+                      <a:pPr algn="ctr"/>
+                      <a:endParaRPr lang="fr-FR" sz="1400" b="1" dirty="0"/>
+                    </a:p>
+                  </a:txBody>
+                  <a:tcPr anchor="ctr"/>
+                </a:tc>
+              </a:tr>
+              <a:tr h="254496">
+                <a:tc>
+                  <a:txBody>
+                    <a:bodyPr/>
+                    <a:lstStyle/>
+                    <a:p>
+                      <a:pPr algn="ctr"/>
+                      <a:r>
+                        <a:rPr lang="fr-FR" sz="1400" b="1" dirty="0" smtClean="0"/>
+                        <a:t>10/07</a:t>
+                      </a:r>
+                      <a:endParaRPr lang="fr-FR" sz="1400" b="1" dirty="0"/>
+                    </a:p>
+                  </a:txBody>
+                  <a:tcPr anchor="ctr"/>
+                </a:tc>
+                <a:tc>
+                  <a:txBody>
+                    <a:bodyPr/>
+                    <a:lstStyle/>
+                    <a:p>
+                      <a:pPr algn="ctr"/>
+                      <a:endParaRPr lang="fr-FR" sz="1400" b="1" dirty="0"/>
+                    </a:p>
+                  </a:txBody>
+                  <a:tcPr anchor="ctr"/>
+                </a:tc>
+                <a:tc>
+                  <a:txBody>
+                    <a:bodyPr/>
+                    <a:lstStyle/>
+                    <a:p>
+                      <a:pPr algn="ctr"/>
+                      <a:endParaRPr lang="fr-FR" sz="1400" b="1" dirty="0"/>
+                    </a:p>
+                  </a:txBody>
+                  <a:tcPr anchor="ctr"/>
+                </a:tc>
+                <a:tc>
+                  <a:txBody>
+                    <a:bodyPr/>
+                    <a:lstStyle/>
+                    <a:p>
+                      <a:pPr algn="ctr"/>
+                      <a:endParaRPr lang="fr-FR" sz="1400" b="1" dirty="0"/>
+                    </a:p>
+                  </a:txBody>
+                  <a:tcPr anchor="ctr"/>
+                </a:tc>
+                <a:tc>
+                  <a:txBody>
+                    <a:bodyPr/>
+                    <a:lstStyle/>
+                    <a:p>
+                      <a:pPr algn="ctr"/>
+                      <a:endParaRPr lang="fr-FR" sz="1400" b="1" dirty="0"/>
+                    </a:p>
+                  </a:txBody>
+                  <a:tcPr anchor="ctr"/>
+                </a:tc>
+                <a:tc>
+                  <a:txBody>
+                    <a:bodyPr/>
+                    <a:lstStyle/>
+                    <a:p>
+                      <a:pPr algn="ctr"/>
+                      <a:endParaRPr lang="fr-FR" sz="1400" b="1" dirty="0"/>
+                    </a:p>
+                  </a:txBody>
+                  <a:tcPr anchor="ctr"/>
+                </a:tc>
+              </a:tr>
+            </a:tbl>
+          </a:graphicData>
+        </a:graphic>
+      </p:graphicFrame>
+      <p:graphicFrame>
+        <p:nvGraphicFramePr>
+          <p:cNvPr id="7" name="Tableau 6"/>
+          <p:cNvGraphicFramePr>
+            <a:graphicFrameLocks noGrp="1"/>
+          </p:cNvGraphicFramePr>
+          <p:nvPr>
+            <p:extLst>
+              <p:ext uri="{D42A27DB-BD31-4B8C-83A1-F6EECF244321}">
+                <p14:modId xmlns:p14="http://schemas.microsoft.com/office/powerpoint/2010/main" val="1357447298"/>
+              </p:ext>
+            </p:extLst>
+          </p:nvPr>
+        </p:nvGraphicFramePr>
+        <p:xfrm>
+          <a:off x="5868144" y="3927144"/>
+          <a:ext cx="2925452" cy="1069264"/>
+        </p:xfrm>
+        <a:graphic>
+          <a:graphicData uri="http://schemas.openxmlformats.org/drawingml/2006/table">
+            <a:tbl>
+              <a:tblPr firstRow="1" bandRow="1">
+                <a:tableStyleId>{5C22544A-7EE6-4342-B048-85BDC9FD1C3A}</a:tableStyleId>
+              </a:tblPr>
+              <a:tblGrid>
+                <a:gridCol w="837220"/>
+                <a:gridCol w="432048"/>
+                <a:gridCol w="360040"/>
+                <a:gridCol w="432048"/>
+                <a:gridCol w="432048"/>
+                <a:gridCol w="432048"/>
+              </a:tblGrid>
+              <a:tr h="144016">
+                <a:tc>
+                  <a:txBody>
+                    <a:bodyPr/>
+                    <a:lstStyle/>
+                    <a:p>
+                      <a:endParaRPr lang="fr-FR" sz="1600" dirty="0"/>
+                    </a:p>
+                  </a:txBody>
+                  <a:tcPr vert="vert270"/>
+                </a:tc>
+                <a:tc>
+                  <a:txBody>
+                    <a:bodyPr/>
+                    <a:lstStyle/>
+                    <a:p>
+                      <a:pPr algn="ctr"/>
+                      <a:endParaRPr lang="fr-FR" sz="1600" dirty="0"/>
+                    </a:p>
+                  </a:txBody>
+                  <a:tcPr vert="vert270"/>
+                </a:tc>
+                <a:tc>
+                  <a:txBody>
+                    <a:bodyPr/>
+                    <a:lstStyle/>
+                    <a:p>
+                      <a:pPr algn="ctr"/>
+                      <a:endParaRPr lang="fr-FR" sz="1600" dirty="0"/>
+                    </a:p>
+                  </a:txBody>
+                  <a:tcPr vert="vert270"/>
+                </a:tc>
+                <a:tc>
+                  <a:txBody>
+                    <a:bodyPr/>
+                    <a:lstStyle/>
+                    <a:p>
+                      <a:pPr algn="ctr"/>
+                      <a:endParaRPr lang="fr-FR" sz="1600" dirty="0"/>
+                    </a:p>
+                  </a:txBody>
+                  <a:tcPr vert="vert270"/>
+                </a:tc>
+                <a:tc>
+                  <a:txBody>
+                    <a:bodyPr/>
+                    <a:lstStyle/>
+                    <a:p>
+                      <a:pPr algn="ctr"/>
+                      <a:endParaRPr lang="fr-FR" sz="1600" dirty="0"/>
+                    </a:p>
+                  </a:txBody>
+                  <a:tcPr vert="vert270"/>
+                </a:tc>
+                <a:tc>
+                  <a:txBody>
+                    <a:bodyPr/>
+                    <a:lstStyle/>
+                    <a:p>
+                      <a:pPr algn="ctr"/>
+                      <a:endParaRPr lang="fr-FR" sz="1600" dirty="0"/>
+                    </a:p>
+                  </a:txBody>
+                  <a:tcPr vert="vert270"/>
+                </a:tc>
+              </a:tr>
+              <a:tr h="315648">
+                <a:tc>
+                  <a:txBody>
+                    <a:bodyPr/>
+                    <a:lstStyle/>
+                    <a:p>
+                      <a:pPr algn="ctr"/>
+                      <a:r>
+                        <a:rPr lang="fr-FR" sz="1400" b="1" dirty="0" smtClean="0"/>
+                        <a:t>20/07</a:t>
+                      </a:r>
+                      <a:endParaRPr lang="fr-FR" sz="1400" b="1" dirty="0"/>
+                    </a:p>
+                  </a:txBody>
+                  <a:tcPr anchor="ctr"/>
+                </a:tc>
+                <a:tc>
+                  <a:txBody>
+                    <a:bodyPr/>
+                    <a:lstStyle/>
+                    <a:p>
+                      <a:pPr algn="ctr"/>
+                      <a:endParaRPr lang="fr-FR" sz="1400" b="1" dirty="0"/>
+                    </a:p>
+                  </a:txBody>
+                  <a:tcPr anchor="ctr"/>
+                </a:tc>
+                <a:tc>
+                  <a:txBody>
+                    <a:bodyPr/>
+                    <a:lstStyle/>
+                    <a:p>
+                      <a:pPr algn="ctr"/>
+                      <a:endParaRPr lang="fr-FR" sz="1400" b="1" dirty="0"/>
+                    </a:p>
+                  </a:txBody>
+                  <a:tcPr anchor="ctr"/>
+                </a:tc>
+                <a:tc>
+                  <a:txBody>
+                    <a:bodyPr/>
+                    <a:lstStyle/>
+                    <a:p>
+                      <a:pPr algn="ctr"/>
+                      <a:endParaRPr lang="fr-FR" sz="1400" b="1" dirty="0"/>
+                    </a:p>
+                  </a:txBody>
+                  <a:tcPr anchor="ctr"/>
+                </a:tc>
+                <a:tc>
+                  <a:txBody>
+                    <a:bodyPr/>
+                    <a:lstStyle/>
+                    <a:p>
+                      <a:pPr algn="ctr"/>
+                      <a:endParaRPr lang="fr-FR" sz="1400" b="1" dirty="0"/>
+                    </a:p>
+                  </a:txBody>
+                  <a:tcPr anchor="ctr"/>
+                </a:tc>
+                <a:tc>
+                  <a:txBody>
+                    <a:bodyPr/>
+                    <a:lstStyle/>
+                    <a:p>
+                      <a:pPr algn="ctr"/>
+                      <a:endParaRPr lang="fr-FR" sz="1400" b="1" dirty="0"/>
+                    </a:p>
+                  </a:txBody>
+                  <a:tcPr anchor="ctr"/>
+                </a:tc>
+              </a:tr>
+              <a:tr h="288032">
+                <a:tc>
+                  <a:txBody>
+                    <a:bodyPr/>
+                    <a:lstStyle/>
+                    <a:p>
+                      <a:pPr algn="ctr"/>
+                      <a:r>
+                        <a:rPr lang="fr-FR" sz="1400" b="1" dirty="0" smtClean="0"/>
+                        <a:t>20/07</a:t>
+                      </a:r>
+                      <a:endParaRPr lang="fr-FR" sz="1400" b="1" dirty="0"/>
+                    </a:p>
+                  </a:txBody>
+                  <a:tcPr anchor="ctr"/>
+                </a:tc>
+                <a:tc>
+                  <a:txBody>
+                    <a:bodyPr/>
+                    <a:lstStyle/>
+                    <a:p>
+                      <a:pPr algn="ctr"/>
+                      <a:endParaRPr lang="fr-FR" sz="1400" b="1" dirty="0"/>
+                    </a:p>
+                  </a:txBody>
+                  <a:tcPr anchor="ctr"/>
+                </a:tc>
+                <a:tc>
+                  <a:txBody>
+                    <a:bodyPr/>
+                    <a:lstStyle/>
+                    <a:p>
+                      <a:pPr algn="ctr"/>
+                      <a:endParaRPr lang="fr-FR" sz="1400" b="1" dirty="0"/>
+                    </a:p>
+                  </a:txBody>
+                  <a:tcPr anchor="ctr"/>
+                </a:tc>
+                <a:tc>
+                  <a:txBody>
+                    <a:bodyPr/>
+                    <a:lstStyle/>
+                    <a:p>
+                      <a:pPr algn="ctr"/>
+                      <a:endParaRPr lang="fr-FR" sz="1400" b="1" dirty="0"/>
+                    </a:p>
+                  </a:txBody>
+                  <a:tcPr anchor="ctr"/>
+                </a:tc>
+                <a:tc>
+                  <a:txBody>
+                    <a:bodyPr/>
+                    <a:lstStyle/>
+                    <a:p>
+                      <a:pPr algn="ctr"/>
+                      <a:endParaRPr lang="fr-FR" sz="1400" b="1" dirty="0"/>
+                    </a:p>
+                  </a:txBody>
+                  <a:tcPr anchor="ctr"/>
+                </a:tc>
+                <a:tc>
+                  <a:txBody>
+                    <a:bodyPr/>
+                    <a:lstStyle/>
+                    <a:p>
+                      <a:pPr algn="ctr"/>
+                      <a:endParaRPr lang="fr-FR" sz="1400" b="1" dirty="0"/>
+                    </a:p>
+                  </a:txBody>
+                  <a:tcPr anchor="ctr"/>
+                </a:tc>
+              </a:tr>
+              <a:tr h="271264">
+                <a:tc>
+                  <a:txBody>
+                    <a:bodyPr/>
+                    <a:lstStyle/>
+                    <a:p>
+                      <a:pPr algn="ctr"/>
+                      <a:r>
+                        <a:rPr lang="fr-FR" sz="1400" b="1" dirty="0" smtClean="0"/>
+                        <a:t>20/07</a:t>
+                      </a:r>
+                      <a:endParaRPr lang="fr-FR" sz="1400" b="1" dirty="0"/>
+                    </a:p>
+                  </a:txBody>
+                  <a:tcPr anchor="ctr"/>
+                </a:tc>
+                <a:tc>
+                  <a:txBody>
+                    <a:bodyPr/>
+                    <a:lstStyle/>
+                    <a:p>
+                      <a:pPr algn="ctr"/>
+                      <a:endParaRPr lang="fr-FR" sz="1400" b="1" dirty="0"/>
+                    </a:p>
+                  </a:txBody>
+                  <a:tcPr anchor="ctr"/>
+                </a:tc>
+                <a:tc>
+                  <a:txBody>
+                    <a:bodyPr/>
+                    <a:lstStyle/>
+                    <a:p>
+                      <a:pPr algn="ctr"/>
+                      <a:endParaRPr lang="fr-FR" sz="1400" b="1" dirty="0"/>
+                    </a:p>
+                  </a:txBody>
+                  <a:tcPr anchor="ctr"/>
+                </a:tc>
+                <a:tc>
+                  <a:txBody>
+                    <a:bodyPr/>
+                    <a:lstStyle/>
+                    <a:p>
+                      <a:pPr algn="ctr"/>
+                      <a:endParaRPr lang="fr-FR" sz="1400" b="1" dirty="0"/>
+                    </a:p>
+                  </a:txBody>
+                  <a:tcPr anchor="ctr"/>
+                </a:tc>
+                <a:tc>
+                  <a:txBody>
+                    <a:bodyPr/>
+                    <a:lstStyle/>
+                    <a:p>
+                      <a:pPr algn="ctr"/>
+                      <a:endParaRPr lang="fr-FR" sz="1400" b="1" dirty="0"/>
+                    </a:p>
+                  </a:txBody>
+                  <a:tcPr anchor="ctr"/>
+                </a:tc>
+                <a:tc>
+                  <a:txBody>
+                    <a:bodyPr/>
+                    <a:lstStyle/>
+                    <a:p>
+                      <a:pPr algn="ctr"/>
+                      <a:endParaRPr lang="fr-FR" sz="1400" b="1" dirty="0"/>
+                    </a:p>
+                  </a:txBody>
+                  <a:tcPr anchor="ctr"/>
+                </a:tc>
+              </a:tr>
+            </a:tbl>
+          </a:graphicData>
+        </a:graphic>
+      </p:graphicFrame>
+      <p:sp>
+        <p:nvSpPr>
+          <p:cNvPr id="8" name="ZoneTexte 7"/>
+          <p:cNvSpPr txBox="1"/>
+          <p:nvPr/>
+        </p:nvSpPr>
+        <p:spPr>
+          <a:xfrm>
+            <a:off x="5868145" y="5229200"/>
+            <a:ext cx="2880320" cy="369332"/>
+          </a:xfrm>
+          <a:prstGeom prst="rect">
+            <a:avLst/>
+          </a:prstGeom>
+        </p:spPr>
+        <p:style>
+          <a:lnRef idx="1">
+            <a:schemeClr val="accent5"/>
+          </a:lnRef>
+          <a:fillRef idx="2">
+            <a:schemeClr val="accent5"/>
+          </a:fillRef>
+          <a:effectRef idx="1">
+            <a:schemeClr val="accent5"/>
+          </a:effectRef>
+          <a:fontRef idx="minor">
+            <a:schemeClr val="dk1"/>
+          </a:fontRef>
+        </p:style>
+        <p:txBody>
+          <a:bodyPr wrap="square" rtlCol="0">
+            <a:spAutoFit/>
+          </a:bodyPr>
+          <a:lstStyle/>
+          <a:p>
+            <a:r>
+              <a:rPr lang="fr-FR" dirty="0" smtClean="0"/>
+              <a:t>Passage au lot 2 le </a:t>
+            </a:r>
+            <a:r>
+              <a:rPr lang="fr-FR" b="1" dirty="0" smtClean="0"/>
+              <a:t>22/07</a:t>
+            </a:r>
+            <a:endParaRPr lang="fr-FR" sz="1600" b="1" dirty="0"/>
+          </a:p>
+        </p:txBody>
+      </p:sp>
+      <p:sp>
+        <p:nvSpPr>
+          <p:cNvPr id="9" name="ZoneTexte 8"/>
+          <p:cNvSpPr txBox="1"/>
+          <p:nvPr/>
+        </p:nvSpPr>
+        <p:spPr>
+          <a:xfrm>
+            <a:off x="323528" y="5621759"/>
+            <a:ext cx="4968552" cy="615553"/>
+          </a:xfrm>
+          <a:prstGeom prst="rect">
+            <a:avLst/>
+          </a:prstGeom>
+        </p:spPr>
+        <p:style>
+          <a:lnRef idx="1">
+            <a:schemeClr val="accent5"/>
+          </a:lnRef>
+          <a:fillRef idx="2">
+            <a:schemeClr val="accent5"/>
+          </a:fillRef>
+          <a:effectRef idx="1">
+            <a:schemeClr val="accent5"/>
+          </a:effectRef>
+          <a:fontRef idx="minor">
+            <a:schemeClr val="dk1"/>
+          </a:fontRef>
+        </p:style>
+        <p:txBody>
+          <a:bodyPr wrap="square" rtlCol="0">
+            <a:spAutoFit/>
+          </a:bodyPr>
+          <a:lstStyle/>
+          <a:p>
+            <a:r>
+              <a:rPr lang="fr-FR" dirty="0" smtClean="0"/>
+              <a:t>C’est une </a:t>
+            </a:r>
+            <a:r>
+              <a:rPr lang="fr-FR" b="1" u="sng" dirty="0" smtClean="0"/>
+              <a:t>proposition</a:t>
+            </a:r>
+            <a:r>
+              <a:rPr lang="fr-FR" dirty="0" smtClean="0"/>
+              <a:t> de planning de lot 1…</a:t>
+            </a:r>
+          </a:p>
+          <a:p>
+            <a:r>
+              <a:rPr lang="fr-FR" sz="1600" b="1" dirty="0" smtClean="0"/>
+              <a:t>Pour ceux qui ont déjà menés un projet BI : Bon ordre ?</a:t>
+            </a:r>
+            <a:endParaRPr lang="fr-FR" sz="1600" b="1" dirty="0"/>
+          </a:p>
+        </p:txBody>
+      </p:sp>
+    </p:spTree>
+    <p:extLst>
+      <p:ext uri="{BB962C8B-B14F-4D97-AF65-F5344CB8AC3E}">
+        <p14:creationId xmlns:p14="http://schemas.microsoft.com/office/powerpoint/2010/main" val="4104051211"/>
+      </p:ext>
+    </p:extLst>
+  </p:cSld>
+  <p:clrMapOvr>
+    <a:masterClrMapping/>
+  </p:clrMapOvr>
+  <p:timing>
+    <p:tnLst>
+      <p:par>
+        <p:cTn id="1" dur="indefinite" restart="never" nodeType="tmRoot"/>
+      </p:par>
+    </p:tnLst>
+  </p:timing>
+</p:sld>
+</file>
+
+<file path=ppt/slides/slide7.xml><?xml version="1.0" encoding="utf-8"?>
+<p:sld xmlns:a="http://schemas.openxmlformats.org/drawingml/2006/main" xmlns:r="http://schemas.openxmlformats.org/officeDocument/2006/relationships" xmlns:p="http://schemas.openxmlformats.org/presentationml/2006/main">
+  <p:cSld>
+    <p:spTree>
+      <p:nvGrpSpPr>
+        <p:cNvPr id="1" name=""/>
+        <p:cNvGrpSpPr/>
+        <p:nvPr/>
+      </p:nvGrpSpPr>
+      <p:grpSpPr>
+        <a:xfrm>
+          <a:off x="0" y="0"/>
+          <a:ext cx="0" cy="0"/>
+          <a:chOff x="0" y="0"/>
+          <a:chExt cx="0" cy="0"/>
+        </a:xfrm>
+      </p:grpSpPr>
+      <p:sp>
+        <p:nvSpPr>
+          <p:cNvPr id="3" name="ZoneTexte 2"/>
+          <p:cNvSpPr txBox="1"/>
+          <p:nvPr/>
+        </p:nvSpPr>
+        <p:spPr>
+          <a:xfrm>
+            <a:off x="107504" y="107340"/>
+            <a:ext cx="2267224" cy="369332"/>
+          </a:xfrm>
+          <a:prstGeom prst="rect">
+            <a:avLst/>
+          </a:prstGeom>
+        </p:spPr>
+        <p:style>
+          <a:lnRef idx="0">
+            <a:schemeClr val="accent1"/>
+          </a:lnRef>
+          <a:fillRef idx="3">
+            <a:schemeClr val="accent1"/>
+          </a:fillRef>
+          <a:effectRef idx="3">
+            <a:schemeClr val="accent1"/>
+          </a:effectRef>
+          <a:fontRef idx="minor">
+            <a:schemeClr val="lt1"/>
+          </a:fontRef>
+        </p:style>
+        <p:txBody>
+          <a:bodyPr wrap="none" rtlCol="0">
+            <a:spAutoFit/>
+          </a:bodyPr>
+          <a:lstStyle/>
+          <a:p>
+            <a:r>
+              <a:rPr lang="fr-FR" dirty="0"/>
+              <a:t>Installation des postes</a:t>
+            </a:r>
+          </a:p>
+        </p:txBody>
+      </p:sp>
+      <p:sp>
+        <p:nvSpPr>
+          <p:cNvPr id="2" name="Rectangle 1"/>
+          <p:cNvSpPr/>
+          <p:nvPr/>
+        </p:nvSpPr>
+        <p:spPr>
+          <a:xfrm>
+            <a:off x="2843808" y="107340"/>
+            <a:ext cx="5151923" cy="369332"/>
+          </a:xfrm>
+          <a:prstGeom prst="rect">
+            <a:avLst/>
+          </a:prstGeom>
+        </p:spPr>
+        <p:txBody>
+          <a:bodyPr wrap="none">
+            <a:spAutoFit/>
+          </a:bodyPr>
+          <a:lstStyle/>
+          <a:p>
+            <a:r>
+              <a:rPr lang="fr-FR" dirty="0" smtClean="0"/>
+              <a:t>Cf. « </a:t>
+            </a:r>
+            <a:r>
+              <a:rPr lang="fr-FR" b="1" dirty="0" smtClean="0"/>
+              <a:t>Installation_PostesDevs_2015-06_19_v1.pptx</a:t>
+            </a:r>
+            <a:r>
+              <a:rPr lang="fr-FR" dirty="0" smtClean="0"/>
+              <a:t> »</a:t>
+            </a:r>
+            <a:endParaRPr lang="fr-FR" dirty="0"/>
+          </a:p>
+        </p:txBody>
+      </p:sp>
+      <p:sp>
+        <p:nvSpPr>
+          <p:cNvPr id="4" name="Rectangle 3"/>
+          <p:cNvSpPr/>
+          <p:nvPr/>
+        </p:nvSpPr>
+        <p:spPr>
+          <a:xfrm>
+            <a:off x="2627784" y="620688"/>
+            <a:ext cx="6264696" cy="4247317"/>
+          </a:xfrm>
+          <a:prstGeom prst="rect">
+            <a:avLst/>
+          </a:prstGeom>
+        </p:spPr>
+        <p:txBody>
+          <a:bodyPr wrap="square">
+            <a:spAutoFit/>
+          </a:bodyPr>
+          <a:lstStyle/>
+          <a:p>
+            <a:r>
+              <a:rPr lang="fr-FR" dirty="0" smtClean="0"/>
+              <a:t>Sur chaque poste, il faudra installer :</a:t>
+            </a:r>
+          </a:p>
+          <a:p>
+            <a:endParaRPr lang="fr-FR" dirty="0" smtClean="0"/>
+          </a:p>
+          <a:p>
+            <a:pPr marL="285750" indent="-285750">
+              <a:buFont typeface="Arial" panose="020B0604020202020204" pitchFamily="34" charset="0"/>
+              <a:buChar char="•"/>
+            </a:pPr>
+            <a:r>
+              <a:rPr lang="fr-FR" b="1" dirty="0" smtClean="0"/>
+              <a:t>Gestionnaire de code-sources Git</a:t>
+            </a:r>
+            <a:r>
+              <a:rPr lang="fr-FR" dirty="0" smtClean="0"/>
+              <a:t>, pour archiver les codes sources des développements (Documentation, code Java, scripts SQL…) sur la plateforme </a:t>
+            </a:r>
+            <a:r>
+              <a:rPr lang="fr-FR" dirty="0" err="1" smtClean="0"/>
+              <a:t>GitHub</a:t>
+            </a:r>
+            <a:r>
+              <a:rPr lang="fr-FR" dirty="0" smtClean="0"/>
+              <a:t>, gratuite pour les projets en Open-source.</a:t>
+            </a:r>
+          </a:p>
+          <a:p>
+            <a:pPr marL="742950" lvl="1" indent="-285750">
+              <a:buFont typeface="Wingdings" panose="05000000000000000000" pitchFamily="2" charset="2"/>
+              <a:buChar char="Ø"/>
+            </a:pPr>
+            <a:r>
+              <a:rPr lang="fr-FR" dirty="0" smtClean="0">
+                <a:solidFill>
+                  <a:srgbClr val="00B050"/>
+                </a:solidFill>
+              </a:rPr>
+              <a:t>Utile aux 2 équipes</a:t>
+            </a:r>
+            <a:endParaRPr lang="fr-FR" dirty="0" smtClean="0"/>
+          </a:p>
+          <a:p>
+            <a:pPr marL="285750" indent="-285750">
+              <a:buFont typeface="Arial" panose="020B0604020202020204" pitchFamily="34" charset="0"/>
+              <a:buChar char="•"/>
+            </a:pPr>
+            <a:r>
+              <a:rPr lang="fr-FR" b="1" dirty="0" smtClean="0"/>
+              <a:t>Serveur de base de données SQL Server 2014 Standard</a:t>
+            </a:r>
+            <a:r>
+              <a:rPr lang="fr-FR" dirty="0" smtClean="0"/>
+              <a:t>, et sa suite d’outils associés.</a:t>
+            </a:r>
+            <a:endParaRPr lang="fr-FR" dirty="0" smtClean="0">
+              <a:solidFill>
+                <a:srgbClr val="00B050"/>
+              </a:solidFill>
+            </a:endParaRPr>
+          </a:p>
+          <a:p>
+            <a:pPr marL="742950" lvl="1" indent="-285750">
+              <a:buFont typeface="Wingdings" panose="05000000000000000000" pitchFamily="2" charset="2"/>
+              <a:buChar char="Ø"/>
+            </a:pPr>
+            <a:r>
+              <a:rPr lang="fr-FR" dirty="0" smtClean="0">
+                <a:solidFill>
+                  <a:srgbClr val="00B050"/>
+                </a:solidFill>
+              </a:rPr>
+              <a:t>En fonction de l’équipe, certains composantes seront installés ou non.</a:t>
+            </a:r>
+            <a:endParaRPr lang="fr-FR" dirty="0" smtClean="0"/>
+          </a:p>
+          <a:p>
+            <a:pPr marL="285750" indent="-285750">
+              <a:buFont typeface="Arial" panose="020B0604020202020204" pitchFamily="34" charset="0"/>
+              <a:buChar char="•"/>
+            </a:pPr>
+            <a:r>
+              <a:rPr lang="fr-FR" b="1" dirty="0" smtClean="0"/>
+              <a:t>Oracle JDK / </a:t>
+            </a:r>
+            <a:r>
+              <a:rPr lang="fr-FR" b="1" dirty="0" err="1"/>
+              <a:t>NetBeans</a:t>
+            </a:r>
+            <a:r>
+              <a:rPr lang="fr-FR" b="1" dirty="0" smtClean="0"/>
+              <a:t> / </a:t>
+            </a:r>
+            <a:r>
+              <a:rPr lang="fr-FR" b="1" dirty="0" err="1" smtClean="0"/>
+              <a:t>Glassfish</a:t>
+            </a:r>
+            <a:r>
+              <a:rPr lang="fr-FR" b="1" dirty="0" smtClean="0"/>
+              <a:t> </a:t>
+            </a:r>
+            <a:r>
+              <a:rPr lang="fr-FR" dirty="0" smtClean="0"/>
+              <a:t>pour les développements Java. Cette combinaison est notamment utilisée dans le cours </a:t>
+            </a:r>
+            <a:r>
+              <a:rPr lang="fr-FR" dirty="0"/>
+              <a:t>D314 - Ingénierie des systèmes à base de </a:t>
+            </a:r>
+            <a:r>
+              <a:rPr lang="fr-FR" dirty="0" smtClean="0"/>
+              <a:t>services. </a:t>
+            </a:r>
+          </a:p>
+          <a:p>
+            <a:pPr marL="742950" lvl="1" indent="-285750">
+              <a:buFont typeface="Wingdings" panose="05000000000000000000" pitchFamily="2" charset="2"/>
+              <a:buChar char="Ø"/>
+            </a:pPr>
+            <a:r>
+              <a:rPr lang="fr-FR" dirty="0" smtClean="0">
+                <a:solidFill>
+                  <a:srgbClr val="00B050"/>
+                </a:solidFill>
+              </a:rPr>
+              <a:t>Seulement </a:t>
+            </a:r>
+            <a:r>
+              <a:rPr lang="fr-FR" dirty="0">
+                <a:solidFill>
+                  <a:srgbClr val="00B050"/>
+                </a:solidFill>
+              </a:rPr>
+              <a:t>utiles pour l’équipe 2.</a:t>
+            </a:r>
+          </a:p>
+        </p:txBody>
+      </p:sp>
+      <p:sp>
+        <p:nvSpPr>
+          <p:cNvPr id="5" name="Rectangle 4"/>
+          <p:cNvSpPr/>
+          <p:nvPr/>
+        </p:nvSpPr>
+        <p:spPr>
+          <a:xfrm>
+            <a:off x="1343766" y="3573016"/>
+            <a:ext cx="1030962" cy="432048"/>
+          </a:xfrm>
+          <a:prstGeom prst="rect">
+            <a:avLst/>
+          </a:prstGeom>
+        </p:spPr>
+        <p:style>
+          <a:lnRef idx="2">
+            <a:schemeClr val="accent2">
+              <a:shade val="50000"/>
+            </a:schemeClr>
+          </a:lnRef>
+          <a:fillRef idx="1">
+            <a:schemeClr val="accent2"/>
+          </a:fillRef>
+          <a:effectRef idx="0">
+            <a:schemeClr val="accent2"/>
+          </a:effectRef>
+          <a:fontRef idx="minor">
+            <a:schemeClr val="lt1"/>
+          </a:fontRef>
+        </p:style>
+        <p:txBody>
+          <a:bodyPr rtlCol="0" anchor="ctr"/>
+          <a:lstStyle/>
+          <a:p>
+            <a:pPr algn="ctr"/>
+            <a:r>
+              <a:rPr lang="fr-FR" dirty="0" smtClean="0"/>
+              <a:t>Equipe 2</a:t>
+            </a:r>
+            <a:endParaRPr lang="fr-FR" dirty="0"/>
+          </a:p>
+        </p:txBody>
+      </p:sp>
+      <p:sp>
+        <p:nvSpPr>
+          <p:cNvPr id="6" name="Rectangle 5"/>
+          <p:cNvSpPr/>
+          <p:nvPr/>
+        </p:nvSpPr>
+        <p:spPr>
+          <a:xfrm>
+            <a:off x="200338" y="2528322"/>
+            <a:ext cx="1008112" cy="432048"/>
+          </a:xfrm>
+          <a:prstGeom prst="rect">
+            <a:avLst/>
+          </a:prstGeom>
+        </p:spPr>
+        <p:style>
+          <a:lnRef idx="2">
+            <a:schemeClr val="accent1">
+              <a:shade val="50000"/>
+            </a:schemeClr>
+          </a:lnRef>
+          <a:fillRef idx="1">
+            <a:schemeClr val="accent1"/>
+          </a:fillRef>
+          <a:effectRef idx="0">
+            <a:schemeClr val="accent1"/>
+          </a:effectRef>
+          <a:fontRef idx="minor">
+            <a:schemeClr val="lt1"/>
+          </a:fontRef>
+        </p:style>
+        <p:txBody>
+          <a:bodyPr rtlCol="0" anchor="ctr"/>
+          <a:lstStyle/>
+          <a:p>
+            <a:pPr algn="ctr"/>
+            <a:r>
+              <a:rPr lang="fr-FR" dirty="0" smtClean="0"/>
+              <a:t>Equipe 1</a:t>
+            </a:r>
+            <a:endParaRPr lang="fr-FR" dirty="0"/>
+          </a:p>
+        </p:txBody>
+      </p:sp>
+      <p:sp>
+        <p:nvSpPr>
+          <p:cNvPr id="7" name="Rectangle 6"/>
+          <p:cNvSpPr/>
+          <p:nvPr/>
+        </p:nvSpPr>
+        <p:spPr>
+          <a:xfrm>
+            <a:off x="1343766" y="2528322"/>
+            <a:ext cx="1030962" cy="432048"/>
+          </a:xfrm>
+          <a:prstGeom prst="rect">
+            <a:avLst/>
+          </a:prstGeom>
+        </p:spPr>
+        <p:style>
+          <a:lnRef idx="2">
+            <a:schemeClr val="accent2">
+              <a:shade val="50000"/>
+            </a:schemeClr>
+          </a:lnRef>
+          <a:fillRef idx="1">
+            <a:schemeClr val="accent2"/>
+          </a:fillRef>
+          <a:effectRef idx="0">
+            <a:schemeClr val="accent2"/>
+          </a:effectRef>
+          <a:fontRef idx="minor">
+            <a:schemeClr val="lt1"/>
+          </a:fontRef>
+        </p:style>
+        <p:txBody>
+          <a:bodyPr rtlCol="0" anchor="ctr"/>
+          <a:lstStyle/>
+          <a:p>
+            <a:pPr algn="ctr"/>
+            <a:r>
+              <a:rPr lang="fr-FR" dirty="0" smtClean="0"/>
+              <a:t>Equipe 2</a:t>
+            </a:r>
+            <a:endParaRPr lang="fr-FR" dirty="0"/>
+          </a:p>
+        </p:txBody>
+      </p:sp>
+      <p:sp>
+        <p:nvSpPr>
+          <p:cNvPr id="8" name="Rectangle 7"/>
+          <p:cNvSpPr/>
+          <p:nvPr/>
+        </p:nvSpPr>
+        <p:spPr>
+          <a:xfrm>
+            <a:off x="200338" y="1124744"/>
+            <a:ext cx="1008112" cy="432048"/>
+          </a:xfrm>
+          <a:prstGeom prst="rect">
+            <a:avLst/>
+          </a:prstGeom>
+        </p:spPr>
+        <p:style>
+          <a:lnRef idx="2">
+            <a:schemeClr val="accent1">
+              <a:shade val="50000"/>
+            </a:schemeClr>
+          </a:lnRef>
+          <a:fillRef idx="1">
+            <a:schemeClr val="accent1"/>
+          </a:fillRef>
+          <a:effectRef idx="0">
+            <a:schemeClr val="accent1"/>
+          </a:effectRef>
+          <a:fontRef idx="minor">
+            <a:schemeClr val="lt1"/>
+          </a:fontRef>
+        </p:style>
+        <p:txBody>
+          <a:bodyPr rtlCol="0" anchor="ctr"/>
+          <a:lstStyle/>
+          <a:p>
+            <a:pPr algn="ctr"/>
+            <a:r>
+              <a:rPr lang="fr-FR" dirty="0" smtClean="0"/>
+              <a:t>Equipe 1</a:t>
+            </a:r>
+            <a:endParaRPr lang="fr-FR" dirty="0"/>
+          </a:p>
+        </p:txBody>
+      </p:sp>
+      <p:sp>
+        <p:nvSpPr>
+          <p:cNvPr id="9" name="Rectangle 8"/>
+          <p:cNvSpPr/>
+          <p:nvPr/>
+        </p:nvSpPr>
+        <p:spPr>
+          <a:xfrm>
+            <a:off x="1343766" y="1124744"/>
+            <a:ext cx="1030962" cy="432048"/>
+          </a:xfrm>
+          <a:prstGeom prst="rect">
+            <a:avLst/>
+          </a:prstGeom>
+        </p:spPr>
+        <p:style>
+          <a:lnRef idx="2">
+            <a:schemeClr val="accent2">
+              <a:shade val="50000"/>
+            </a:schemeClr>
+          </a:lnRef>
+          <a:fillRef idx="1">
+            <a:schemeClr val="accent2"/>
+          </a:fillRef>
+          <a:effectRef idx="0">
+            <a:schemeClr val="accent2"/>
+          </a:effectRef>
+          <a:fontRef idx="minor">
+            <a:schemeClr val="lt1"/>
+          </a:fontRef>
+        </p:style>
+        <p:txBody>
+          <a:bodyPr rtlCol="0" anchor="ctr"/>
+          <a:lstStyle/>
+          <a:p>
+            <a:pPr algn="ctr"/>
+            <a:r>
+              <a:rPr lang="fr-FR" dirty="0" smtClean="0"/>
+              <a:t>Equipe 2</a:t>
+            </a:r>
+            <a:endParaRPr lang="fr-FR" dirty="0"/>
+          </a:p>
+        </p:txBody>
+      </p:sp>
+      <p:graphicFrame>
+        <p:nvGraphicFramePr>
+          <p:cNvPr id="10" name="Tableau 9"/>
+          <p:cNvGraphicFramePr>
+            <a:graphicFrameLocks noGrp="1"/>
+          </p:cNvGraphicFramePr>
+          <p:nvPr>
+            <p:extLst>
+              <p:ext uri="{D42A27DB-BD31-4B8C-83A1-F6EECF244321}">
+                <p14:modId xmlns:p14="http://schemas.microsoft.com/office/powerpoint/2010/main" val="4177931761"/>
+              </p:ext>
+            </p:extLst>
+          </p:nvPr>
+        </p:nvGraphicFramePr>
+        <p:xfrm>
+          <a:off x="971600" y="4917082"/>
+          <a:ext cx="6207726" cy="1752600"/>
+        </p:xfrm>
+        <a:graphic>
+          <a:graphicData uri="http://schemas.openxmlformats.org/drawingml/2006/table">
+            <a:tbl>
+              <a:tblPr firstRow="1" bandRow="1">
+                <a:tableStyleId>{5C22544A-7EE6-4342-B048-85BDC9FD1C3A}</a:tableStyleId>
+              </a:tblPr>
+              <a:tblGrid>
+                <a:gridCol w="1301594"/>
+                <a:gridCol w="1008112"/>
+                <a:gridCol w="794157"/>
+                <a:gridCol w="934035"/>
+                <a:gridCol w="1008112"/>
+                <a:gridCol w="1161716"/>
+              </a:tblGrid>
+              <a:tr h="370840">
+                <a:tc>
+                  <a:txBody>
+                    <a:bodyPr/>
+                    <a:lstStyle/>
+                    <a:p>
+                      <a:r>
+                        <a:rPr lang="fr-FR" sz="1600" dirty="0" smtClean="0"/>
+                        <a:t>Outil</a:t>
+                      </a:r>
+                      <a:endParaRPr lang="fr-FR" sz="1600" dirty="0"/>
+                    </a:p>
+                  </a:txBody>
+                  <a:tcPr/>
+                </a:tc>
+                <a:tc>
+                  <a:txBody>
+                    <a:bodyPr/>
+                    <a:lstStyle/>
+                    <a:p>
+                      <a:pPr algn="ctr"/>
+                      <a:r>
+                        <a:rPr lang="fr-FR" sz="1600" dirty="0" smtClean="0"/>
+                        <a:t>Thomas ?</a:t>
+                      </a:r>
+                      <a:endParaRPr lang="fr-FR" sz="1600" dirty="0"/>
+                    </a:p>
+                  </a:txBody>
+                  <a:tcPr/>
+                </a:tc>
+                <a:tc>
+                  <a:txBody>
+                    <a:bodyPr/>
+                    <a:lstStyle/>
+                    <a:p>
+                      <a:pPr algn="ctr"/>
+                      <a:r>
+                        <a:rPr lang="fr-FR" sz="1600" dirty="0" smtClean="0"/>
+                        <a:t>Brice</a:t>
+                      </a:r>
+                      <a:r>
+                        <a:rPr lang="fr-FR" sz="1600" baseline="0" dirty="0" smtClean="0"/>
+                        <a:t> ?</a:t>
+                      </a:r>
+                      <a:endParaRPr lang="fr-FR" sz="1600" dirty="0"/>
+                    </a:p>
+                  </a:txBody>
+                  <a:tcPr/>
+                </a:tc>
+                <a:tc>
+                  <a:txBody>
+                    <a:bodyPr/>
+                    <a:lstStyle/>
+                    <a:p>
+                      <a:pPr algn="ctr"/>
+                      <a:r>
+                        <a:rPr lang="fr-FR" sz="1600" dirty="0" smtClean="0"/>
+                        <a:t>Olivier ?</a:t>
+                      </a:r>
+                      <a:endParaRPr lang="fr-FR" sz="1600" dirty="0"/>
+                    </a:p>
+                  </a:txBody>
+                  <a:tcPr/>
+                </a:tc>
+                <a:tc>
+                  <a:txBody>
+                    <a:bodyPr/>
+                    <a:lstStyle/>
+                    <a:p>
+                      <a:pPr algn="ctr"/>
+                      <a:r>
+                        <a:rPr lang="fr-FR" sz="1600" dirty="0" smtClean="0"/>
+                        <a:t>Bernard ?</a:t>
+                      </a:r>
+                      <a:endParaRPr lang="fr-FR" sz="1600" dirty="0"/>
+                    </a:p>
+                  </a:txBody>
+                  <a:tcPr/>
+                </a:tc>
+                <a:tc>
+                  <a:txBody>
+                    <a:bodyPr/>
+                    <a:lstStyle/>
+                    <a:p>
+                      <a:pPr algn="ctr"/>
+                      <a:r>
+                        <a:rPr lang="fr-FR" sz="1600" dirty="0" smtClean="0"/>
+                        <a:t>Cédric ?</a:t>
+                      </a:r>
+                      <a:endParaRPr lang="fr-FR" sz="1600" dirty="0"/>
+                    </a:p>
+                  </a:txBody>
+                  <a:tcPr/>
+                </a:tc>
+              </a:tr>
+              <a:tr h="370840">
+                <a:tc>
+                  <a:txBody>
+                    <a:bodyPr/>
+                    <a:lstStyle/>
+                    <a:p>
+                      <a:r>
+                        <a:rPr lang="fr-FR" b="1" dirty="0" smtClean="0"/>
+                        <a:t>Git</a:t>
+                      </a:r>
+                      <a:endParaRPr lang="fr-FR" b="1" dirty="0"/>
+                    </a:p>
+                  </a:txBody>
+                  <a:tcPr/>
+                </a:tc>
+                <a:tc>
+                  <a:txBody>
+                    <a:bodyPr/>
+                    <a:lstStyle/>
+                    <a:p>
+                      <a:pPr algn="ctr"/>
+                      <a:r>
+                        <a:rPr lang="fr-FR" dirty="0" smtClean="0"/>
+                        <a:t>OK</a:t>
+                      </a:r>
+                      <a:endParaRPr lang="fr-FR" dirty="0"/>
+                    </a:p>
+                  </a:txBody>
+                  <a:tcPr/>
+                </a:tc>
+                <a:tc>
+                  <a:txBody>
+                    <a:bodyPr/>
+                    <a:lstStyle/>
+                    <a:p>
+                      <a:pPr algn="ctr"/>
+                      <a:endParaRPr lang="fr-FR" dirty="0"/>
+                    </a:p>
+                  </a:txBody>
+                  <a:tcPr/>
+                </a:tc>
+                <a:tc>
+                  <a:txBody>
+                    <a:bodyPr/>
+                    <a:lstStyle/>
+                    <a:p>
+                      <a:pPr algn="ctr"/>
+                      <a:r>
+                        <a:rPr lang="fr-FR" dirty="0" smtClean="0"/>
+                        <a:t>OK</a:t>
+                      </a:r>
+                      <a:endParaRPr lang="fr-FR" dirty="0"/>
+                    </a:p>
+                  </a:txBody>
+                  <a:tcPr/>
+                </a:tc>
+                <a:tc>
+                  <a:txBody>
+                    <a:bodyPr/>
+                    <a:lstStyle/>
+                    <a:p>
+                      <a:pPr algn="ctr"/>
+                      <a:endParaRPr lang="fr-FR" dirty="0"/>
+                    </a:p>
+                  </a:txBody>
+                  <a:tcPr/>
+                </a:tc>
+                <a:tc>
+                  <a:txBody>
+                    <a:bodyPr/>
+                    <a:lstStyle/>
+                    <a:p>
+                      <a:pPr algn="ctr"/>
+                      <a:endParaRPr lang="fr-FR" dirty="0"/>
+                    </a:p>
+                  </a:txBody>
+                  <a:tcPr/>
+                </a:tc>
+              </a:tr>
+              <a:tr h="370840">
+                <a:tc>
+                  <a:txBody>
+                    <a:bodyPr/>
+                    <a:lstStyle/>
+                    <a:p>
+                      <a:r>
+                        <a:rPr lang="fr-FR" b="1" dirty="0" smtClean="0"/>
+                        <a:t>SQL</a:t>
+                      </a:r>
+                      <a:r>
+                        <a:rPr lang="fr-FR" b="1" baseline="0" dirty="0" smtClean="0"/>
+                        <a:t> Server</a:t>
+                      </a:r>
+                      <a:endParaRPr lang="fr-FR" b="1" dirty="0"/>
+                    </a:p>
+                  </a:txBody>
+                  <a:tcPr/>
+                </a:tc>
+                <a:tc>
+                  <a:txBody>
+                    <a:bodyPr/>
+                    <a:lstStyle/>
+                    <a:p>
+                      <a:pPr algn="ctr"/>
+                      <a:r>
+                        <a:rPr lang="fr-FR" dirty="0" smtClean="0"/>
+                        <a:t>PB</a:t>
+                      </a:r>
+                      <a:endParaRPr lang="fr-FR" dirty="0"/>
+                    </a:p>
+                  </a:txBody>
+                  <a:tcPr/>
+                </a:tc>
+                <a:tc>
+                  <a:txBody>
+                    <a:bodyPr/>
+                    <a:lstStyle/>
+                    <a:p>
+                      <a:pPr algn="ctr"/>
+                      <a:r>
+                        <a:rPr lang="fr-FR" dirty="0" smtClean="0"/>
+                        <a:t>OK</a:t>
+                      </a:r>
+                      <a:endParaRPr lang="fr-FR" dirty="0"/>
+                    </a:p>
+                  </a:txBody>
+                  <a:tcPr/>
+                </a:tc>
+                <a:tc>
+                  <a:txBody>
+                    <a:bodyPr/>
+                    <a:lstStyle/>
+                    <a:p>
+                      <a:pPr algn="ctr"/>
+                      <a:r>
+                        <a:rPr lang="fr-FR" dirty="0" smtClean="0"/>
+                        <a:t>OK</a:t>
+                      </a:r>
+                      <a:endParaRPr lang="fr-FR" dirty="0"/>
+                    </a:p>
+                  </a:txBody>
+                  <a:tcPr/>
+                </a:tc>
+                <a:tc>
+                  <a:txBody>
+                    <a:bodyPr/>
+                    <a:lstStyle/>
+                    <a:p>
+                      <a:pPr algn="ctr"/>
+                      <a:r>
+                        <a:rPr lang="fr-FR" dirty="0" smtClean="0"/>
+                        <a:t>PB .NET</a:t>
+                      </a:r>
+                      <a:r>
+                        <a:rPr lang="fr-FR" baseline="0" dirty="0" smtClean="0"/>
+                        <a:t> 3.5</a:t>
+                      </a:r>
+                      <a:endParaRPr lang="fr-FR" dirty="0"/>
+                    </a:p>
+                  </a:txBody>
+                  <a:tcPr/>
+                </a:tc>
+                <a:tc>
+                  <a:txBody>
+                    <a:bodyPr/>
+                    <a:lstStyle/>
+                    <a:p>
+                      <a:pPr algn="ctr"/>
+                      <a:endParaRPr lang="fr-FR" dirty="0"/>
+                    </a:p>
+                  </a:txBody>
+                  <a:tcPr/>
+                </a:tc>
+              </a:tr>
+              <a:tr h="370840">
+                <a:tc>
+                  <a:txBody>
+                    <a:bodyPr/>
+                    <a:lstStyle/>
+                    <a:p>
+                      <a:r>
+                        <a:rPr lang="fr-FR" b="1" dirty="0" smtClean="0"/>
+                        <a:t>Java</a:t>
+                      </a:r>
+                      <a:endParaRPr lang="fr-FR" b="1" dirty="0"/>
+                    </a:p>
+                  </a:txBody>
+                  <a:tcPr/>
+                </a:tc>
+                <a:tc>
+                  <a:txBody>
+                    <a:bodyPr/>
+                    <a:lstStyle/>
+                    <a:p>
+                      <a:pPr algn="ctr"/>
+                      <a:endParaRPr lang="fr-FR" dirty="0"/>
+                    </a:p>
+                  </a:txBody>
+                  <a:tcPr/>
+                </a:tc>
+                <a:tc>
+                  <a:txBody>
+                    <a:bodyPr/>
+                    <a:lstStyle/>
+                    <a:p>
+                      <a:pPr algn="ctr"/>
+                      <a:endParaRPr lang="fr-FR" dirty="0"/>
+                    </a:p>
+                  </a:txBody>
+                  <a:tcPr/>
+                </a:tc>
+                <a:tc>
+                  <a:txBody>
+                    <a:bodyPr/>
+                    <a:lstStyle/>
+                    <a:p>
+                      <a:pPr algn="ctr"/>
+                      <a:r>
+                        <a:rPr lang="fr-FR" dirty="0" smtClean="0"/>
+                        <a:t>OK</a:t>
+                      </a:r>
+                      <a:endParaRPr lang="fr-FR" dirty="0"/>
+                    </a:p>
+                  </a:txBody>
+                  <a:tcPr/>
+                </a:tc>
+                <a:tc>
+                  <a:txBody>
+                    <a:bodyPr/>
+                    <a:lstStyle/>
+                    <a:p>
+                      <a:pPr algn="ctr"/>
+                      <a:endParaRPr lang="fr-FR" dirty="0"/>
+                    </a:p>
+                  </a:txBody>
+                  <a:tcPr/>
+                </a:tc>
+                <a:tc>
+                  <a:txBody>
+                    <a:bodyPr/>
+                    <a:lstStyle/>
+                    <a:p>
+                      <a:pPr algn="ctr"/>
+                      <a:endParaRPr lang="fr-FR" dirty="0"/>
+                    </a:p>
+                  </a:txBody>
+                  <a:tcPr/>
+                </a:tc>
+              </a:tr>
+            </a:tbl>
+          </a:graphicData>
+        </a:graphic>
+      </p:graphicFrame>
+      <p:sp>
+        <p:nvSpPr>
+          <p:cNvPr id="11" name="ZoneTexte 10"/>
+          <p:cNvSpPr txBox="1"/>
+          <p:nvPr/>
+        </p:nvSpPr>
+        <p:spPr>
+          <a:xfrm>
+            <a:off x="7308304" y="4868005"/>
+            <a:ext cx="1728192" cy="923330"/>
+          </a:xfrm>
+          <a:prstGeom prst="rect">
+            <a:avLst/>
+          </a:prstGeom>
+        </p:spPr>
+        <p:style>
+          <a:lnRef idx="1">
+            <a:schemeClr val="accent6"/>
+          </a:lnRef>
+          <a:fillRef idx="2">
+            <a:schemeClr val="accent6"/>
+          </a:fillRef>
+          <a:effectRef idx="1">
+            <a:schemeClr val="accent6"/>
+          </a:effectRef>
+          <a:fontRef idx="minor">
+            <a:schemeClr val="dk1"/>
+          </a:fontRef>
+        </p:style>
+        <p:txBody>
+          <a:bodyPr wrap="square" rtlCol="0">
+            <a:spAutoFit/>
+          </a:bodyPr>
+          <a:lstStyle/>
+          <a:p>
+            <a:r>
+              <a:rPr lang="fr-FR" b="1" dirty="0" smtClean="0"/>
+              <a:t>Bernard</a:t>
+            </a:r>
+            <a:r>
+              <a:rPr lang="fr-FR" dirty="0" smtClean="0"/>
+              <a:t> : </a:t>
+            </a:r>
+          </a:p>
+          <a:p>
+            <a:r>
+              <a:rPr lang="fr-FR" dirty="0" smtClean="0"/>
+              <a:t>.NET 3.5 </a:t>
+            </a:r>
+            <a:r>
+              <a:rPr lang="fr-FR" dirty="0" err="1" smtClean="0"/>
+              <a:t>download</a:t>
+            </a:r>
+            <a:endParaRPr lang="fr-FR" sz="1600" b="1" dirty="0"/>
+          </a:p>
+        </p:txBody>
+      </p:sp>
+      <p:sp>
+        <p:nvSpPr>
+          <p:cNvPr id="12" name="ZoneTexte 11"/>
+          <p:cNvSpPr txBox="1"/>
+          <p:nvPr/>
+        </p:nvSpPr>
+        <p:spPr>
+          <a:xfrm>
+            <a:off x="7308304" y="5949280"/>
+            <a:ext cx="1728192" cy="646331"/>
+          </a:xfrm>
+          <a:prstGeom prst="rect">
+            <a:avLst/>
+          </a:prstGeom>
+        </p:spPr>
+        <p:style>
+          <a:lnRef idx="1">
+            <a:schemeClr val="accent6"/>
+          </a:lnRef>
+          <a:fillRef idx="2">
+            <a:schemeClr val="accent6"/>
+          </a:fillRef>
+          <a:effectRef idx="1">
+            <a:schemeClr val="accent6"/>
+          </a:effectRef>
+          <a:fontRef idx="minor">
+            <a:schemeClr val="dk1"/>
+          </a:fontRef>
+        </p:style>
+        <p:txBody>
+          <a:bodyPr wrap="square" rtlCol="0">
+            <a:spAutoFit/>
+          </a:bodyPr>
+          <a:lstStyle/>
+          <a:p>
+            <a:r>
+              <a:rPr lang="fr-FR" b="1" dirty="0" smtClean="0"/>
+              <a:t>Thomas</a:t>
+            </a:r>
+            <a:r>
+              <a:rPr lang="fr-FR" dirty="0" smtClean="0"/>
+              <a:t> : Erreur à </a:t>
+            </a:r>
+            <a:r>
+              <a:rPr lang="fr-FR" dirty="0" err="1" smtClean="0"/>
+              <a:t>l’install</a:t>
+            </a:r>
+            <a:endParaRPr lang="fr-FR" sz="1600" b="1" dirty="0"/>
+          </a:p>
+        </p:txBody>
+      </p:sp>
+    </p:spTree>
+    <p:extLst>
+      <p:ext uri="{BB962C8B-B14F-4D97-AF65-F5344CB8AC3E}">
+        <p14:creationId xmlns:p14="http://schemas.microsoft.com/office/powerpoint/2010/main" val="4104051211"/>
+      </p:ext>
+    </p:extLst>
+  </p:cSld>
+  <p:clrMapOvr>
+    <a:masterClrMapping/>
+  </p:clrMapOvr>
+  <p:timing>
+    <p:tnLst>
+      <p:par>
+        <p:cTn id="1" dur="indefinite" restart="never" nodeType="tmRoot"/>
+      </p:par>
+    </p:tnLst>
+  </p:timing>
+</p:sld>
+</file>
+
+<file path=ppt/slides/slide8.xml><?xml version="1.0" encoding="utf-8"?>
+<p:sld xmlns:a="http://schemas.openxmlformats.org/drawingml/2006/main" xmlns:r="http://schemas.openxmlformats.org/officeDocument/2006/relationships" xmlns:p="http://schemas.openxmlformats.org/presentationml/2006/main">
+  <p:cSld>
+    <p:spTree>
+      <p:nvGrpSpPr>
+        <p:cNvPr id="1" name=""/>
+        <p:cNvGrpSpPr/>
+        <p:nvPr/>
+      </p:nvGrpSpPr>
+      <p:grpSpPr>
+        <a:xfrm>
+          <a:off x="0" y="0"/>
+          <a:ext cx="0" cy="0"/>
+          <a:chOff x="0" y="0"/>
+          <a:chExt cx="0" cy="0"/>
+        </a:xfrm>
+      </p:grpSpPr>
+      <p:sp>
+        <p:nvSpPr>
+          <p:cNvPr id="3" name="ZoneTexte 2"/>
+          <p:cNvSpPr txBox="1"/>
+          <p:nvPr/>
+        </p:nvSpPr>
+        <p:spPr>
+          <a:xfrm>
+            <a:off x="107504" y="107340"/>
+            <a:ext cx="1732141" cy="369332"/>
+          </a:xfrm>
+          <a:prstGeom prst="rect">
+            <a:avLst/>
+          </a:prstGeom>
+        </p:spPr>
+        <p:style>
+          <a:lnRef idx="0">
+            <a:schemeClr val="accent1"/>
+          </a:lnRef>
+          <a:fillRef idx="3">
+            <a:schemeClr val="accent1"/>
+          </a:fillRef>
+          <a:effectRef idx="3">
+            <a:schemeClr val="accent1"/>
+          </a:effectRef>
+          <a:fontRef idx="minor">
+            <a:schemeClr val="lt1"/>
+          </a:fontRef>
+        </p:style>
+        <p:txBody>
+          <a:bodyPr wrap="none" rtlCol="0">
+            <a:spAutoFit/>
+          </a:bodyPr>
+          <a:lstStyle/>
+          <a:p>
+            <a:r>
+              <a:rPr lang="fr-FR" dirty="0" smtClean="0"/>
+              <a:t>Prochains points</a:t>
+            </a:r>
+            <a:endParaRPr lang="fr-FR" dirty="0"/>
+          </a:p>
+        </p:txBody>
+      </p:sp>
+      <p:pic>
+        <p:nvPicPr>
+          <p:cNvPr id="4" name="Picture 2" descr="http://www.google.fr/url?source=imglanding&amp;ct=img&amp;q=http://img.clubic.com/05523479-photo-logo-skype.jpg&amp;sa=X&amp;ei=6eJ2Va_FOIGyUrWggYgI&amp;ved=0CAkQ8wc&amp;usg=AFQjCNFwjUn1OuhULWDsziDudvxM-9K4XA"/>
+          <p:cNvPicPr>
+            <a:picLocks noChangeAspect="1" noChangeArrowheads="1"/>
+          </p:cNvPicPr>
+          <p:nvPr/>
+        </p:nvPicPr>
+        <p:blipFill>
+          <a:blip r:embed="rId3" cstate="print">
+            <a:extLst>
+              <a:ext uri="{28A0092B-C50C-407E-A947-70E740481C1C}">
+                <a14:useLocalDpi xmlns:a14="http://schemas.microsoft.com/office/drawing/2010/main" val="0"/>
+              </a:ext>
+            </a:extLst>
+          </a:blip>
+          <a:srcRect/>
+          <a:stretch>
+            <a:fillRect/>
+          </a:stretch>
+        </p:blipFill>
+        <p:spPr bwMode="auto">
+          <a:xfrm>
+            <a:off x="7740352" y="292006"/>
+            <a:ext cx="1063253" cy="1063253"/>
+          </a:xfrm>
+          <a:prstGeom prst="rect">
+            <a:avLst/>
+          </a:prstGeom>
+          <a:noFill/>
+          <a:extLst>
+            <a:ext uri="{909E8E84-426E-40DD-AFC4-6F175D3DCCD1}">
+              <a14:hiddenFill xmlns:a14="http://schemas.microsoft.com/office/drawing/2010/main">
+                <a:solidFill>
+                  <a:srgbClr val="FFFFFF"/>
+                </a:solidFill>
+              </a14:hiddenFill>
+            </a:ext>
+          </a:extLst>
+        </p:spPr>
+      </p:pic>
+      <p:sp>
+        <p:nvSpPr>
+          <p:cNvPr id="5" name="Rectangle 4"/>
+          <p:cNvSpPr/>
+          <p:nvPr/>
+        </p:nvSpPr>
+        <p:spPr>
+          <a:xfrm>
+            <a:off x="302970" y="629687"/>
+            <a:ext cx="6933326" cy="1431161"/>
+          </a:xfrm>
+          <a:prstGeom prst="rect">
+            <a:avLst/>
+          </a:prstGeom>
+        </p:spPr>
+        <p:txBody>
+          <a:bodyPr wrap="square">
+            <a:spAutoFit/>
+          </a:bodyPr>
+          <a:lstStyle/>
+          <a:p>
+            <a:pPr>
+              <a:spcBef>
+                <a:spcPts val="300"/>
+              </a:spcBef>
+              <a:spcAft>
+                <a:spcPts val="300"/>
+              </a:spcAft>
+            </a:pPr>
+            <a:r>
+              <a:rPr lang="fr-FR" b="1" dirty="0"/>
+              <a:t>Communication d’équipe</a:t>
+            </a:r>
+          </a:p>
+          <a:p>
+            <a:pPr marL="742950" lvl="1" indent="-285750">
+              <a:spcBef>
+                <a:spcPts val="300"/>
+              </a:spcBef>
+              <a:spcAft>
+                <a:spcPts val="300"/>
+              </a:spcAft>
+              <a:buFont typeface="Arial" panose="020B0604020202020204" pitchFamily="34" charset="0"/>
+              <a:buChar char="•"/>
+            </a:pPr>
+            <a:r>
+              <a:rPr lang="fr-FR" dirty="0" smtClean="0"/>
+              <a:t>Proposition de planification des points hebdo SKYPE</a:t>
+            </a:r>
+          </a:p>
+          <a:p>
+            <a:pPr marL="742950" lvl="1" indent="-285750">
+              <a:spcBef>
+                <a:spcPts val="300"/>
+              </a:spcBef>
+              <a:spcAft>
+                <a:spcPts val="300"/>
+              </a:spcAft>
+              <a:buFont typeface="Arial" panose="020B0604020202020204" pitchFamily="34" charset="0"/>
+              <a:buChar char="•"/>
+            </a:pPr>
+            <a:r>
+              <a:rPr lang="fr-FR" dirty="0" smtClean="0"/>
+              <a:t>Rapide : En 30 / 45 minutes. Point « à part » si problème / détail. </a:t>
+            </a:r>
+          </a:p>
+          <a:p>
+            <a:pPr>
+              <a:spcBef>
+                <a:spcPts val="300"/>
+              </a:spcBef>
+              <a:spcAft>
+                <a:spcPts val="300"/>
+              </a:spcAft>
+            </a:pPr>
+            <a:r>
+              <a:rPr lang="fr-FR" b="1" dirty="0" smtClean="0"/>
+              <a:t>Heures FR été // GMT + 2H </a:t>
+            </a:r>
+            <a:r>
+              <a:rPr lang="fr-FR" dirty="0" smtClean="0"/>
+              <a:t>:</a:t>
+            </a:r>
+            <a:endParaRPr lang="fr-FR" dirty="0"/>
+          </a:p>
+        </p:txBody>
+      </p:sp>
+      <p:graphicFrame>
+        <p:nvGraphicFramePr>
+          <p:cNvPr id="6" name="Tableau 5"/>
+          <p:cNvGraphicFramePr>
+            <a:graphicFrameLocks noGrp="1"/>
+          </p:cNvGraphicFramePr>
+          <p:nvPr>
+            <p:extLst>
+              <p:ext uri="{D42A27DB-BD31-4B8C-83A1-F6EECF244321}">
+                <p14:modId xmlns:p14="http://schemas.microsoft.com/office/powerpoint/2010/main" val="2680484041"/>
+              </p:ext>
+            </p:extLst>
+          </p:nvPr>
+        </p:nvGraphicFramePr>
+        <p:xfrm>
+          <a:off x="687520" y="2140064"/>
+          <a:ext cx="8276968" cy="2225040"/>
+        </p:xfrm>
+        <a:graphic>
+          <a:graphicData uri="http://schemas.openxmlformats.org/drawingml/2006/table">
+            <a:tbl>
+              <a:tblPr firstRow="1" bandRow="1">
+                <a:tableStyleId>{5C22544A-7EE6-4342-B048-85BDC9FD1C3A}</a:tableStyleId>
+              </a:tblPr>
+              <a:tblGrid>
+                <a:gridCol w="1034621"/>
+                <a:gridCol w="1034621"/>
+                <a:gridCol w="1034621"/>
+                <a:gridCol w="1034621"/>
+                <a:gridCol w="1034621"/>
+                <a:gridCol w="1034621"/>
+                <a:gridCol w="1034621"/>
+                <a:gridCol w="1034621"/>
+              </a:tblGrid>
+              <a:tr h="370840">
+                <a:tc>
+                  <a:txBody>
+                    <a:bodyPr/>
+                    <a:lstStyle/>
+                    <a:p>
+                      <a:r>
+                        <a:rPr lang="fr-FR" sz="1600" dirty="0" smtClean="0"/>
+                        <a:t>Membre</a:t>
+                      </a:r>
+                      <a:endParaRPr lang="fr-FR" sz="1600" dirty="0"/>
+                    </a:p>
+                  </a:txBody>
+                  <a:tcPr/>
+                </a:tc>
+                <a:tc>
+                  <a:txBody>
+                    <a:bodyPr/>
+                    <a:lstStyle/>
+                    <a:p>
+                      <a:r>
+                        <a:rPr lang="fr-FR" sz="1600" dirty="0" smtClean="0"/>
+                        <a:t>Lundi</a:t>
+                      </a:r>
+                      <a:endParaRPr lang="fr-FR" sz="1600" dirty="0"/>
+                    </a:p>
+                  </a:txBody>
+                  <a:tcPr/>
+                </a:tc>
+                <a:tc>
+                  <a:txBody>
+                    <a:bodyPr/>
+                    <a:lstStyle/>
+                    <a:p>
+                      <a:r>
+                        <a:rPr lang="fr-FR" sz="1600" dirty="0" smtClean="0"/>
+                        <a:t>Mardi</a:t>
+                      </a:r>
+                      <a:endParaRPr lang="fr-FR" sz="1600" dirty="0"/>
+                    </a:p>
+                  </a:txBody>
+                  <a:tcPr/>
+                </a:tc>
+                <a:tc>
+                  <a:txBody>
+                    <a:bodyPr/>
+                    <a:lstStyle/>
+                    <a:p>
+                      <a:r>
+                        <a:rPr lang="fr-FR" sz="1600" dirty="0" smtClean="0"/>
+                        <a:t>Mercredi</a:t>
+                      </a:r>
+                      <a:endParaRPr lang="fr-FR" sz="1600" dirty="0"/>
+                    </a:p>
+                  </a:txBody>
+                  <a:tcPr/>
+                </a:tc>
+                <a:tc>
+                  <a:txBody>
+                    <a:bodyPr/>
+                    <a:lstStyle/>
+                    <a:p>
+                      <a:r>
+                        <a:rPr lang="fr-FR" sz="1600" dirty="0" smtClean="0"/>
+                        <a:t>Jeudi</a:t>
+                      </a:r>
+                      <a:endParaRPr lang="fr-FR" sz="1600" dirty="0"/>
+                    </a:p>
+                  </a:txBody>
+                  <a:tcPr/>
+                </a:tc>
+                <a:tc>
+                  <a:txBody>
+                    <a:bodyPr/>
+                    <a:lstStyle/>
+                    <a:p>
+                      <a:r>
+                        <a:rPr lang="fr-FR" sz="1600" dirty="0" smtClean="0"/>
+                        <a:t>Vendredi</a:t>
+                      </a:r>
+                      <a:endParaRPr lang="fr-FR" sz="1600" dirty="0"/>
+                    </a:p>
+                  </a:txBody>
+                  <a:tcPr/>
+                </a:tc>
+                <a:tc>
+                  <a:txBody>
+                    <a:bodyPr/>
+                    <a:lstStyle/>
+                    <a:p>
+                      <a:r>
+                        <a:rPr lang="fr-FR" sz="1600" dirty="0" smtClean="0"/>
+                        <a:t>Samedi</a:t>
+                      </a:r>
+                      <a:endParaRPr lang="fr-FR" sz="1600" dirty="0"/>
+                    </a:p>
+                  </a:txBody>
+                  <a:tcPr/>
+                </a:tc>
+                <a:tc>
+                  <a:txBody>
+                    <a:bodyPr/>
+                    <a:lstStyle/>
+                    <a:p>
+                      <a:r>
+                        <a:rPr lang="fr-FR" sz="1600" dirty="0" smtClean="0"/>
+                        <a:t>Dimanche</a:t>
+                      </a:r>
+                      <a:endParaRPr lang="fr-FR" sz="1600" dirty="0"/>
+                    </a:p>
+                  </a:txBody>
+                  <a:tcPr/>
+                </a:tc>
+              </a:tr>
+              <a:tr h="370840">
+                <a:tc>
+                  <a:txBody>
+                    <a:bodyPr/>
+                    <a:lstStyle/>
+                    <a:p>
+                      <a:r>
+                        <a:rPr lang="fr-FR" b="1" dirty="0" smtClean="0"/>
+                        <a:t>Thomas</a:t>
+                      </a:r>
+                      <a:endParaRPr lang="fr-FR" b="1" dirty="0"/>
+                    </a:p>
+                  </a:txBody>
+                  <a:tcPr/>
+                </a:tc>
+                <a:tc>
+                  <a:txBody>
+                    <a:bodyPr/>
+                    <a:lstStyle/>
+                    <a:p>
+                      <a:pPr algn="ctr"/>
+                      <a:endParaRPr lang="fr-FR" dirty="0"/>
+                    </a:p>
+                  </a:txBody>
+                  <a:tcPr/>
+                </a:tc>
+                <a:tc>
+                  <a:txBody>
+                    <a:bodyPr/>
+                    <a:lstStyle/>
+                    <a:p>
+                      <a:pPr algn="ctr"/>
+                      <a:endParaRPr lang="fr-FR" dirty="0"/>
+                    </a:p>
+                  </a:txBody>
+                  <a:tcPr/>
+                </a:tc>
+                <a:tc>
+                  <a:txBody>
+                    <a:bodyPr/>
+                    <a:lstStyle/>
+                    <a:p>
+                      <a:pPr algn="ctr"/>
+                      <a:endParaRPr lang="fr-FR" dirty="0"/>
+                    </a:p>
+                  </a:txBody>
+                  <a:tcPr/>
+                </a:tc>
+                <a:tc>
+                  <a:txBody>
+                    <a:bodyPr/>
+                    <a:lstStyle/>
+                    <a:p>
+                      <a:pPr algn="ctr"/>
+                      <a:endParaRPr lang="fr-FR" dirty="0"/>
+                    </a:p>
+                  </a:txBody>
+                  <a:tcPr/>
+                </a:tc>
+                <a:tc>
+                  <a:txBody>
+                    <a:bodyPr/>
+                    <a:lstStyle/>
+                    <a:p>
+                      <a:pPr algn="ctr"/>
+                      <a:endParaRPr lang="fr-FR" dirty="0"/>
+                    </a:p>
+                  </a:txBody>
+                  <a:tcPr/>
+                </a:tc>
+                <a:tc>
+                  <a:txBody>
+                    <a:bodyPr/>
+                    <a:lstStyle/>
+                    <a:p>
+                      <a:pPr algn="ctr"/>
+                      <a:endParaRPr lang="fr-FR" dirty="0"/>
+                    </a:p>
+                  </a:txBody>
+                  <a:tcPr/>
+                </a:tc>
+                <a:tc>
+                  <a:txBody>
+                    <a:bodyPr/>
+                    <a:lstStyle/>
+                    <a:p>
+                      <a:pPr algn="ctr"/>
+                      <a:endParaRPr lang="fr-FR" dirty="0"/>
+                    </a:p>
+                  </a:txBody>
+                  <a:tcPr/>
+                </a:tc>
+              </a:tr>
+              <a:tr h="370840">
+                <a:tc>
+                  <a:txBody>
+                    <a:bodyPr/>
+                    <a:lstStyle/>
+                    <a:p>
+                      <a:r>
+                        <a:rPr lang="fr-FR" b="1" dirty="0" smtClean="0"/>
+                        <a:t>Brice</a:t>
+                      </a:r>
+                      <a:endParaRPr lang="fr-FR" b="1" dirty="0"/>
+                    </a:p>
+                  </a:txBody>
+                  <a:tcPr/>
+                </a:tc>
+                <a:tc>
+                  <a:txBody>
+                    <a:bodyPr/>
+                    <a:lstStyle/>
+                    <a:p>
+                      <a:pPr algn="ctr"/>
+                      <a:endParaRPr lang="fr-FR" dirty="0"/>
+                    </a:p>
+                  </a:txBody>
+                  <a:tcPr/>
+                </a:tc>
+                <a:tc>
+                  <a:txBody>
+                    <a:bodyPr/>
+                    <a:lstStyle/>
+                    <a:p>
+                      <a:pPr algn="ctr"/>
+                      <a:endParaRPr lang="fr-FR" dirty="0"/>
+                    </a:p>
+                  </a:txBody>
+                  <a:tcPr/>
+                </a:tc>
+                <a:tc>
+                  <a:txBody>
+                    <a:bodyPr/>
+                    <a:lstStyle/>
+                    <a:p>
+                      <a:pPr algn="ctr"/>
+                      <a:endParaRPr lang="fr-FR" dirty="0"/>
+                    </a:p>
+                  </a:txBody>
+                  <a:tcPr/>
+                </a:tc>
+                <a:tc>
+                  <a:txBody>
+                    <a:bodyPr/>
+                    <a:lstStyle/>
+                    <a:p>
+                      <a:pPr algn="ctr"/>
+                      <a:endParaRPr lang="fr-FR" dirty="0"/>
+                    </a:p>
+                  </a:txBody>
+                  <a:tcPr/>
+                </a:tc>
+                <a:tc>
+                  <a:txBody>
+                    <a:bodyPr/>
+                    <a:lstStyle/>
+                    <a:p>
+                      <a:pPr algn="ctr"/>
+                      <a:endParaRPr lang="fr-FR" dirty="0"/>
+                    </a:p>
+                  </a:txBody>
+                  <a:tcPr/>
+                </a:tc>
+                <a:tc>
+                  <a:txBody>
+                    <a:bodyPr/>
+                    <a:lstStyle/>
+                    <a:p>
+                      <a:pPr algn="ctr"/>
+                      <a:endParaRPr lang="fr-FR" dirty="0"/>
+                    </a:p>
+                  </a:txBody>
+                  <a:tcPr/>
+                </a:tc>
+                <a:tc>
+                  <a:txBody>
+                    <a:bodyPr/>
+                    <a:lstStyle/>
+                    <a:p>
+                      <a:pPr algn="ctr"/>
+                      <a:endParaRPr lang="fr-FR" dirty="0"/>
+                    </a:p>
+                  </a:txBody>
+                  <a:tcPr/>
+                </a:tc>
+              </a:tr>
+              <a:tr h="370840">
+                <a:tc>
+                  <a:txBody>
+                    <a:bodyPr/>
+                    <a:lstStyle/>
+                    <a:p>
+                      <a:r>
+                        <a:rPr lang="fr-FR" b="1" dirty="0" smtClean="0"/>
+                        <a:t>Olivier</a:t>
+                      </a:r>
+                      <a:endParaRPr lang="fr-FR" b="1" dirty="0"/>
+                    </a:p>
+                  </a:txBody>
+                  <a:tcPr/>
+                </a:tc>
+                <a:tc>
+                  <a:txBody>
+                    <a:bodyPr/>
+                    <a:lstStyle/>
+                    <a:p>
+                      <a:pPr algn="ctr"/>
+                      <a:r>
+                        <a:rPr lang="fr-FR" dirty="0" smtClean="0"/>
+                        <a:t>&gt; 20H</a:t>
+                      </a:r>
+                      <a:endParaRPr lang="fr-FR" dirty="0"/>
+                    </a:p>
+                  </a:txBody>
+                  <a:tcPr/>
+                </a:tc>
+                <a:tc>
+                  <a:txBody>
+                    <a:bodyPr/>
+                    <a:lstStyle/>
+                    <a:p>
+                      <a:pPr algn="ctr"/>
+                      <a:r>
+                        <a:rPr lang="fr-FR" smtClean="0"/>
+                        <a:t>&gt; 20H</a:t>
+                      </a:r>
+                      <a:endParaRPr lang="fr-FR" dirty="0"/>
+                    </a:p>
+                  </a:txBody>
+                  <a:tcPr/>
+                </a:tc>
+                <a:tc>
+                  <a:txBody>
+                    <a:bodyPr/>
+                    <a:lstStyle/>
+                    <a:p>
+                      <a:pPr algn="ctr"/>
+                      <a:r>
+                        <a:rPr lang="fr-FR" smtClean="0"/>
+                        <a:t>&gt; 20H</a:t>
+                      </a:r>
+                      <a:endParaRPr lang="fr-FR" dirty="0"/>
+                    </a:p>
+                  </a:txBody>
+                  <a:tcPr/>
+                </a:tc>
+                <a:tc>
+                  <a:txBody>
+                    <a:bodyPr/>
+                    <a:lstStyle/>
+                    <a:p>
+                      <a:pPr algn="ctr"/>
+                      <a:r>
+                        <a:rPr lang="fr-FR" smtClean="0"/>
+                        <a:t>&gt; 20H</a:t>
+                      </a:r>
+                      <a:endParaRPr lang="fr-FR" dirty="0"/>
+                    </a:p>
+                  </a:txBody>
+                  <a:tcPr/>
+                </a:tc>
+                <a:tc>
+                  <a:txBody>
+                    <a:bodyPr/>
+                    <a:lstStyle/>
+                    <a:p>
+                      <a:pPr algn="ctr"/>
+                      <a:r>
+                        <a:rPr lang="fr-FR" dirty="0" smtClean="0"/>
+                        <a:t>&gt; 20H</a:t>
+                      </a:r>
+                      <a:endParaRPr lang="fr-FR" dirty="0"/>
+                    </a:p>
+                  </a:txBody>
+                  <a:tcPr/>
+                </a:tc>
+                <a:tc>
+                  <a:txBody>
+                    <a:bodyPr/>
+                    <a:lstStyle/>
+                    <a:p>
+                      <a:pPr algn="ctr"/>
+                      <a:r>
+                        <a:rPr lang="fr-FR" dirty="0" smtClean="0"/>
+                        <a:t>&gt; 11H</a:t>
+                      </a:r>
+                      <a:endParaRPr lang="fr-FR" dirty="0"/>
+                    </a:p>
+                  </a:txBody>
+                  <a:tcPr/>
+                </a:tc>
+                <a:tc>
+                  <a:txBody>
+                    <a:bodyPr/>
+                    <a:lstStyle/>
+                    <a:p>
+                      <a:pPr marL="0" marR="0" indent="0" algn="ctr" defTabSz="914400" rtl="0" eaLnBrk="1" fontAlgn="auto" latinLnBrk="0" hangingPunct="1">
+                        <a:lnSpc>
+                          <a:spcPct val="100000"/>
+                        </a:lnSpc>
+                        <a:spcBef>
+                          <a:spcPts val="0"/>
+                        </a:spcBef>
+                        <a:spcAft>
+                          <a:spcPts val="0"/>
+                        </a:spcAft>
+                        <a:buClrTx/>
+                        <a:buSzTx/>
+                        <a:buFontTx/>
+                        <a:buNone/>
+                        <a:tabLst/>
+                        <a:defRPr/>
+                      </a:pPr>
+                      <a:r>
+                        <a:rPr lang="fr-FR" dirty="0" smtClean="0"/>
+                        <a:t>&gt; 11H</a:t>
+                      </a:r>
+                    </a:p>
+                  </a:txBody>
+                  <a:tcPr/>
+                </a:tc>
+              </a:tr>
+              <a:tr h="370840">
+                <a:tc>
+                  <a:txBody>
+                    <a:bodyPr/>
+                    <a:lstStyle/>
+                    <a:p>
+                      <a:r>
+                        <a:rPr lang="fr-FR" b="1" dirty="0" smtClean="0"/>
+                        <a:t>Bernard</a:t>
+                      </a:r>
+                      <a:endParaRPr lang="fr-FR" b="1" dirty="0"/>
+                    </a:p>
+                  </a:txBody>
+                  <a:tcPr/>
+                </a:tc>
+                <a:tc>
+                  <a:txBody>
+                    <a:bodyPr/>
+                    <a:lstStyle/>
+                    <a:p>
+                      <a:pPr algn="ctr"/>
+                      <a:endParaRPr lang="fr-FR" dirty="0"/>
+                    </a:p>
+                  </a:txBody>
+                  <a:tcPr/>
+                </a:tc>
+                <a:tc>
+                  <a:txBody>
+                    <a:bodyPr/>
+                    <a:lstStyle/>
+                    <a:p>
+                      <a:pPr algn="ctr"/>
+                      <a:endParaRPr lang="fr-FR" dirty="0"/>
+                    </a:p>
+                  </a:txBody>
+                  <a:tcPr/>
+                </a:tc>
+                <a:tc>
+                  <a:txBody>
+                    <a:bodyPr/>
+                    <a:lstStyle/>
+                    <a:p>
+                      <a:pPr algn="ctr"/>
+                      <a:endParaRPr lang="fr-FR" dirty="0"/>
+                    </a:p>
+                  </a:txBody>
+                  <a:tcPr/>
+                </a:tc>
+                <a:tc>
+                  <a:txBody>
+                    <a:bodyPr/>
+                    <a:lstStyle/>
+                    <a:p>
+                      <a:pPr algn="ctr"/>
+                      <a:endParaRPr lang="fr-FR" dirty="0"/>
+                    </a:p>
+                  </a:txBody>
+                  <a:tcPr/>
+                </a:tc>
+                <a:tc>
+                  <a:txBody>
+                    <a:bodyPr/>
+                    <a:lstStyle/>
+                    <a:p>
+                      <a:pPr algn="ctr"/>
+                      <a:endParaRPr lang="fr-FR" dirty="0"/>
+                    </a:p>
+                  </a:txBody>
+                  <a:tcPr/>
+                </a:tc>
+                <a:tc>
+                  <a:txBody>
+                    <a:bodyPr/>
+                    <a:lstStyle/>
+                    <a:p>
+                      <a:pPr algn="ctr"/>
+                      <a:endParaRPr lang="fr-FR" dirty="0"/>
+                    </a:p>
+                  </a:txBody>
+                  <a:tcPr/>
+                </a:tc>
+                <a:tc>
+                  <a:txBody>
+                    <a:bodyPr/>
+                    <a:lstStyle/>
+                    <a:p>
+                      <a:pPr algn="ctr"/>
+                      <a:endParaRPr lang="fr-FR" dirty="0"/>
+                    </a:p>
+                  </a:txBody>
+                  <a:tcPr/>
+                </a:tc>
+              </a:tr>
+              <a:tr h="370840">
+                <a:tc>
+                  <a:txBody>
+                    <a:bodyPr/>
+                    <a:lstStyle/>
+                    <a:p>
+                      <a:r>
+                        <a:rPr lang="fr-FR" b="1" dirty="0" smtClean="0"/>
+                        <a:t>Cédric</a:t>
+                      </a:r>
+                      <a:endParaRPr lang="fr-FR" b="1" dirty="0"/>
+                    </a:p>
+                  </a:txBody>
+                  <a:tcPr/>
+                </a:tc>
+                <a:tc>
+                  <a:txBody>
+                    <a:bodyPr/>
+                    <a:lstStyle/>
+                    <a:p>
+                      <a:pPr algn="ctr"/>
+                      <a:endParaRPr lang="fr-FR" dirty="0"/>
+                    </a:p>
+                  </a:txBody>
+                  <a:tcPr/>
+                </a:tc>
+                <a:tc>
+                  <a:txBody>
+                    <a:bodyPr/>
+                    <a:lstStyle/>
+                    <a:p>
+                      <a:pPr algn="ctr"/>
+                      <a:endParaRPr lang="fr-FR" dirty="0"/>
+                    </a:p>
+                  </a:txBody>
+                  <a:tcPr/>
+                </a:tc>
+                <a:tc>
+                  <a:txBody>
+                    <a:bodyPr/>
+                    <a:lstStyle/>
+                    <a:p>
+                      <a:pPr algn="ctr"/>
+                      <a:endParaRPr lang="fr-FR" dirty="0"/>
+                    </a:p>
+                  </a:txBody>
+                  <a:tcPr/>
+                </a:tc>
+                <a:tc>
+                  <a:txBody>
+                    <a:bodyPr/>
+                    <a:lstStyle/>
+                    <a:p>
+                      <a:pPr algn="ctr"/>
+                      <a:endParaRPr lang="fr-FR" dirty="0"/>
+                    </a:p>
+                  </a:txBody>
+                  <a:tcPr/>
+                </a:tc>
+                <a:tc>
+                  <a:txBody>
+                    <a:bodyPr/>
+                    <a:lstStyle/>
+                    <a:p>
+                      <a:pPr algn="ctr"/>
+                      <a:endParaRPr lang="fr-FR" dirty="0"/>
+                    </a:p>
+                  </a:txBody>
+                  <a:tcPr/>
+                </a:tc>
+                <a:tc>
+                  <a:txBody>
+                    <a:bodyPr/>
+                    <a:lstStyle/>
+                    <a:p>
+                      <a:pPr algn="ctr"/>
+                      <a:endParaRPr lang="fr-FR" dirty="0"/>
+                    </a:p>
+                  </a:txBody>
+                  <a:tcPr/>
+                </a:tc>
+                <a:tc>
+                  <a:txBody>
+                    <a:bodyPr/>
+                    <a:lstStyle/>
+                    <a:p>
+                      <a:pPr algn="ctr"/>
+                      <a:endParaRPr lang="fr-FR" dirty="0"/>
+                    </a:p>
+                  </a:txBody>
+                  <a:tcPr/>
+                </a:tc>
+              </a:tr>
+            </a:tbl>
+          </a:graphicData>
+        </a:graphic>
+      </p:graphicFrame>
+      <p:sp>
+        <p:nvSpPr>
+          <p:cNvPr id="9" name="Rectangle 8"/>
+          <p:cNvSpPr/>
+          <p:nvPr/>
+        </p:nvSpPr>
+        <p:spPr>
+          <a:xfrm>
+            <a:off x="442392" y="4668232"/>
+            <a:ext cx="8450087" cy="1785104"/>
+          </a:xfrm>
+          <a:prstGeom prst="rect">
+            <a:avLst/>
+          </a:prstGeom>
+        </p:spPr>
+        <p:txBody>
+          <a:bodyPr wrap="square">
+            <a:spAutoFit/>
+          </a:bodyPr>
+          <a:lstStyle/>
+          <a:p>
+            <a:pPr>
+              <a:spcBef>
+                <a:spcPts val="300"/>
+              </a:spcBef>
+              <a:spcAft>
+                <a:spcPts val="300"/>
+              </a:spcAft>
+            </a:pPr>
+            <a:r>
+              <a:rPr lang="fr-FR" b="1" dirty="0" smtClean="0"/>
+              <a:t>Au regard de la </a:t>
+            </a:r>
+            <a:r>
+              <a:rPr lang="fr-FR" b="1" dirty="0" err="1" smtClean="0"/>
+              <a:t>lotification</a:t>
+            </a:r>
+            <a:r>
+              <a:rPr lang="fr-FR" b="1" dirty="0" smtClean="0"/>
+              <a:t> :</a:t>
+            </a:r>
+            <a:endParaRPr lang="fr-FR" b="1" dirty="0"/>
+          </a:p>
+          <a:p>
+            <a:pPr lvl="1">
+              <a:spcBef>
+                <a:spcPts val="300"/>
+              </a:spcBef>
+              <a:spcAft>
+                <a:spcPts val="300"/>
+              </a:spcAft>
+            </a:pPr>
+            <a:r>
+              <a:rPr lang="fr-FR" dirty="0" smtClean="0"/>
+              <a:t>Pour le lot 1 : Tous ensemble</a:t>
+            </a:r>
+            <a:endParaRPr lang="fr-FR" b="1" dirty="0" smtClean="0"/>
+          </a:p>
+          <a:p>
+            <a:pPr lvl="8">
+              <a:spcBef>
+                <a:spcPts val="300"/>
+              </a:spcBef>
+              <a:spcAft>
+                <a:spcPts val="300"/>
+              </a:spcAft>
+            </a:pPr>
+            <a:r>
+              <a:rPr lang="fr-FR" b="1" dirty="0" smtClean="0"/>
+              <a:t>Préférence pour  les lots 2 &amp; 3 ?</a:t>
+            </a:r>
+          </a:p>
+          <a:p>
+            <a:pPr marL="3943350" lvl="8" indent="-285750">
+              <a:spcBef>
+                <a:spcPts val="300"/>
+              </a:spcBef>
+              <a:spcAft>
+                <a:spcPts val="300"/>
+              </a:spcAft>
+              <a:buFont typeface="Arial" panose="020B0604020202020204" pitchFamily="34" charset="0"/>
+              <a:buChar char="•"/>
+            </a:pPr>
+            <a:r>
+              <a:rPr lang="fr-FR" dirty="0" smtClean="0"/>
+              <a:t>Faire 1 point hebdo par équipe ?</a:t>
+            </a:r>
+          </a:p>
+          <a:p>
+            <a:pPr marL="3943350" lvl="8" indent="-285750">
+              <a:spcBef>
+                <a:spcPts val="300"/>
+              </a:spcBef>
+              <a:spcAft>
+                <a:spcPts val="300"/>
+              </a:spcAft>
+              <a:buFont typeface="Arial" panose="020B0604020202020204" pitchFamily="34" charset="0"/>
+              <a:buChar char="•"/>
+            </a:pPr>
+            <a:r>
+              <a:rPr lang="fr-FR" dirty="0" smtClean="0"/>
+              <a:t>Garder 2 points hebdo tous ensemble ?</a:t>
+            </a:r>
+            <a:endParaRPr lang="fr-FR" dirty="0"/>
+          </a:p>
+        </p:txBody>
+      </p:sp>
+      <p:sp>
+        <p:nvSpPr>
+          <p:cNvPr id="7" name="ZoneTexte 6"/>
+          <p:cNvSpPr txBox="1"/>
+          <p:nvPr/>
+        </p:nvSpPr>
+        <p:spPr>
+          <a:xfrm>
+            <a:off x="4211960" y="4509120"/>
+            <a:ext cx="4248472" cy="369332"/>
+          </a:xfrm>
+          <a:prstGeom prst="rect">
+            <a:avLst/>
+          </a:prstGeom>
+        </p:spPr>
+        <p:style>
+          <a:lnRef idx="1">
+            <a:schemeClr val="accent6"/>
+          </a:lnRef>
+          <a:fillRef idx="2">
+            <a:schemeClr val="accent6"/>
+          </a:fillRef>
+          <a:effectRef idx="1">
+            <a:schemeClr val="accent6"/>
+          </a:effectRef>
+          <a:fontRef idx="minor">
+            <a:schemeClr val="dk1"/>
+          </a:fontRef>
+        </p:style>
+        <p:txBody>
+          <a:bodyPr wrap="square" rtlCol="0">
+            <a:spAutoFit/>
+          </a:bodyPr>
+          <a:lstStyle/>
+          <a:p>
+            <a:r>
+              <a:rPr lang="fr-FR" b="1" dirty="0" smtClean="0"/>
+              <a:t>A envoyer par mail pour sondage !</a:t>
+            </a:r>
+            <a:endParaRPr lang="fr-FR" sz="1600" b="1" dirty="0"/>
+          </a:p>
+        </p:txBody>
+      </p:sp>
+    </p:spTree>
+    <p:extLst>
+      <p:ext uri="{BB962C8B-B14F-4D97-AF65-F5344CB8AC3E}">
+        <p14:creationId xmlns:p14="http://schemas.microsoft.com/office/powerpoint/2010/main" val="4104051211"/>
+      </p:ext>
+    </p:extLst>
+  </p:cSld>
+  <p:clrMapOvr>
+    <a:masterClrMapping/>
+  </p:clrMapOvr>
+  <p:timing>
+    <p:tnLst>
+      <p:par>
+        <p:cTn id="1" dur="indefinite" restart="never" nodeType="tmRoot"/>
+      </p:par>
+    </p:tnLst>
+  </p:timing>
+</p:sld>
+</file>
+
+<file path=ppt/slides/slide9.xml><?xml version="1.0" encoding="utf-8"?>
 <p:sld xmlns:a="http://schemas.openxmlformats.org/drawingml/2006/main" xmlns:r="http://schemas.openxmlformats.org/officeDocument/2006/relationships" xmlns:p="http://schemas.openxmlformats.org/presentationml/2006/main">
   <p:cSld>
     <p:spTree>
@@ -5033,28 +11381,28 @@
         <p:spPr>
           <a:xfrm>
             <a:off x="129238" y="98167"/>
-            <a:ext cx="2282522" cy="369332"/>
+            <a:ext cx="1797287" cy="369332"/>
           </a:xfrm>
           <a:prstGeom prst="rect">
             <a:avLst/>
           </a:prstGeom>
         </p:spPr>
         <p:style>
-          <a:lnRef idx="1">
+          <a:lnRef idx="0">
             <a:schemeClr val="accent1"/>
           </a:lnRef>
-          <a:fillRef idx="2">
+          <a:fillRef idx="3">
             <a:schemeClr val="accent1"/>
           </a:fillRef>
-          <a:effectRef idx="1">
+          <a:effectRef idx="3">
             <a:schemeClr val="accent1"/>
           </a:effectRef>
           <a:fontRef idx="minor">
-            <a:schemeClr val="dk1"/>
+            <a:schemeClr val="lt1"/>
           </a:fontRef>
         </p:style>
         <p:txBody>
-          <a:bodyPr wrap="square" rtlCol="0">
+          <a:bodyPr wrap="none" rtlCol="0">
             <a:spAutoFit/>
           </a:bodyPr>
           <a:lstStyle>
@@ -5064,73 +11412,72 @@
             <a:lvl1pPr>
               <a:defRPr>
                 <a:solidFill>
-                  <a:schemeClr val="dk1"/>
+                  <a:schemeClr val="lt1"/>
                 </a:solidFill>
               </a:defRPr>
             </a:lvl1pPr>
             <a:lvl2pPr>
               <a:defRPr>
                 <a:solidFill>
-                  <a:schemeClr val="dk1"/>
+                  <a:schemeClr val="lt1"/>
                 </a:solidFill>
               </a:defRPr>
             </a:lvl2pPr>
             <a:lvl3pPr>
               <a:defRPr>
                 <a:solidFill>
-                  <a:schemeClr val="dk1"/>
+                  <a:schemeClr val="lt1"/>
                 </a:solidFill>
               </a:defRPr>
             </a:lvl3pPr>
             <a:lvl4pPr>
               <a:defRPr>
                 <a:solidFill>
-                  <a:schemeClr val="dk1"/>
+                  <a:schemeClr val="lt1"/>
                 </a:solidFill>
               </a:defRPr>
             </a:lvl4pPr>
             <a:lvl5pPr>
               <a:defRPr>
                 <a:solidFill>
-                  <a:schemeClr val="dk1"/>
+                  <a:schemeClr val="lt1"/>
                 </a:solidFill>
               </a:defRPr>
             </a:lvl5pPr>
             <a:lvl6pPr>
               <a:defRPr>
                 <a:solidFill>
-                  <a:schemeClr val="dk1"/>
+                  <a:schemeClr val="lt1"/>
                 </a:solidFill>
               </a:defRPr>
             </a:lvl6pPr>
             <a:lvl7pPr>
               <a:defRPr>
                 <a:solidFill>
-                  <a:schemeClr val="dk1"/>
+                  <a:schemeClr val="lt1"/>
                 </a:solidFill>
               </a:defRPr>
             </a:lvl7pPr>
             <a:lvl8pPr>
               <a:defRPr>
                 <a:solidFill>
-                  <a:schemeClr val="dk1"/>
+                  <a:schemeClr val="lt1"/>
                 </a:solidFill>
               </a:defRPr>
             </a:lvl8pPr>
             <a:lvl9pPr>
               <a:defRPr>
                 <a:solidFill>
-                  <a:schemeClr val="dk1"/>
+                  <a:schemeClr val="lt1"/>
                 </a:solidFill>
               </a:defRPr>
             </a:lvl9pPr>
           </a:lstStyle>
           <a:p>
             <a:r>
-              <a:rPr lang="fr-FR" dirty="0" smtClean="0"/>
-              <a:t>Côté communication</a:t>
-            </a:r>
-            <a:endParaRPr lang="fr-FR" dirty="0"/>
+              <a:rPr lang="fr-FR" dirty="0"/>
+              <a:t>Le mot de la fin…</a:t>
+            </a:r>
           </a:p>
         </p:txBody>
       </p:sp>
@@ -5178,20 +11525,36 @@
               </a:spcAft>
             </a:pPr>
             <a:r>
+              <a:rPr lang="fr-FR" dirty="0" smtClean="0"/>
+              <a:t>Entre chaque point Skype, vous </a:t>
+            </a:r>
+            <a:r>
               <a:rPr lang="fr-FR" dirty="0"/>
-              <a:t>Nous allons </a:t>
-            </a:r>
-            <a:r>
-              <a:rPr lang="fr-FR" dirty="0" smtClean="0"/>
-              <a:t>privilégier </a:t>
-            </a:r>
-            <a:r>
-              <a:rPr lang="fr-FR" dirty="0"/>
-              <a:t>SKYPE pour </a:t>
-            </a:r>
-            <a:r>
-              <a:rPr lang="fr-FR" dirty="0" smtClean="0"/>
-              <a:t>les visio-conférences hebdomadaires</a:t>
+              <a:t>pouvez m’envoyer un mail à </a:t>
+            </a:r>
+            <a:r>
+              <a:rPr lang="fr-FR" u="sng" dirty="0" err="1">
+                <a:solidFill>
+                  <a:schemeClr val="tx2"/>
+                </a:solidFill>
+              </a:rPr>
+              <a:t>olivier.essner</a:t>
+            </a:r>
+            <a:r>
+              <a:rPr lang="fr-FR" u="sng" dirty="0">
+                <a:solidFill>
+                  <a:schemeClr val="tx2"/>
+                </a:solidFill>
+              </a:rPr>
+              <a:t> (at) </a:t>
+            </a:r>
+            <a:r>
+              <a:rPr lang="fr-FR" u="sng" dirty="0" smtClean="0">
+                <a:solidFill>
+                  <a:schemeClr val="tx2"/>
+                </a:solidFill>
+              </a:rPr>
+              <a:t>free.fr </a:t>
             </a:r>
           </a:p>
           <a:p>
@@ -5205,39 +11568,7 @@
             </a:pPr>
             <a:r>
               <a:rPr lang="fr-FR" dirty="0" smtClean="0"/>
-              <a:t>Entre-temps, vous </a:t>
-            </a:r>
-            <a:r>
-              <a:rPr lang="fr-FR" dirty="0"/>
-              <a:t>pouvez m’envoyer un mail à </a:t>
-            </a:r>
-            <a:r>
-              <a:rPr lang="fr-FR" u="sng" dirty="0" err="1">
-                <a:solidFill>
-                  <a:schemeClr val="tx2"/>
-                </a:solidFill>
-              </a:rPr>
-              <a:t>olivier.essner</a:t>
-            </a:r>
-            <a:r>
-              <a:rPr lang="fr-FR" u="sng" dirty="0">
-                <a:solidFill>
-                  <a:schemeClr val="tx2"/>
-                </a:solidFill>
-              </a:rPr>
-              <a:t> (at) </a:t>
-            </a:r>
-            <a:r>
-              <a:rPr lang="fr-FR" u="sng" dirty="0" smtClean="0">
-                <a:solidFill>
-                  <a:schemeClr val="tx2"/>
-                </a:solidFill>
-              </a:rPr>
-              <a:t>free.fr </a:t>
-            </a:r>
-            <a:r>
-              <a:rPr lang="fr-FR" dirty="0" smtClean="0"/>
-              <a:t>Penser à mettre tout le monde en copie des échanges de mails ! </a:t>
+              <a:t>Pensez à mettre tout le monde en copie des échanges de mails ! </a:t>
             </a:r>
             <a:endParaRPr lang="fr-FR" dirty="0"/>
           </a:p>
@@ -5304,7 +11635,23 @@
             </a:pPr>
             <a:r>
               <a:rPr lang="fr-FR" dirty="0"/>
-              <a:t>En 3 mois de travail, les enseignants du Master ne nous demandent pas un projet « techniquement  parfait  » mais « un projet qui marche </a:t>
+              <a:t>En 3 mois de travail, les enseignants du Master ne nous demandent pas un projet « techniquement  parfait  » mais </a:t>
+            </a:r>
+            <a:r>
+              <a:rPr lang="fr-FR" dirty="0" smtClean="0"/>
+              <a:t>un </a:t>
+            </a:r>
+            <a:r>
+              <a:rPr lang="fr-FR" dirty="0"/>
+              <a:t>projet </a:t>
+            </a:r>
+            <a:r>
+              <a:rPr lang="fr-FR" dirty="0" smtClean="0"/>
+              <a:t>« qui </a:t>
+            </a:r>
+            <a:r>
+              <a:rPr lang="fr-FR" dirty="0"/>
+              <a:t>marche </a:t>
             </a:r>
             <a:r>
               <a:rPr lang="fr-FR" dirty="0" smtClean="0"/>
